--- a/slides/Ang Sessions 2.pptx
+++ b/slides/Ang Sessions 2.pptx
@@ -9,21 +9,21 @@
   </p:notesMasterIdLst>
   <p:sldIdLst>
     <p:sldId id="274" r:id="rId2"/>
-    <p:sldId id="302" r:id="rId3"/>
-    <p:sldId id="260" r:id="rId4"/>
-    <p:sldId id="303" r:id="rId5"/>
-    <p:sldId id="267" r:id="rId6"/>
-    <p:sldId id="304" r:id="rId7"/>
-    <p:sldId id="299" r:id="rId8"/>
-    <p:sldId id="269" r:id="rId9"/>
-    <p:sldId id="300" r:id="rId10"/>
-    <p:sldId id="293" r:id="rId11"/>
-    <p:sldId id="309" r:id="rId12"/>
-    <p:sldId id="305" r:id="rId13"/>
-    <p:sldId id="306" r:id="rId14"/>
-    <p:sldId id="307" r:id="rId15"/>
-    <p:sldId id="272" r:id="rId16"/>
-    <p:sldId id="273" r:id="rId17"/>
+    <p:sldId id="269" r:id="rId3"/>
+    <p:sldId id="310" r:id="rId4"/>
+    <p:sldId id="309" r:id="rId5"/>
+    <p:sldId id="313" r:id="rId6"/>
+    <p:sldId id="314" r:id="rId7"/>
+    <p:sldId id="311" r:id="rId8"/>
+    <p:sldId id="312" r:id="rId9"/>
+    <p:sldId id="320" r:id="rId10"/>
+    <p:sldId id="321" r:id="rId11"/>
+    <p:sldId id="318" r:id="rId12"/>
+    <p:sldId id="319" r:id="rId13"/>
+    <p:sldId id="317" r:id="rId14"/>
+    <p:sldId id="322" r:id="rId15"/>
+    <p:sldId id="316" r:id="rId16"/>
+    <p:sldId id="315" r:id="rId17"/>
   </p:sldIdLst>
   <p:sldSz cx="12192000" cy="6858000"/>
   <p:notesSz cx="6858000" cy="9144000"/>
@@ -212,7 +212,7 @@
           <a:p>
             <a:fld id="{0977DE21-F680-43D4-929B-3CCD08699C48}" type="datetimeFigureOut">
               <a:rPr lang="en-US" smtClean="0"/>
-              <a:t>8/17/2020</a:t>
+              <a:t>8/18/2020</a:t>
             </a:fld>
             <a:endParaRPr lang="en-US"/>
           </a:p>
@@ -626,7 +626,7 @@
           <a:p>
             <a:fld id="{074E2275-5F71-463B-81D5-512688C0E738}" type="datetimeFigureOut">
               <a:rPr lang="en-US" smtClean="0"/>
-              <a:t>8/17/2020</a:t>
+              <a:t>8/18/2020</a:t>
             </a:fld>
             <a:endParaRPr lang="en-US"/>
           </a:p>
@@ -824,7 +824,7 @@
           <a:p>
             <a:fld id="{074E2275-5F71-463B-81D5-512688C0E738}" type="datetimeFigureOut">
               <a:rPr lang="en-US" smtClean="0"/>
-              <a:t>8/17/2020</a:t>
+              <a:t>8/18/2020</a:t>
             </a:fld>
             <a:endParaRPr lang="en-US"/>
           </a:p>
@@ -1032,7 +1032,7 @@
           <a:p>
             <a:fld id="{074E2275-5F71-463B-81D5-512688C0E738}" type="datetimeFigureOut">
               <a:rPr lang="en-US" smtClean="0"/>
-              <a:t>8/17/2020</a:t>
+              <a:t>8/18/2020</a:t>
             </a:fld>
             <a:endParaRPr lang="en-US"/>
           </a:p>
@@ -2737,7 +2737,7 @@
           <a:p>
             <a:fld id="{074E2275-5F71-463B-81D5-512688C0E738}" type="datetimeFigureOut">
               <a:rPr lang="en-US" smtClean="0"/>
-              <a:t>8/17/2020</a:t>
+              <a:t>8/18/2020</a:t>
             </a:fld>
             <a:endParaRPr lang="en-US"/>
           </a:p>
@@ -3012,7 +3012,7 @@
           <a:p>
             <a:fld id="{074E2275-5F71-463B-81D5-512688C0E738}" type="datetimeFigureOut">
               <a:rPr lang="en-US" smtClean="0"/>
-              <a:t>8/17/2020</a:t>
+              <a:t>8/18/2020</a:t>
             </a:fld>
             <a:endParaRPr lang="en-US"/>
           </a:p>
@@ -3277,7 +3277,7 @@
           <a:p>
             <a:fld id="{074E2275-5F71-463B-81D5-512688C0E738}" type="datetimeFigureOut">
               <a:rPr lang="en-US" smtClean="0"/>
-              <a:t>8/17/2020</a:t>
+              <a:t>8/18/2020</a:t>
             </a:fld>
             <a:endParaRPr lang="en-US"/>
           </a:p>
@@ -3689,7 +3689,7 @@
           <a:p>
             <a:fld id="{074E2275-5F71-463B-81D5-512688C0E738}" type="datetimeFigureOut">
               <a:rPr lang="en-US" smtClean="0"/>
-              <a:t>8/17/2020</a:t>
+              <a:t>8/18/2020</a:t>
             </a:fld>
             <a:endParaRPr lang="en-US"/>
           </a:p>
@@ -3830,7 +3830,7 @@
           <a:p>
             <a:fld id="{074E2275-5F71-463B-81D5-512688C0E738}" type="datetimeFigureOut">
               <a:rPr lang="en-US" smtClean="0"/>
-              <a:t>8/17/2020</a:t>
+              <a:t>8/18/2020</a:t>
             </a:fld>
             <a:endParaRPr lang="en-US"/>
           </a:p>
@@ -3943,7 +3943,7 @@
           <a:p>
             <a:fld id="{074E2275-5F71-463B-81D5-512688C0E738}" type="datetimeFigureOut">
               <a:rPr lang="en-US" smtClean="0"/>
-              <a:t>8/17/2020</a:t>
+              <a:t>8/18/2020</a:t>
             </a:fld>
             <a:endParaRPr lang="en-US"/>
           </a:p>
@@ -4254,7 +4254,7 @@
           <a:p>
             <a:fld id="{074E2275-5F71-463B-81D5-512688C0E738}" type="datetimeFigureOut">
               <a:rPr lang="en-US" smtClean="0"/>
-              <a:t>8/17/2020</a:t>
+              <a:t>8/18/2020</a:t>
             </a:fld>
             <a:endParaRPr lang="en-US"/>
           </a:p>
@@ -4542,7 +4542,7 @@
           <a:p>
             <a:fld id="{074E2275-5F71-463B-81D5-512688C0E738}" type="datetimeFigureOut">
               <a:rPr lang="en-US" smtClean="0"/>
-              <a:t>8/17/2020</a:t>
+              <a:t>8/18/2020</a:t>
             </a:fld>
             <a:endParaRPr lang="en-US"/>
           </a:p>
@@ -4783,7 +4783,7 @@
           <a:p>
             <a:fld id="{074E2275-5F71-463B-81D5-512688C0E738}" type="datetimeFigureOut">
               <a:rPr lang="en-US" smtClean="0"/>
-              <a:t>8/17/2020</a:t>
+              <a:t>8/18/2020</a:t>
             </a:fld>
             <a:endParaRPr lang="en-US"/>
           </a:p>
@@ -5260,6 +5260,15 @@
           </a:bodyPr>
           <a:lstStyle/>
           <a:p>
+            <a:pPr marL="0" indent="0">
+              <a:buNone/>
+            </a:pPr>
+            <a:r>
+              <a:rPr lang="en-US" dirty="0"/>
+              <a:t>Session 2</a:t>
+            </a:r>
+          </a:p>
+          <a:p>
             <a:r>
               <a:rPr lang="en-US" dirty="0"/>
               <a:t>Life Cycle Hooks</a:t>
@@ -5268,6 +5277,17 @@
           <a:p>
             <a:r>
               <a:rPr lang="en-US" dirty="0"/>
+              <a:t>Observables, </a:t>
+            </a:r>
+            <a:r>
+              <a:rPr lang="en-US" dirty="0" err="1"/>
+              <a:t>RxJs</a:t>
+            </a:r>
+            <a:endParaRPr lang="en-US" dirty="0"/>
+          </a:p>
+          <a:p>
+            <a:r>
+              <a:rPr lang="en-US" dirty="0"/>
               <a:t>Forms</a:t>
             </a:r>
           </a:p>
@@ -5280,24 +5300,19 @@
           <a:p>
             <a:r>
               <a:rPr lang="en-US" dirty="0"/>
+              <a:t>Http</a:t>
+            </a:r>
+          </a:p>
+          <a:p>
+            <a:r>
+              <a:rPr lang="en-US" dirty="0"/>
               <a:t>Services &amp; Dependency Injection</a:t>
             </a:r>
           </a:p>
           <a:p>
             <a:r>
               <a:rPr lang="en-US" dirty="0"/>
-              <a:t>Http, Observables, </a:t>
-            </a:r>
-            <a:r>
-              <a:rPr lang="en-US" dirty="0" err="1"/>
-              <a:t>RxJs</a:t>
-            </a:r>
-            <a:endParaRPr lang="en-US" dirty="0"/>
-          </a:p>
-          <a:p>
-            <a:r>
-              <a:rPr lang="en-US" dirty="0"/>
-              <a:t>Routing &amp; Navigation</a:t>
+              <a:t>Routing</a:t>
             </a:r>
           </a:p>
           <a:p>
@@ -5339,15 +5354,12 @@
           </a:bodyPr>
           <a:lstStyle/>
           <a:p>
+            <a:pPr marL="0" indent="0">
+              <a:buNone/>
+            </a:pPr>
             <a:r>
               <a:rPr lang="en-US" dirty="0"/>
-              <a:t>Binding </a:t>
-            </a:r>
-          </a:p>
-          <a:p>
-            <a:r>
-              <a:rPr lang="en-US" dirty="0"/>
-              <a:t>Routing &amp; Navigation</a:t>
+              <a:t>Session 3</a:t>
             </a:r>
           </a:p>
           <a:p>
@@ -5432,17 +5444,17 @@
           <a:p>
             <a:r>
               <a:rPr lang="en-US" dirty="0"/>
-              <a:t>Forms</a:t>
+              <a:t>Template-Driven Forms : Data Flow</a:t>
             </a:r>
           </a:p>
         </p:txBody>
       </p:sp>
       <p:pic>
         <p:nvPicPr>
-          <p:cNvPr id="5" name="Content Placeholder 4">
-            <a:extLst>
-              <a:ext uri="{FF2B5EF4-FFF2-40B4-BE49-F238E27FC236}">
-                <a16:creationId xmlns:a16="http://schemas.microsoft.com/office/drawing/2014/main" id="{322E6A2F-37A4-4373-9B10-120058CB9097}"/>
+          <p:cNvPr id="7" name="Content Placeholder 6">
+            <a:extLst>
+              <a:ext uri="{FF2B5EF4-FFF2-40B4-BE49-F238E27FC236}">
+                <a16:creationId xmlns:a16="http://schemas.microsoft.com/office/drawing/2014/main" id="{ED7C12AD-B21B-42B7-AA7C-D575B0C7AC5C}"/>
               </a:ext>
             </a:extLst>
           </p:cNvPr>
@@ -5467,15 +5479,51 @@
         </p:blipFill>
         <p:spPr>
           <a:xfrm>
-            <a:off x="838200" y="1919994"/>
-            <a:ext cx="10515600" cy="4162599"/>
+            <a:off x="970826" y="1690688"/>
+            <a:ext cx="7527025" cy="4351338"/>
           </a:xfrm>
+        </p:spPr>
+      </p:pic>
+      <p:pic>
+        <p:nvPicPr>
+          <p:cNvPr id="9" name="Picture 8">
+            <a:extLst>
+              <a:ext uri="{FF2B5EF4-FFF2-40B4-BE49-F238E27FC236}">
+                <a16:creationId xmlns:a16="http://schemas.microsoft.com/office/drawing/2014/main" id="{1AF68EB0-8994-4861-B724-F18F263FE350}"/>
+              </a:ext>
+            </a:extLst>
+          </p:cNvPr>
+          <p:cNvPicPr>
+            <a:picLocks noChangeAspect="1"/>
+          </p:cNvPicPr>
+          <p:nvPr/>
+        </p:nvPicPr>
+        <p:blipFill>
+          <a:blip r:embed="rId3">
+            <a:extLst>
+              <a:ext uri="{28A0092B-C50C-407E-A947-70E740481C1C}">
+                <a14:useLocalDpi xmlns:a14="http://schemas.microsoft.com/office/drawing/2010/main" val="0"/>
+              </a:ext>
+            </a:extLst>
+          </a:blip>
+          <a:stretch>
+            <a:fillRect/>
+          </a:stretch>
+        </p:blipFill>
+        <p:spPr>
+          <a:xfrm>
+            <a:off x="9033596" y="1870130"/>
+            <a:ext cx="2863440" cy="1996227"/>
+          </a:xfrm>
+          <a:prstGeom prst="rect">
+            <a:avLst/>
+          </a:prstGeom>
         </p:spPr>
       </p:pic>
     </p:spTree>
     <p:extLst>
       <p:ext uri="{BB962C8B-B14F-4D97-AF65-F5344CB8AC3E}">
-        <p14:creationId xmlns:p14="http://schemas.microsoft.com/office/powerpoint/2010/main" val="2084183852"/>
+        <p14:creationId xmlns:p14="http://schemas.microsoft.com/office/powerpoint/2010/main" val="2407309530"/>
       </p:ext>
     </p:extLst>
   </p:cSld>
@@ -5525,7 +5573,7 @@
           <a:p>
             <a:r>
               <a:rPr lang="en-US" dirty="0"/>
-              <a:t>Forms</a:t>
+              <a:t>Reactive Forms</a:t>
             </a:r>
           </a:p>
         </p:txBody>
@@ -5535,7 +5583,7 @@
           <p:cNvPr id="7" name="Content Placeholder 6">
             <a:extLst>
               <a:ext uri="{FF2B5EF4-FFF2-40B4-BE49-F238E27FC236}">
-                <a16:creationId xmlns:a16="http://schemas.microsoft.com/office/drawing/2014/main" id="{03BF90B5-EA42-4823-A63F-EABC344BF354}"/>
+                <a16:creationId xmlns:a16="http://schemas.microsoft.com/office/drawing/2014/main" id="{0E0DE57E-CE8B-4C23-ACD3-15AB3B04F90A}"/>
               </a:ext>
             </a:extLst>
           </p:cNvPr>
@@ -5560,15 +5608,51 @@
         </p:blipFill>
         <p:spPr>
           <a:xfrm>
-            <a:off x="1201785" y="1601035"/>
-            <a:ext cx="9467587" cy="4351338"/>
+            <a:off x="838201" y="2068375"/>
+            <a:ext cx="5316600" cy="2692468"/>
           </a:xfrm>
+        </p:spPr>
+      </p:pic>
+      <p:pic>
+        <p:nvPicPr>
+          <p:cNvPr id="10" name="Content Placeholder 4">
+            <a:extLst>
+              <a:ext uri="{FF2B5EF4-FFF2-40B4-BE49-F238E27FC236}">
+                <a16:creationId xmlns:a16="http://schemas.microsoft.com/office/drawing/2014/main" id="{FBA15587-850D-439F-8DFE-81738E015DD3}"/>
+              </a:ext>
+            </a:extLst>
+          </p:cNvPr>
+          <p:cNvPicPr>
+            <a:picLocks noChangeAspect="1"/>
+          </p:cNvPicPr>
+          <p:nvPr/>
+        </p:nvPicPr>
+        <p:blipFill>
+          <a:blip r:embed="rId3">
+            <a:extLst>
+              <a:ext uri="{28A0092B-C50C-407E-A947-70E740481C1C}">
+                <a14:useLocalDpi xmlns:a14="http://schemas.microsoft.com/office/drawing/2010/main" val="0"/>
+              </a:ext>
+            </a:extLst>
+          </a:blip>
+          <a:stretch>
+            <a:fillRect/>
+          </a:stretch>
+        </p:blipFill>
+        <p:spPr>
+          <a:xfrm>
+            <a:off x="6500147" y="1421796"/>
+            <a:ext cx="4644343" cy="4014408"/>
+          </a:xfrm>
+          <a:prstGeom prst="rect">
+            <a:avLst/>
+          </a:prstGeom>
         </p:spPr>
       </p:pic>
     </p:spTree>
     <p:extLst>
       <p:ext uri="{BB962C8B-B14F-4D97-AF65-F5344CB8AC3E}">
-        <p14:creationId xmlns:p14="http://schemas.microsoft.com/office/powerpoint/2010/main" val="2674825031"/>
+        <p14:creationId xmlns:p14="http://schemas.microsoft.com/office/powerpoint/2010/main" val="1250852562"/>
       </p:ext>
     </p:extLst>
   </p:cSld>
@@ -5600,7 +5684,7 @@
           <p:cNvPr id="2" name="Title 1">
             <a:extLst>
               <a:ext uri="{FF2B5EF4-FFF2-40B4-BE49-F238E27FC236}">
-                <a16:creationId xmlns:a16="http://schemas.microsoft.com/office/drawing/2014/main" id="{92F27A5D-FBBC-4289-879C-2CAECCCCC6D6}"/>
+                <a16:creationId xmlns:a16="http://schemas.microsoft.com/office/drawing/2014/main" id="{98C30922-1452-42C1-B5E8-E81F16DDC1F9}"/>
               </a:ext>
             </a:extLst>
           </p:cNvPr>
@@ -5618,117 +5702,122 @@
           <a:p>
             <a:r>
               <a:rPr lang="en-US" dirty="0"/>
-              <a:t>Data Binding in Forms	</a:t>
-            </a:r>
-          </a:p>
-        </p:txBody>
-      </p:sp>
-      <p:sp>
-        <p:nvSpPr>
-          <p:cNvPr id="3" name="Content Placeholder 2">
-            <a:extLst>
-              <a:ext uri="{FF2B5EF4-FFF2-40B4-BE49-F238E27FC236}">
-                <a16:creationId xmlns:a16="http://schemas.microsoft.com/office/drawing/2014/main" id="{2771BD09-EA5D-44C5-84EF-9B0B2B1C6618}"/>
-              </a:ext>
-            </a:extLst>
-          </p:cNvPr>
-          <p:cNvSpPr>
-            <a:spLocks noGrp="1"/>
-          </p:cNvSpPr>
+              <a:t>Reactive Forms – Data Flow</a:t>
+            </a:r>
+          </a:p>
+        </p:txBody>
+      </p:sp>
+      <p:pic>
+        <p:nvPicPr>
+          <p:cNvPr id="9" name="Picture 8">
+            <a:extLst>
+              <a:ext uri="{FF2B5EF4-FFF2-40B4-BE49-F238E27FC236}">
+                <a16:creationId xmlns:a16="http://schemas.microsoft.com/office/drawing/2014/main" id="{73DC43F5-69AA-4721-AA18-B10C49C87F60}"/>
+              </a:ext>
+            </a:extLst>
+          </p:cNvPr>
+          <p:cNvPicPr>
+            <a:picLocks noChangeAspect="1"/>
+          </p:cNvPicPr>
+          <p:nvPr/>
+        </p:nvPicPr>
+        <p:blipFill>
+          <a:blip r:embed="rId2">
+            <a:extLst>
+              <a:ext uri="{28A0092B-C50C-407E-A947-70E740481C1C}">
+                <a14:useLocalDpi xmlns:a14="http://schemas.microsoft.com/office/drawing/2010/main" val="0"/>
+              </a:ext>
+            </a:extLst>
+          </a:blip>
+          <a:stretch>
+            <a:fillRect/>
+          </a:stretch>
+        </p:blipFill>
+        <p:spPr>
+          <a:xfrm>
+            <a:off x="6433103" y="1690687"/>
+            <a:ext cx="4617747" cy="4592057"/>
+          </a:xfrm>
+          <a:prstGeom prst="rect">
+            <a:avLst/>
+          </a:prstGeom>
+        </p:spPr>
+      </p:pic>
+      <p:pic>
+        <p:nvPicPr>
+          <p:cNvPr id="6" name="Content Placeholder 5">
+            <a:extLst>
+              <a:ext uri="{FF2B5EF4-FFF2-40B4-BE49-F238E27FC236}">
+                <a16:creationId xmlns:a16="http://schemas.microsoft.com/office/drawing/2014/main" id="{F5CAEF07-7EE0-48A9-88E4-C80DA333CD06}"/>
+              </a:ext>
+            </a:extLst>
+          </p:cNvPr>
+          <p:cNvPicPr>
+            <a:picLocks noGrp="1" noChangeAspect="1"/>
+          </p:cNvPicPr>
           <p:nvPr>
             <p:ph idx="1"/>
           </p:nvPr>
-        </p:nvSpPr>
-        <p:spPr/>
-        <p:txBody>
-          <a:bodyPr>
-            <a:normAutofit/>
-          </a:bodyPr>
-          <a:lstStyle/>
-          <a:p>
-            <a:r>
-              <a:rPr lang="en-US" dirty="0"/>
-              <a:t>Using </a:t>
-            </a:r>
-            <a:r>
-              <a:rPr lang="en-US" dirty="0" err="1"/>
-              <a:t>NgForm</a:t>
-            </a:r>
-            <a:endParaRPr lang="en-US" dirty="0"/>
-          </a:p>
-          <a:p>
-            <a:pPr lvl="1"/>
-            <a:r>
-              <a:rPr lang="en-US" dirty="0"/>
-              <a:t>&lt;form #form=“ngForm”&gt;</a:t>
-            </a:r>
-          </a:p>
-          <a:p>
-            <a:r>
-              <a:rPr lang="en-US" dirty="0" err="1"/>
-              <a:t>NgModel</a:t>
-            </a:r>
-            <a:endParaRPr lang="en-US" dirty="0"/>
-          </a:p>
-          <a:p>
-            <a:pPr lvl="1"/>
-            <a:r>
-              <a:rPr lang="en-US" dirty="0"/>
-              <a:t>Builds </a:t>
-            </a:r>
-            <a:r>
-              <a:rPr lang="en-US" dirty="0" err="1"/>
-              <a:t>form.value</a:t>
-            </a:r>
-            <a:endParaRPr lang="en-US" dirty="0"/>
-          </a:p>
-          <a:p>
-            <a:pPr lvl="1"/>
-            <a:r>
-              <a:rPr lang="en-US" dirty="0"/>
-              <a:t>name attribute is required</a:t>
-            </a:r>
-          </a:p>
-          <a:p>
-            <a:r>
-              <a:rPr lang="en-US" dirty="0"/>
-              <a:t>Creating a Data Model</a:t>
-            </a:r>
-          </a:p>
-          <a:p>
-            <a:pPr lvl="1"/>
-            <a:r>
-              <a:rPr lang="en-US" dirty="0"/>
-              <a:t>interface</a:t>
-            </a:r>
-          </a:p>
-          <a:p>
-            <a:r>
-              <a:rPr lang="en-US" dirty="0"/>
-              <a:t>Two-way Data Binding</a:t>
-            </a:r>
-          </a:p>
-          <a:p>
-            <a:pPr lvl="1"/>
-            <a:r>
-              <a:rPr lang="en-US" dirty="0"/>
-              <a:t>[(</a:t>
-            </a:r>
-            <a:r>
-              <a:rPr lang="en-US" dirty="0" err="1"/>
-              <a:t>ngModel</a:t>
-            </a:r>
-            <a:r>
-              <a:rPr lang="en-US" dirty="0"/>
-              <a:t>)]=“variable”</a:t>
-            </a:r>
-          </a:p>
-        </p:txBody>
-      </p:sp>
+        </p:nvPicPr>
+        <p:blipFill>
+          <a:blip r:embed="rId3">
+            <a:extLst>
+              <a:ext uri="{28A0092B-C50C-407E-A947-70E740481C1C}">
+                <a14:useLocalDpi xmlns:a14="http://schemas.microsoft.com/office/drawing/2010/main" val="0"/>
+              </a:ext>
+            </a:extLst>
+          </a:blip>
+          <a:stretch>
+            <a:fillRect/>
+          </a:stretch>
+        </p:blipFill>
+        <p:spPr>
+          <a:xfrm>
+            <a:off x="639505" y="1690688"/>
+            <a:ext cx="4468115" cy="4592058"/>
+          </a:xfrm>
+        </p:spPr>
+      </p:pic>
+      <p:pic>
+        <p:nvPicPr>
+          <p:cNvPr id="8" name="Picture 7">
+            <a:extLst>
+              <a:ext uri="{FF2B5EF4-FFF2-40B4-BE49-F238E27FC236}">
+                <a16:creationId xmlns:a16="http://schemas.microsoft.com/office/drawing/2014/main" id="{63E631B4-E4A2-46F2-9EF9-0FA4DDE9920F}"/>
+              </a:ext>
+            </a:extLst>
+          </p:cNvPr>
+          <p:cNvPicPr>
+            <a:picLocks noChangeAspect="1"/>
+          </p:cNvPicPr>
+          <p:nvPr/>
+        </p:nvPicPr>
+        <p:blipFill>
+          <a:blip r:embed="rId4">
+            <a:extLst>
+              <a:ext uri="{28A0092B-C50C-407E-A947-70E740481C1C}">
+                <a14:useLocalDpi xmlns:a14="http://schemas.microsoft.com/office/drawing/2010/main" val="0"/>
+              </a:ext>
+            </a:extLst>
+          </a:blip>
+          <a:stretch>
+            <a:fillRect/>
+          </a:stretch>
+        </p:blipFill>
+        <p:spPr>
+          <a:xfrm>
+            <a:off x="5107620" y="5073529"/>
+            <a:ext cx="2375718" cy="1675141"/>
+          </a:xfrm>
+          <a:prstGeom prst="rect">
+            <a:avLst/>
+          </a:prstGeom>
+        </p:spPr>
+      </p:pic>
     </p:spTree>
     <p:extLst>
       <p:ext uri="{BB962C8B-B14F-4D97-AF65-F5344CB8AC3E}">
-        <p14:creationId xmlns:p14="http://schemas.microsoft.com/office/powerpoint/2010/main" val="2937617868"/>
+        <p14:creationId xmlns:p14="http://schemas.microsoft.com/office/powerpoint/2010/main" val="1641911980"/>
       </p:ext>
     </p:extLst>
   </p:cSld>
@@ -5760,7 +5849,7 @@
           <p:cNvPr id="2" name="Title 1">
             <a:extLst>
               <a:ext uri="{FF2B5EF4-FFF2-40B4-BE49-F238E27FC236}">
-                <a16:creationId xmlns:a16="http://schemas.microsoft.com/office/drawing/2014/main" id="{1DC8A0DD-6CE6-4451-8EBF-A3388FD779A6}"/>
+                <a16:creationId xmlns:a16="http://schemas.microsoft.com/office/drawing/2014/main" id="{98C30922-1452-42C1-B5E8-E81F16DDC1F9}"/>
               </a:ext>
             </a:extLst>
           </p:cNvPr>
@@ -5778,61 +5867,374 @@
           <a:p>
             <a:r>
               <a:rPr lang="en-US" dirty="0"/>
-              <a:t>HTML 5 Validation</a:t>
-            </a:r>
-          </a:p>
-        </p:txBody>
-      </p:sp>
-      <p:sp>
-        <p:nvSpPr>
-          <p:cNvPr id="3" name="Content Placeholder 2">
-            <a:extLst>
-              <a:ext uri="{FF2B5EF4-FFF2-40B4-BE49-F238E27FC236}">
-                <a16:creationId xmlns:a16="http://schemas.microsoft.com/office/drawing/2014/main" id="{7391C95E-6999-4453-B062-DCF6C2255EB1}"/>
-              </a:ext>
-            </a:extLst>
-          </p:cNvPr>
-          <p:cNvSpPr>
-            <a:spLocks noGrp="1"/>
-          </p:cNvSpPr>
+              <a:t>Template Driven Forms Vs Reactive Forms</a:t>
+            </a:r>
+          </a:p>
+        </p:txBody>
+      </p:sp>
+      <p:graphicFrame>
+        <p:nvGraphicFramePr>
+          <p:cNvPr id="3" name="Table 4">
+            <a:extLst>
+              <a:ext uri="{FF2B5EF4-FFF2-40B4-BE49-F238E27FC236}">
+                <a16:creationId xmlns:a16="http://schemas.microsoft.com/office/drawing/2014/main" id="{66F5383C-E691-4F00-B6C6-A1EA182AF221}"/>
+              </a:ext>
+            </a:extLst>
+          </p:cNvPr>
+          <p:cNvGraphicFramePr>
+            <a:graphicFrameLocks noGrp="1"/>
+          </p:cNvGraphicFramePr>
           <p:nvPr>
             <p:ph idx="1"/>
-          </p:nvPr>
-        </p:nvSpPr>
-        <p:spPr/>
-        <p:txBody>
-          <a:bodyPr/>
-          <a:lstStyle/>
-          <a:p>
-            <a:r>
-              <a:rPr lang="en-US" dirty="0"/>
-              <a:t>required, pattern</a:t>
-            </a:r>
-          </a:p>
-          <a:p>
-            <a:r>
-              <a:rPr lang="en-US" dirty="0" err="1"/>
-              <a:t>minlength</a:t>
-            </a:r>
-            <a:r>
-              <a:rPr lang="en-US" dirty="0"/>
-              <a:t>, </a:t>
-            </a:r>
-            <a:r>
-              <a:rPr lang="en-US" dirty="0" err="1"/>
-              <a:t>maxlength</a:t>
-            </a:r>
-            <a:r>
-              <a:rPr lang="en-US" dirty="0"/>
-              <a:t>, min, max</a:t>
-            </a:r>
-          </a:p>
-        </p:txBody>
-      </p:sp>
+            <p:extLst>
+              <p:ext uri="{D42A27DB-BD31-4B8C-83A1-F6EECF244321}">
+                <p14:modId xmlns:p14="http://schemas.microsoft.com/office/powerpoint/2010/main" val="1920902926"/>
+              </p:ext>
+            </p:extLst>
+          </p:nvPr>
+        </p:nvGraphicFramePr>
+        <p:xfrm>
+          <a:off x="838200" y="1825625"/>
+          <a:ext cx="10515597" cy="2595880"/>
+        </p:xfrm>
+        <a:graphic>
+          <a:graphicData uri="http://schemas.openxmlformats.org/drawingml/2006/table">
+            <a:tbl>
+              <a:tblPr firstRow="1" bandRow="1">
+                <a:tableStyleId>{5C22544A-7EE6-4342-B048-85BDC9FD1C3A}</a:tableStyleId>
+              </a:tblPr>
+              <a:tblGrid>
+                <a:gridCol w="2357761">
+                  <a:extLst>
+                    <a:ext uri="{9D8B030D-6E8A-4147-A177-3AD203B41FA5}">
+                      <a16:colId xmlns:a16="http://schemas.microsoft.com/office/drawing/2014/main" val="3921728642"/>
+                    </a:ext>
+                  </a:extLst>
+                </a:gridCol>
+                <a:gridCol w="4003829">
+                  <a:extLst>
+                    <a:ext uri="{9D8B030D-6E8A-4147-A177-3AD203B41FA5}">
+                      <a16:colId xmlns:a16="http://schemas.microsoft.com/office/drawing/2014/main" val="3286862365"/>
+                    </a:ext>
+                  </a:extLst>
+                </a:gridCol>
+                <a:gridCol w="4154007">
+                  <a:extLst>
+                    <a:ext uri="{9D8B030D-6E8A-4147-A177-3AD203B41FA5}">
+                      <a16:colId xmlns:a16="http://schemas.microsoft.com/office/drawing/2014/main" val="737026736"/>
+                    </a:ext>
+                  </a:extLst>
+                </a:gridCol>
+              </a:tblGrid>
+              <a:tr h="370840">
+                <a:tc>
+                  <a:txBody>
+                    <a:bodyPr/>
+                    <a:lstStyle/>
+                    <a:p>
+                      <a:endParaRPr lang="en-US" dirty="0"/>
+                    </a:p>
+                  </a:txBody>
+                  <a:tcPr/>
+                </a:tc>
+                <a:tc>
+                  <a:txBody>
+                    <a:bodyPr/>
+                    <a:lstStyle/>
+                    <a:p>
+                      <a:r>
+                        <a:rPr lang="en-US" dirty="0"/>
+                        <a:t>Reactive</a:t>
+                      </a:r>
+                    </a:p>
+                  </a:txBody>
+                  <a:tcPr/>
+                </a:tc>
+                <a:tc>
+                  <a:txBody>
+                    <a:bodyPr/>
+                    <a:lstStyle/>
+                    <a:p>
+                      <a:r>
+                        <a:rPr lang="en-US" dirty="0"/>
+                        <a:t>Template-Driven</a:t>
+                      </a:r>
+                    </a:p>
+                  </a:txBody>
+                  <a:tcPr/>
+                </a:tc>
+                <a:extLst>
+                  <a:ext uri="{0D108BD9-81ED-4DB2-BD59-A6C34878D82A}">
+                    <a16:rowId xmlns:a16="http://schemas.microsoft.com/office/drawing/2014/main" val="3364966362"/>
+                  </a:ext>
+                </a:extLst>
+              </a:tr>
+              <a:tr h="370840">
+                <a:tc>
+                  <a:txBody>
+                    <a:bodyPr/>
+                    <a:lstStyle/>
+                    <a:p>
+                      <a:r>
+                        <a:rPr lang="en-US" dirty="0"/>
+                        <a:t>Setup a form model</a:t>
+                      </a:r>
+                    </a:p>
+                  </a:txBody>
+                  <a:tcPr/>
+                </a:tc>
+                <a:tc>
+                  <a:txBody>
+                    <a:bodyPr/>
+                    <a:lstStyle/>
+                    <a:p>
+                      <a:r>
+                        <a:rPr lang="en-US" dirty="0"/>
+                        <a:t>Explicit, created in component class</a:t>
+                      </a:r>
+                    </a:p>
+                  </a:txBody>
+                  <a:tcPr/>
+                </a:tc>
+                <a:tc>
+                  <a:txBody>
+                    <a:bodyPr/>
+                    <a:lstStyle/>
+                    <a:p>
+                      <a:r>
+                        <a:rPr lang="en-US" dirty="0"/>
+                        <a:t>Implicit, created by directives</a:t>
+                      </a:r>
+                    </a:p>
+                  </a:txBody>
+                  <a:tcPr/>
+                </a:tc>
+                <a:extLst>
+                  <a:ext uri="{0D108BD9-81ED-4DB2-BD59-A6C34878D82A}">
+                    <a16:rowId xmlns:a16="http://schemas.microsoft.com/office/drawing/2014/main" val="1742222255"/>
+                  </a:ext>
+                </a:extLst>
+              </a:tr>
+              <a:tr h="370840">
+                <a:tc>
+                  <a:txBody>
+                    <a:bodyPr/>
+                    <a:lstStyle/>
+                    <a:p>
+                      <a:r>
+                        <a:rPr lang="en-US" dirty="0"/>
+                        <a:t>Data Model</a:t>
+                      </a:r>
+                    </a:p>
+                  </a:txBody>
+                  <a:tcPr/>
+                </a:tc>
+                <a:tc>
+                  <a:txBody>
+                    <a:bodyPr/>
+                    <a:lstStyle/>
+                    <a:p>
+                      <a:r>
+                        <a:rPr lang="en-US" dirty="0"/>
+                        <a:t>Structured and immutable</a:t>
+                      </a:r>
+                    </a:p>
+                  </a:txBody>
+                  <a:tcPr/>
+                </a:tc>
+                <a:tc>
+                  <a:txBody>
+                    <a:bodyPr/>
+                    <a:lstStyle/>
+                    <a:p>
+                      <a:r>
+                        <a:rPr lang="en-US" dirty="0"/>
+                        <a:t>Unstructured and mutable</a:t>
+                      </a:r>
+                    </a:p>
+                  </a:txBody>
+                  <a:tcPr/>
+                </a:tc>
+                <a:extLst>
+                  <a:ext uri="{0D108BD9-81ED-4DB2-BD59-A6C34878D82A}">
+                    <a16:rowId xmlns:a16="http://schemas.microsoft.com/office/drawing/2014/main" val="1413001596"/>
+                  </a:ext>
+                </a:extLst>
+              </a:tr>
+              <a:tr h="370840">
+                <a:tc>
+                  <a:txBody>
+                    <a:bodyPr/>
+                    <a:lstStyle/>
+                    <a:p>
+                      <a:r>
+                        <a:rPr lang="en-US" dirty="0"/>
+                        <a:t>Predictability</a:t>
+                      </a:r>
+                    </a:p>
+                  </a:txBody>
+                  <a:tcPr/>
+                </a:tc>
+                <a:tc>
+                  <a:txBody>
+                    <a:bodyPr/>
+                    <a:lstStyle/>
+                    <a:p>
+                      <a:r>
+                        <a:rPr lang="en-US" dirty="0"/>
+                        <a:t>Synchronous</a:t>
+                      </a:r>
+                    </a:p>
+                  </a:txBody>
+                  <a:tcPr/>
+                </a:tc>
+                <a:tc>
+                  <a:txBody>
+                    <a:bodyPr/>
+                    <a:lstStyle/>
+                    <a:p>
+                      <a:r>
+                        <a:rPr lang="en-US" dirty="0"/>
+                        <a:t>Asynchronous</a:t>
+                      </a:r>
+                    </a:p>
+                  </a:txBody>
+                  <a:tcPr/>
+                </a:tc>
+                <a:extLst>
+                  <a:ext uri="{0D108BD9-81ED-4DB2-BD59-A6C34878D82A}">
+                    <a16:rowId xmlns:a16="http://schemas.microsoft.com/office/drawing/2014/main" val="121405584"/>
+                  </a:ext>
+                </a:extLst>
+              </a:tr>
+              <a:tr h="370840">
+                <a:tc>
+                  <a:txBody>
+                    <a:bodyPr/>
+                    <a:lstStyle/>
+                    <a:p>
+                      <a:r>
+                        <a:rPr lang="en-US" dirty="0"/>
+                        <a:t>Form Validation</a:t>
+                      </a:r>
+                    </a:p>
+                  </a:txBody>
+                  <a:tcPr/>
+                </a:tc>
+                <a:tc>
+                  <a:txBody>
+                    <a:bodyPr/>
+                    <a:lstStyle/>
+                    <a:p>
+                      <a:r>
+                        <a:rPr lang="en-US" dirty="0"/>
+                        <a:t>Functions</a:t>
+                      </a:r>
+                    </a:p>
+                  </a:txBody>
+                  <a:tcPr/>
+                </a:tc>
+                <a:tc>
+                  <a:txBody>
+                    <a:bodyPr/>
+                    <a:lstStyle/>
+                    <a:p>
+                      <a:r>
+                        <a:rPr lang="en-US" dirty="0"/>
+                        <a:t>Directives</a:t>
+                      </a:r>
+                    </a:p>
+                  </a:txBody>
+                  <a:tcPr/>
+                </a:tc>
+                <a:extLst>
+                  <a:ext uri="{0D108BD9-81ED-4DB2-BD59-A6C34878D82A}">
+                    <a16:rowId xmlns:a16="http://schemas.microsoft.com/office/drawing/2014/main" val="775596355"/>
+                  </a:ext>
+                </a:extLst>
+              </a:tr>
+              <a:tr h="370840">
+                <a:tc>
+                  <a:txBody>
+                    <a:bodyPr/>
+                    <a:lstStyle/>
+                    <a:p>
+                      <a:endParaRPr lang="en-US" dirty="0"/>
+                    </a:p>
+                  </a:txBody>
+                  <a:tcPr/>
+                </a:tc>
+                <a:tc>
+                  <a:txBody>
+                    <a:bodyPr/>
+                    <a:lstStyle/>
+                    <a:p>
+                      <a:endParaRPr lang="en-US"/>
+                    </a:p>
+                  </a:txBody>
+                  <a:tcPr/>
+                </a:tc>
+                <a:tc>
+                  <a:txBody>
+                    <a:bodyPr/>
+                    <a:lstStyle/>
+                    <a:p>
+                      <a:endParaRPr lang="en-US"/>
+                    </a:p>
+                  </a:txBody>
+                  <a:tcPr/>
+                </a:tc>
+                <a:extLst>
+                  <a:ext uri="{0D108BD9-81ED-4DB2-BD59-A6C34878D82A}">
+                    <a16:rowId xmlns:a16="http://schemas.microsoft.com/office/drawing/2014/main" val="3308315863"/>
+                  </a:ext>
+                </a:extLst>
+              </a:tr>
+              <a:tr h="370840">
+                <a:tc>
+                  <a:txBody>
+                    <a:bodyPr/>
+                    <a:lstStyle/>
+                    <a:p>
+                      <a:endParaRPr lang="en-US"/>
+                    </a:p>
+                  </a:txBody>
+                  <a:tcPr/>
+                </a:tc>
+                <a:tc>
+                  <a:txBody>
+                    <a:bodyPr/>
+                    <a:lstStyle/>
+                    <a:p>
+                      <a:endParaRPr lang="en-US"/>
+                    </a:p>
+                  </a:txBody>
+                  <a:tcPr/>
+                </a:tc>
+                <a:tc>
+                  <a:txBody>
+                    <a:bodyPr/>
+                    <a:lstStyle/>
+                    <a:p>
+                      <a:endParaRPr lang="en-US" dirty="0"/>
+                    </a:p>
+                  </a:txBody>
+                  <a:tcPr/>
+                </a:tc>
+                <a:extLst>
+                  <a:ext uri="{0D108BD9-81ED-4DB2-BD59-A6C34878D82A}">
+                    <a16:rowId xmlns:a16="http://schemas.microsoft.com/office/drawing/2014/main" val="2632768365"/>
+                  </a:ext>
+                </a:extLst>
+              </a:tr>
+            </a:tbl>
+          </a:graphicData>
+        </a:graphic>
+      </p:graphicFrame>
     </p:spTree>
     <p:extLst>
       <p:ext uri="{BB962C8B-B14F-4D97-AF65-F5344CB8AC3E}">
-        <p14:creationId xmlns:p14="http://schemas.microsoft.com/office/powerpoint/2010/main" val="1290029239"/>
+        <p14:creationId xmlns:p14="http://schemas.microsoft.com/office/powerpoint/2010/main" val="2087009776"/>
       </p:ext>
     </p:extLst>
   </p:cSld>
@@ -5864,7 +6266,7 @@
           <p:cNvPr id="2" name="Title 1">
             <a:extLst>
               <a:ext uri="{FF2B5EF4-FFF2-40B4-BE49-F238E27FC236}">
-                <a16:creationId xmlns:a16="http://schemas.microsoft.com/office/drawing/2014/main" id="{1DC8A0DD-6CE6-4451-8EBF-A3388FD779A6}"/>
+                <a16:creationId xmlns:a16="http://schemas.microsoft.com/office/drawing/2014/main" id="{98C30922-1452-42C1-B5E8-E81F16DDC1F9}"/>
               </a:ext>
             </a:extLst>
           </p:cNvPr>
@@ -5882,17 +6284,17 @@
           <a:p>
             <a:r>
               <a:rPr lang="en-US" dirty="0"/>
-              <a:t>CSS Classes for Validation</a:t>
-            </a:r>
-          </a:p>
-        </p:txBody>
-      </p:sp>
-      <p:sp>
-        <p:nvSpPr>
-          <p:cNvPr id="3" name="Content Placeholder 2">
-            <a:extLst>
-              <a:ext uri="{FF2B5EF4-FFF2-40B4-BE49-F238E27FC236}">
-                <a16:creationId xmlns:a16="http://schemas.microsoft.com/office/drawing/2014/main" id="{7391C95E-6999-4453-B062-DCF6C2255EB1}"/>
+              <a:t>Template Driven Forms Vs Reactive Forms</a:t>
+            </a:r>
+          </a:p>
+        </p:txBody>
+      </p:sp>
+      <p:sp>
+        <p:nvSpPr>
+          <p:cNvPr id="4" name="Content Placeholder 3">
+            <a:extLst>
+              <a:ext uri="{FF2B5EF4-FFF2-40B4-BE49-F238E27FC236}">
+                <a16:creationId xmlns:a16="http://schemas.microsoft.com/office/drawing/2014/main" id="{D6F26F5D-913C-4E4B-AE01-2CDE6B3EF403}"/>
               </a:ext>
             </a:extLst>
           </p:cNvPr>
@@ -5905,67 +6307,67 @@
         </p:nvSpPr>
         <p:spPr/>
         <p:txBody>
-          <a:bodyPr/>
+          <a:bodyPr>
+            <a:normAutofit/>
+          </a:bodyPr>
           <a:lstStyle/>
           <a:p>
+            <a:pPr marL="0" indent="0">
+              <a:buNone/>
+            </a:pPr>
             <a:r>
               <a:rPr lang="en-US" dirty="0"/>
-              <a:t>Classes &amp; Associated </a:t>
-            </a:r>
-            <a:r>
-              <a:rPr lang="en-US" dirty="0" err="1"/>
-              <a:t>NgModel</a:t>
-            </a:r>
+              <a:t>Template-Driven Forms</a:t>
+            </a:r>
+          </a:p>
+          <a:p>
             <a:r>
               <a:rPr lang="en-US" dirty="0"/>
-              <a:t> properties</a:t>
-            </a:r>
-          </a:p>
-          <a:p>
-            <a:endParaRPr lang="en-US" dirty="0"/>
-          </a:p>
-        </p:txBody>
-      </p:sp>
-      <p:pic>
-        <p:nvPicPr>
-          <p:cNvPr id="5" name="Picture 4">
-            <a:extLst>
-              <a:ext uri="{FF2B5EF4-FFF2-40B4-BE49-F238E27FC236}">
-                <a16:creationId xmlns:a16="http://schemas.microsoft.com/office/drawing/2014/main" id="{51D8581F-3F3F-4F05-8C41-9CF46C8F0256}"/>
-              </a:ext>
-            </a:extLst>
-          </p:cNvPr>
-          <p:cNvPicPr>
-            <a:picLocks noChangeAspect="1"/>
-          </p:cNvPicPr>
-          <p:nvPr/>
-        </p:nvPicPr>
-        <p:blipFill>
-          <a:blip r:embed="rId2">
-            <a:extLst>
-              <a:ext uri="{28A0092B-C50C-407E-A947-70E740481C1C}">
-                <a14:useLocalDpi xmlns:a14="http://schemas.microsoft.com/office/drawing/2010/main" val="0"/>
-              </a:ext>
-            </a:extLst>
-          </a:blip>
-          <a:stretch>
-            <a:fillRect/>
-          </a:stretch>
-        </p:blipFill>
-        <p:spPr>
-          <a:xfrm>
-            <a:off x="3066814" y="2754997"/>
-            <a:ext cx="8058386" cy="2819634"/>
-          </a:xfrm>
-          <a:prstGeom prst="rect">
-            <a:avLst/>
-          </a:prstGeom>
-        </p:spPr>
-      </p:pic>
+              <a:t>Use a component's template</a:t>
+            </a:r>
+          </a:p>
+          <a:p>
+            <a:r>
+              <a:rPr lang="en-US" dirty="0"/>
+              <a:t>Unit Test Against DOM</a:t>
+            </a:r>
+          </a:p>
+          <a:p>
+            <a:r>
+              <a:rPr lang="en-US" dirty="0"/>
+              <a:t>Easy to Use</a:t>
+            </a:r>
+          </a:p>
+          <a:p>
+            <a:r>
+              <a:rPr lang="en-US" dirty="0"/>
+              <a:t>Two-way data binding (Minimal Component code)</a:t>
+            </a:r>
+          </a:p>
+          <a:p>
+            <a:r>
+              <a:rPr lang="en-US" dirty="0"/>
+              <a:t>Automatically tracks form and input element state</a:t>
+            </a:r>
+          </a:p>
+          <a:p>
+            <a:r>
+              <a:rPr lang="en-US" dirty="0"/>
+              <a:t>Generated form model</a:t>
+            </a:r>
+          </a:p>
+          <a:p>
+            <a:r>
+              <a:rPr lang="en-US" dirty="0"/>
+              <a:t>HTML Validation</a:t>
+            </a:r>
+          </a:p>
+        </p:txBody>
+      </p:sp>
     </p:spTree>
     <p:extLst>
       <p:ext uri="{BB962C8B-B14F-4D97-AF65-F5344CB8AC3E}">
-        <p14:creationId xmlns:p14="http://schemas.microsoft.com/office/powerpoint/2010/main" val="4273617496"/>
+        <p14:creationId xmlns:p14="http://schemas.microsoft.com/office/powerpoint/2010/main" val="2273151875"/>
       </p:ext>
     </p:extLst>
   </p:cSld>
@@ -5997,7 +6399,7 @@
           <p:cNvPr id="2" name="Title 1">
             <a:extLst>
               <a:ext uri="{FF2B5EF4-FFF2-40B4-BE49-F238E27FC236}">
-                <a16:creationId xmlns:a16="http://schemas.microsoft.com/office/drawing/2014/main" id="{168D52F0-7E4B-457E-8E36-23B3A8736436}"/>
+                <a16:creationId xmlns:a16="http://schemas.microsoft.com/office/drawing/2014/main" id="{98C30922-1452-42C1-B5E8-E81F16DDC1F9}"/>
               </a:ext>
             </a:extLst>
           </p:cNvPr>
@@ -6015,50 +6417,147 @@
           <a:p>
             <a:r>
               <a:rPr lang="en-US" dirty="0"/>
-              <a:t>Template Driven Forms</a:t>
-            </a:r>
-          </a:p>
-        </p:txBody>
-      </p:sp>
-      <p:pic>
-        <p:nvPicPr>
-          <p:cNvPr id="5" name="Content Placeholder 4">
-            <a:extLst>
-              <a:ext uri="{FF2B5EF4-FFF2-40B4-BE49-F238E27FC236}">
-                <a16:creationId xmlns:a16="http://schemas.microsoft.com/office/drawing/2014/main" id="{F852BB00-9753-4E00-AB2C-34C100B3A984}"/>
-              </a:ext>
-            </a:extLst>
-          </p:cNvPr>
-          <p:cNvPicPr>
-            <a:picLocks noGrp="1" noChangeAspect="1"/>
-          </p:cNvPicPr>
+              <a:t>Template Driven Vs Reactive</a:t>
+            </a:r>
+          </a:p>
+        </p:txBody>
+      </p:sp>
+      <p:sp>
+        <p:nvSpPr>
+          <p:cNvPr id="4" name="Content Placeholder 3">
+            <a:extLst>
+              <a:ext uri="{FF2B5EF4-FFF2-40B4-BE49-F238E27FC236}">
+                <a16:creationId xmlns:a16="http://schemas.microsoft.com/office/drawing/2014/main" id="{63554F7B-1744-4529-8418-1ED9255DDA58}"/>
+              </a:ext>
+            </a:extLst>
+          </p:cNvPr>
+          <p:cNvSpPr>
+            <a:spLocks noGrp="1"/>
+          </p:cNvSpPr>
           <p:nvPr>
             <p:ph idx="1"/>
           </p:nvPr>
-        </p:nvPicPr>
-        <p:blipFill>
-          <a:blip r:embed="rId2">
-            <a:extLst>
-              <a:ext uri="{28A0092B-C50C-407E-A947-70E740481C1C}">
-                <a14:useLocalDpi xmlns:a14="http://schemas.microsoft.com/office/drawing/2010/main" val="0"/>
-              </a:ext>
-            </a:extLst>
-          </a:blip>
-          <a:stretch>
-            <a:fillRect/>
-          </a:stretch>
-        </p:blipFill>
-        <p:spPr>
-          <a:xfrm>
-            <a:off x="4595911" y="1576973"/>
-            <a:ext cx="6160472" cy="4351338"/>
-          </a:xfrm>
-        </p:spPr>
-      </p:pic>
+        </p:nvSpPr>
+        <p:spPr/>
+        <p:txBody>
+          <a:bodyPr>
+            <a:normAutofit fontScale="55000" lnSpcReduction="20000"/>
+          </a:bodyPr>
+          <a:lstStyle/>
+          <a:p>
+            <a:pPr marL="0" indent="0">
+              <a:buNone/>
+            </a:pPr>
+            <a:r>
+              <a:rPr lang="en-US" b="1" dirty="0"/>
+              <a:t>Reactive Forms</a:t>
+            </a:r>
+          </a:p>
+          <a:p>
+            <a:endParaRPr lang="en-US" dirty="0"/>
+          </a:p>
+          <a:p>
+            <a:r>
+              <a:rPr lang="en-US" dirty="0"/>
+              <a:t>Manually created from model</a:t>
+            </a:r>
+          </a:p>
+          <a:p>
+            <a:r>
+              <a:rPr lang="en-US" dirty="0"/>
+              <a:t>Use a component's Template</a:t>
+            </a:r>
+          </a:p>
+          <a:p>
+            <a:r>
+              <a:rPr lang="en-US" dirty="0"/>
+              <a:t>Create a Form Model in TS (in sync with the template)</a:t>
+            </a:r>
+          </a:p>
+          <a:p>
+            <a:r>
+              <a:rPr lang="en-US" dirty="0"/>
+              <a:t>Unit Test against Form Model</a:t>
+            </a:r>
+          </a:p>
+          <a:p>
+            <a:r>
+              <a:rPr lang="en-US" dirty="0"/>
+              <a:t>Validation in Form Model, class</a:t>
+            </a:r>
+          </a:p>
+          <a:p>
+            <a:r>
+              <a:rPr lang="en-US" dirty="0"/>
+              <a:t>More Flexible (more complex scenarios)</a:t>
+            </a:r>
+          </a:p>
+          <a:p>
+            <a:r>
+              <a:rPr lang="en-US" dirty="0"/>
+              <a:t>Immutable data model </a:t>
+            </a:r>
+          </a:p>
+          <a:p>
+            <a:r>
+              <a:rPr lang="en-US" dirty="0"/>
+              <a:t>Easier to perform an action on a value change</a:t>
+            </a:r>
+          </a:p>
+          <a:p>
+            <a:r>
+              <a:rPr lang="en-US" dirty="0"/>
+              <a:t>Reactive Transformation (</a:t>
+            </a:r>
+            <a:r>
+              <a:rPr lang="en-US" dirty="0" err="1"/>
+              <a:t>Eg</a:t>
+            </a:r>
+            <a:r>
+              <a:rPr lang="en-US" dirty="0"/>
+              <a:t>: </a:t>
+            </a:r>
+            <a:r>
+              <a:rPr lang="en-US" dirty="0" err="1"/>
+              <a:t>DebounceTime</a:t>
+            </a:r>
+            <a:r>
+              <a:rPr lang="en-US" dirty="0"/>
+              <a:t> or </a:t>
+            </a:r>
+            <a:r>
+              <a:rPr lang="en-US" dirty="0" err="1"/>
+              <a:t>DistinctUntilChanged</a:t>
+            </a:r>
+            <a:r>
+              <a:rPr lang="en-US" dirty="0"/>
+              <a:t>)</a:t>
+            </a:r>
+          </a:p>
+          <a:p>
+            <a:r>
+              <a:rPr lang="en-US" dirty="0"/>
+              <a:t>Easily add input elements dynamically</a:t>
+            </a:r>
+          </a:p>
+          <a:p>
+            <a:r>
+              <a:rPr lang="en-US" dirty="0"/>
+              <a:t>Easier Unit Testing</a:t>
+            </a:r>
+          </a:p>
+          <a:p>
+            <a:r>
+              <a:rPr lang="en-US" dirty="0"/>
+              <a:t>No Two-way data binding</a:t>
+            </a:r>
+          </a:p>
+        </p:txBody>
+      </p:sp>
     </p:spTree>
     <p:extLst>
       <p:ext uri="{BB962C8B-B14F-4D97-AF65-F5344CB8AC3E}">
-        <p14:creationId xmlns:p14="http://schemas.microsoft.com/office/powerpoint/2010/main" val="842726617"/>
+        <p14:creationId xmlns:p14="http://schemas.microsoft.com/office/powerpoint/2010/main" val="3561677737"/>
       </p:ext>
     </p:extLst>
   </p:cSld>
@@ -6090,7 +6589,7 @@
           <p:cNvPr id="2" name="Title 1">
             <a:extLst>
               <a:ext uri="{FF2B5EF4-FFF2-40B4-BE49-F238E27FC236}">
-                <a16:creationId xmlns:a16="http://schemas.microsoft.com/office/drawing/2014/main" id="{6E260A6A-275F-42E7-9C28-C4C7F93C73E1}"/>
+                <a16:creationId xmlns:a16="http://schemas.microsoft.com/office/drawing/2014/main" id="{2F04E776-D282-4869-BE47-A4D3CE16F0D6}"/>
               </a:ext>
             </a:extLst>
           </p:cNvPr>
@@ -6108,122 +6607,114 @@
           <a:p>
             <a:r>
               <a:rPr lang="en-US" dirty="0"/>
-              <a:t>Reactive Forms</a:t>
-            </a:r>
-          </a:p>
-        </p:txBody>
-      </p:sp>
-      <p:pic>
-        <p:nvPicPr>
+              <a:t>DI &amp; Providers	</a:t>
+            </a:r>
+          </a:p>
+        </p:txBody>
+      </p:sp>
+      <p:sp>
+        <p:nvSpPr>
           <p:cNvPr id="5" name="Content Placeholder 4">
             <a:extLst>
               <a:ext uri="{FF2B5EF4-FFF2-40B4-BE49-F238E27FC236}">
-                <a16:creationId xmlns:a16="http://schemas.microsoft.com/office/drawing/2014/main" id="{360AF109-8AFA-4EF7-9FBC-EA5A3DA8D12A}"/>
-              </a:ext>
-            </a:extLst>
-          </p:cNvPr>
-          <p:cNvPicPr>
-            <a:picLocks noGrp="1" noChangeAspect="1"/>
-          </p:cNvPicPr>
+                <a16:creationId xmlns:a16="http://schemas.microsoft.com/office/drawing/2014/main" id="{0746E4BE-D8CC-4C71-9B64-3E84CC159228}"/>
+              </a:ext>
+            </a:extLst>
+          </p:cNvPr>
+          <p:cNvSpPr>
+            <a:spLocks noGrp="1"/>
+          </p:cNvSpPr>
           <p:nvPr>
             <p:ph idx="1"/>
           </p:nvPr>
-        </p:nvPicPr>
-        <p:blipFill>
-          <a:blip r:embed="rId2">
-            <a:extLst>
-              <a:ext uri="{28A0092B-C50C-407E-A947-70E740481C1C}">
-                <a14:useLocalDpi xmlns:a14="http://schemas.microsoft.com/office/drawing/2010/main" val="0"/>
-              </a:ext>
-            </a:extLst>
-          </a:blip>
-          <a:stretch>
-            <a:fillRect/>
-          </a:stretch>
-        </p:blipFill>
-        <p:spPr>
-          <a:xfrm>
-            <a:off x="4549476" y="1440614"/>
-            <a:ext cx="5034144" cy="4351338"/>
-          </a:xfrm>
-        </p:spPr>
-      </p:pic>
-      <p:pic>
-        <p:nvPicPr>
-          <p:cNvPr id="7" name="Picture 6">
-            <a:extLst>
-              <a:ext uri="{FF2B5EF4-FFF2-40B4-BE49-F238E27FC236}">
-                <a16:creationId xmlns:a16="http://schemas.microsoft.com/office/drawing/2014/main" id="{9534AD26-F84D-4150-9498-B6F363C0F3A8}"/>
-              </a:ext>
-            </a:extLst>
-          </p:cNvPr>
-          <p:cNvPicPr>
-            <a:picLocks noChangeAspect="1"/>
-          </p:cNvPicPr>
-          <p:nvPr/>
-        </p:nvPicPr>
-        <p:blipFill>
-          <a:blip r:embed="rId3">
-            <a:extLst>
-              <a:ext uri="{28A0092B-C50C-407E-A947-70E740481C1C}">
-                <a14:useLocalDpi xmlns:a14="http://schemas.microsoft.com/office/drawing/2010/main" val="0"/>
-              </a:ext>
-            </a:extLst>
-          </a:blip>
-          <a:stretch>
-            <a:fillRect/>
-          </a:stretch>
-        </p:blipFill>
-        <p:spPr>
-          <a:xfrm>
-            <a:off x="466064" y="2174477"/>
-            <a:ext cx="3922307" cy="2734408"/>
-          </a:xfrm>
-          <a:prstGeom prst="rect">
-            <a:avLst/>
-          </a:prstGeom>
-        </p:spPr>
-      </p:pic>
-      <p:pic>
-        <p:nvPicPr>
-          <p:cNvPr id="9" name="Picture 8">
-            <a:extLst>
-              <a:ext uri="{FF2B5EF4-FFF2-40B4-BE49-F238E27FC236}">
-                <a16:creationId xmlns:a16="http://schemas.microsoft.com/office/drawing/2014/main" id="{43B1729E-B8A0-4D74-ACEC-AAE1864E6DB0}"/>
-              </a:ext>
-            </a:extLst>
-          </p:cNvPr>
-          <p:cNvPicPr>
-            <a:picLocks noChangeAspect="1"/>
-          </p:cNvPicPr>
-          <p:nvPr/>
-        </p:nvPicPr>
-        <p:blipFill>
-          <a:blip r:embed="rId4">
-            <a:extLst>
-              <a:ext uri="{28A0092B-C50C-407E-A947-70E740481C1C}">
-                <a14:useLocalDpi xmlns:a14="http://schemas.microsoft.com/office/drawing/2010/main" val="0"/>
-              </a:ext>
-            </a:extLst>
-          </a:blip>
-          <a:stretch>
-            <a:fillRect/>
-          </a:stretch>
-        </p:blipFill>
-        <p:spPr>
-          <a:xfrm>
-            <a:off x="7669927" y="3791381"/>
-            <a:ext cx="3535484" cy="2492903"/>
-          </a:xfrm>
-          <a:prstGeom prst="rect">
-            <a:avLst/>
-          </a:prstGeom>
-        </p:spPr>
-      </p:pic>
+        </p:nvSpPr>
+        <p:spPr/>
+        <p:txBody>
+          <a:bodyPr>
+            <a:normAutofit fontScale="85000" lnSpcReduction="20000"/>
+          </a:bodyPr>
+          <a:lstStyle/>
+          <a:p>
+            <a:pPr marL="0" indent="0">
+              <a:buNone/>
+            </a:pPr>
+            <a:r>
+              <a:rPr lang="en-US" dirty="0"/>
+              <a:t>The DI framework in Angular consists of 4 concepts working together:</a:t>
+            </a:r>
+          </a:p>
+          <a:p>
+            <a:pPr marL="0" indent="0">
+              <a:buNone/>
+            </a:pPr>
+            <a:endParaRPr lang="en-US" dirty="0"/>
+          </a:p>
+          <a:p>
+            <a:pPr marL="0" indent="0">
+              <a:buNone/>
+            </a:pPr>
+            <a:r>
+              <a:rPr lang="en-US" b="1" dirty="0"/>
+              <a:t>Token</a:t>
+            </a:r>
+          </a:p>
+          <a:p>
+            <a:r>
+              <a:rPr lang="en-US" dirty="0"/>
+              <a:t>This uniquely identifies something that we want injected. A dependency of our code.</a:t>
+            </a:r>
+          </a:p>
+          <a:p>
+            <a:pPr marL="0" indent="0">
+              <a:buNone/>
+            </a:pPr>
+            <a:r>
+              <a:rPr lang="en-US" b="1" dirty="0"/>
+              <a:t>Dependency</a:t>
+            </a:r>
+          </a:p>
+          <a:p>
+            <a:r>
+              <a:rPr lang="en-US" dirty="0"/>
+              <a:t>The actual code we want injected.</a:t>
+            </a:r>
+          </a:p>
+          <a:p>
+            <a:pPr marL="0" indent="0">
+              <a:buNone/>
+            </a:pPr>
+            <a:r>
+              <a:rPr lang="en-US" b="1" dirty="0"/>
+              <a:t>Provider</a:t>
+            </a:r>
+          </a:p>
+          <a:p>
+            <a:r>
+              <a:rPr lang="en-US" dirty="0"/>
+              <a:t>This is a map between a token and a list of dependencies.</a:t>
+            </a:r>
+          </a:p>
+          <a:p>
+            <a:pPr marL="0" indent="0">
+              <a:buNone/>
+            </a:pPr>
+            <a:r>
+              <a:rPr lang="en-US" b="1" dirty="0"/>
+              <a:t>Injector</a:t>
+            </a:r>
+          </a:p>
+          <a:p>
+            <a:r>
+              <a:rPr lang="en-US" dirty="0"/>
+              <a:t>This is a function which when passed a token returns a dependency (or list of dependencies).</a:t>
+            </a:r>
+          </a:p>
+        </p:txBody>
+      </p:sp>
     </p:spTree>
     <p:extLst>
       <p:ext uri="{BB962C8B-B14F-4D97-AF65-F5344CB8AC3E}">
-        <p14:creationId xmlns:p14="http://schemas.microsoft.com/office/powerpoint/2010/main" val="1942708461"/>
+        <p14:creationId xmlns:p14="http://schemas.microsoft.com/office/powerpoint/2010/main" val="3167034908"/>
       </p:ext>
     </p:extLst>
   </p:cSld>
@@ -6234,2353 +6725,6 @@
 </file>
 
 <file path=ppt/slides/slide2.xml><?xml version="1.0" encoding="utf-8"?>
-<p:sld xmlns:a="http://schemas.openxmlformats.org/drawingml/2006/main" xmlns:r="http://schemas.openxmlformats.org/officeDocument/2006/relationships" xmlns:p="http://schemas.openxmlformats.org/presentationml/2006/main">
-  <p:cSld>
-    <p:spTree>
-      <p:nvGrpSpPr>
-        <p:cNvPr id="1" name=""/>
-        <p:cNvGrpSpPr/>
-        <p:nvPr/>
-      </p:nvGrpSpPr>
-      <p:grpSpPr>
-        <a:xfrm>
-          <a:off x="0" y="0"/>
-          <a:ext cx="0" cy="0"/>
-          <a:chOff x="0" y="0"/>
-          <a:chExt cx="0" cy="0"/>
-        </a:xfrm>
-      </p:grpSpPr>
-      <p:sp>
-        <p:nvSpPr>
-          <p:cNvPr id="2" name="Title 1">
-            <a:extLst>
-              <a:ext uri="{FF2B5EF4-FFF2-40B4-BE49-F238E27FC236}">
-                <a16:creationId xmlns:a16="http://schemas.microsoft.com/office/drawing/2014/main" id="{3C139F73-CE1B-4F11-A35C-1EB8612E6672}"/>
-              </a:ext>
-            </a:extLst>
-          </p:cNvPr>
-          <p:cNvSpPr>
-            <a:spLocks noGrp="1"/>
-          </p:cNvSpPr>
-          <p:nvPr>
-            <p:ph type="title"/>
-          </p:nvPr>
-        </p:nvSpPr>
-        <p:spPr/>
-        <p:txBody>
-          <a:bodyPr/>
-          <a:lstStyle/>
-          <a:p>
-            <a:r>
-              <a:rPr lang="en-US" dirty="0"/>
-              <a:t>Compilation	</a:t>
-            </a:r>
-          </a:p>
-        </p:txBody>
-      </p:sp>
-      <p:pic>
-        <p:nvPicPr>
-          <p:cNvPr id="5" name="Content Placeholder 4">
-            <a:extLst>
-              <a:ext uri="{FF2B5EF4-FFF2-40B4-BE49-F238E27FC236}">
-                <a16:creationId xmlns:a16="http://schemas.microsoft.com/office/drawing/2014/main" id="{54B18D31-691E-4C8B-AD1C-7BAB9B73B2EB}"/>
-              </a:ext>
-            </a:extLst>
-          </p:cNvPr>
-          <p:cNvPicPr>
-            <a:picLocks noGrp="1" noChangeAspect="1"/>
-          </p:cNvPicPr>
-          <p:nvPr>
-            <p:ph idx="1"/>
-          </p:nvPr>
-        </p:nvPicPr>
-        <p:blipFill>
-          <a:blip r:embed="rId2">
-            <a:extLst>
-              <a:ext uri="{28A0092B-C50C-407E-A947-70E740481C1C}">
-                <a14:useLocalDpi xmlns:a14="http://schemas.microsoft.com/office/drawing/2010/main" val="0"/>
-              </a:ext>
-            </a:extLst>
-          </a:blip>
-          <a:stretch>
-            <a:fillRect/>
-          </a:stretch>
-        </p:blipFill>
-        <p:spPr>
-          <a:xfrm>
-            <a:off x="1032976" y="1999860"/>
-            <a:ext cx="3372321" cy="2591162"/>
-          </a:xfrm>
-        </p:spPr>
-      </p:pic>
-      <p:pic>
-        <p:nvPicPr>
-          <p:cNvPr id="7" name="Picture 6">
-            <a:extLst>
-              <a:ext uri="{FF2B5EF4-FFF2-40B4-BE49-F238E27FC236}">
-                <a16:creationId xmlns:a16="http://schemas.microsoft.com/office/drawing/2014/main" id="{4449AD68-8443-44DB-8EAF-007CC186524F}"/>
-              </a:ext>
-            </a:extLst>
-          </p:cNvPr>
-          <p:cNvPicPr>
-            <a:picLocks noChangeAspect="1"/>
-          </p:cNvPicPr>
-          <p:nvPr/>
-        </p:nvPicPr>
-        <p:blipFill>
-          <a:blip r:embed="rId3">
-            <a:extLst>
-              <a:ext uri="{28A0092B-C50C-407E-A947-70E740481C1C}">
-                <a14:useLocalDpi xmlns:a14="http://schemas.microsoft.com/office/drawing/2010/main" val="0"/>
-              </a:ext>
-            </a:extLst>
-          </a:blip>
-          <a:stretch>
-            <a:fillRect/>
-          </a:stretch>
-        </p:blipFill>
-        <p:spPr>
-          <a:xfrm>
-            <a:off x="4466997" y="1880971"/>
-            <a:ext cx="3258005" cy="3096057"/>
-          </a:xfrm>
-          <a:prstGeom prst="rect">
-            <a:avLst/>
-          </a:prstGeom>
-        </p:spPr>
-      </p:pic>
-    </p:spTree>
-    <p:extLst>
-      <p:ext uri="{BB962C8B-B14F-4D97-AF65-F5344CB8AC3E}">
-        <p14:creationId xmlns:p14="http://schemas.microsoft.com/office/powerpoint/2010/main" val="3153811046"/>
-      </p:ext>
-    </p:extLst>
-  </p:cSld>
-  <p:clrMapOvr>
-    <a:masterClrMapping/>
-  </p:clrMapOvr>
-</p:sld>
-</file>
-
-<file path=ppt/slides/slide3.xml><?xml version="1.0" encoding="utf-8"?>
-<p:sld xmlns:a="http://schemas.openxmlformats.org/drawingml/2006/main" xmlns:r="http://schemas.openxmlformats.org/officeDocument/2006/relationships" xmlns:p="http://schemas.openxmlformats.org/presentationml/2006/main">
-  <p:cSld>
-    <p:spTree>
-      <p:nvGrpSpPr>
-        <p:cNvPr id="1" name=""/>
-        <p:cNvGrpSpPr/>
-        <p:nvPr/>
-      </p:nvGrpSpPr>
-      <p:grpSpPr>
-        <a:xfrm>
-          <a:off x="0" y="0"/>
-          <a:ext cx="0" cy="0"/>
-          <a:chOff x="0" y="0"/>
-          <a:chExt cx="0" cy="0"/>
-        </a:xfrm>
-      </p:grpSpPr>
-      <p:sp>
-        <p:nvSpPr>
-          <p:cNvPr id="2" name="Title 1">
-            <a:extLst>
-              <a:ext uri="{FF2B5EF4-FFF2-40B4-BE49-F238E27FC236}">
-                <a16:creationId xmlns:a16="http://schemas.microsoft.com/office/drawing/2014/main" id="{98C30922-1452-42C1-B5E8-E81F16DDC1F9}"/>
-              </a:ext>
-            </a:extLst>
-          </p:cNvPr>
-          <p:cNvSpPr>
-            <a:spLocks noGrp="1"/>
-          </p:cNvSpPr>
-          <p:nvPr>
-            <p:ph type="title"/>
-          </p:nvPr>
-        </p:nvSpPr>
-        <p:spPr/>
-        <p:txBody>
-          <a:bodyPr/>
-          <a:lstStyle/>
-          <a:p>
-            <a:r>
-              <a:rPr lang="en-US" dirty="0"/>
-              <a:t>Templates, Interpolation, and Directives</a:t>
-            </a:r>
-          </a:p>
-        </p:txBody>
-      </p:sp>
-      <p:sp>
-        <p:nvSpPr>
-          <p:cNvPr id="3" name="Content Placeholder 2">
-            <a:extLst>
-              <a:ext uri="{FF2B5EF4-FFF2-40B4-BE49-F238E27FC236}">
-                <a16:creationId xmlns:a16="http://schemas.microsoft.com/office/drawing/2014/main" id="{1C07FCC3-ECB4-4F1A-B6E5-6D5CBAD6BA14}"/>
-              </a:ext>
-            </a:extLst>
-          </p:cNvPr>
-          <p:cNvSpPr>
-            <a:spLocks noGrp="1"/>
-          </p:cNvSpPr>
-          <p:nvPr>
-            <p:ph idx="1"/>
-          </p:nvPr>
-        </p:nvSpPr>
-        <p:spPr/>
-        <p:txBody>
-          <a:bodyPr>
-            <a:normAutofit fontScale="92500" lnSpcReduction="20000"/>
-          </a:bodyPr>
-          <a:lstStyle/>
-          <a:p>
-            <a:r>
-              <a:rPr lang="en-US" dirty="0"/>
-              <a:t>Interpolation</a:t>
-            </a:r>
-          </a:p>
-          <a:p>
-            <a:pPr lvl="1"/>
-            <a:r>
-              <a:rPr lang="en-US" dirty="0"/>
-              <a:t>One way binding</a:t>
-            </a:r>
-          </a:p>
-          <a:p>
-            <a:pPr marL="0" indent="0">
-              <a:buNone/>
-            </a:pPr>
-            <a:r>
-              <a:rPr lang="en-US" dirty="0"/>
-              <a:t> From component class property to an element property.</a:t>
-            </a:r>
-          </a:p>
-          <a:p>
-            <a:pPr marL="0" indent="0">
-              <a:buNone/>
-            </a:pPr>
-            <a:endParaRPr lang="en-US" dirty="0"/>
-          </a:p>
-          <a:p>
-            <a:pPr marL="0" indent="0">
-              <a:buNone/>
-            </a:pPr>
-            <a:r>
-              <a:rPr lang="en-US" dirty="0"/>
-              <a:t>Defined with double curly braces</a:t>
-            </a:r>
-          </a:p>
-          <a:p>
-            <a:r>
-              <a:rPr lang="en-US" dirty="0"/>
-              <a:t>- Contains a template expression</a:t>
-            </a:r>
-          </a:p>
-          <a:p>
-            <a:r>
-              <a:rPr lang="en-US" dirty="0"/>
-              <a:t>- No quote needed</a:t>
-            </a:r>
-          </a:p>
-          <a:p>
-            <a:endParaRPr lang="en-US" dirty="0"/>
-          </a:p>
-          <a:p>
-            <a:r>
-              <a:rPr lang="en-US" dirty="0"/>
-              <a:t>Directive  (</a:t>
-            </a:r>
-          </a:p>
-          <a:p>
-            <a:pPr lvl="1"/>
-            <a:r>
-              <a:rPr lang="en-US" dirty="0"/>
-              <a:t>Structural Directives</a:t>
-            </a:r>
-          </a:p>
-          <a:p>
-            <a:pPr lvl="2"/>
-            <a:r>
-              <a:rPr lang="en-US" dirty="0"/>
-              <a:t>*</a:t>
-            </a:r>
-            <a:r>
-              <a:rPr lang="en-US" dirty="0" err="1"/>
-              <a:t>ngIf</a:t>
-            </a:r>
-            <a:r>
-              <a:rPr lang="en-US" dirty="0"/>
-              <a:t>: If logic</a:t>
-            </a:r>
-          </a:p>
-          <a:p>
-            <a:pPr lvl="2"/>
-            <a:r>
-              <a:rPr lang="en-US" dirty="0"/>
-              <a:t>*</a:t>
-            </a:r>
-            <a:r>
-              <a:rPr lang="en-US" dirty="0" err="1"/>
-              <a:t>ngFor</a:t>
-            </a:r>
-            <a:r>
-              <a:rPr lang="en-US" dirty="0"/>
-              <a:t>: For loops</a:t>
-            </a:r>
-          </a:p>
-        </p:txBody>
-      </p:sp>
-    </p:spTree>
-    <p:extLst>
-      <p:ext uri="{BB962C8B-B14F-4D97-AF65-F5344CB8AC3E}">
-        <p14:creationId xmlns:p14="http://schemas.microsoft.com/office/powerpoint/2010/main" val="44630120"/>
-      </p:ext>
-    </p:extLst>
-  </p:cSld>
-  <p:clrMapOvr>
-    <a:masterClrMapping/>
-  </p:clrMapOvr>
-</p:sld>
-</file>
-
-<file path=ppt/slides/slide4.xml><?xml version="1.0" encoding="utf-8"?>
-<p:sld xmlns:a="http://schemas.openxmlformats.org/drawingml/2006/main" xmlns:r="http://schemas.openxmlformats.org/officeDocument/2006/relationships" xmlns:p="http://schemas.openxmlformats.org/presentationml/2006/main">
-  <p:cSld>
-    <p:spTree>
-      <p:nvGrpSpPr>
-        <p:cNvPr id="1" name=""/>
-        <p:cNvGrpSpPr/>
-        <p:nvPr/>
-      </p:nvGrpSpPr>
-      <p:grpSpPr>
-        <a:xfrm>
-          <a:off x="0" y="0"/>
-          <a:ext cx="0" cy="0"/>
-          <a:chOff x="0" y="0"/>
-          <a:chExt cx="0" cy="0"/>
-        </a:xfrm>
-      </p:grpSpPr>
-      <p:sp>
-        <p:nvSpPr>
-          <p:cNvPr id="2" name="Title 1">
-            <a:extLst>
-              <a:ext uri="{FF2B5EF4-FFF2-40B4-BE49-F238E27FC236}">
-                <a16:creationId xmlns:a16="http://schemas.microsoft.com/office/drawing/2014/main" id="{98C30922-1452-42C1-B5E8-E81F16DDC1F9}"/>
-              </a:ext>
-            </a:extLst>
-          </p:cNvPr>
-          <p:cNvSpPr>
-            <a:spLocks noGrp="1"/>
-          </p:cNvSpPr>
-          <p:nvPr>
-            <p:ph type="title"/>
-          </p:nvPr>
-        </p:nvSpPr>
-        <p:spPr/>
-        <p:txBody>
-          <a:bodyPr/>
-          <a:lstStyle/>
-          <a:p>
-            <a:r>
-              <a:rPr lang="en-US" dirty="0"/>
-              <a:t>Templates, Interpolation, and Directives</a:t>
-            </a:r>
-          </a:p>
-        </p:txBody>
-      </p:sp>
-      <p:sp>
-        <p:nvSpPr>
-          <p:cNvPr id="3" name="Content Placeholder 2">
-            <a:extLst>
-              <a:ext uri="{FF2B5EF4-FFF2-40B4-BE49-F238E27FC236}">
-                <a16:creationId xmlns:a16="http://schemas.microsoft.com/office/drawing/2014/main" id="{1C07FCC3-ECB4-4F1A-B6E5-6D5CBAD6BA14}"/>
-              </a:ext>
-            </a:extLst>
-          </p:cNvPr>
-          <p:cNvSpPr>
-            <a:spLocks noGrp="1"/>
-          </p:cNvSpPr>
-          <p:nvPr>
-            <p:ph idx="1"/>
-          </p:nvPr>
-        </p:nvSpPr>
-        <p:spPr/>
-        <p:txBody>
-          <a:bodyPr>
-            <a:normAutofit fontScale="92500"/>
-          </a:bodyPr>
-          <a:lstStyle/>
-          <a:p>
-            <a:pPr marL="0" indent="0">
-              <a:buNone/>
-            </a:pPr>
-            <a:r>
-              <a:rPr lang="en-US" b="1" dirty="0"/>
-              <a:t>Interpolation </a:t>
-            </a:r>
-            <a:endParaRPr lang="en-US" dirty="0"/>
-          </a:p>
-          <a:p>
-            <a:r>
-              <a:rPr lang="en-US" dirty="0"/>
-              <a:t>&lt;h1&gt;{{</a:t>
-            </a:r>
-            <a:r>
-              <a:rPr lang="en-US" dirty="0" err="1"/>
-              <a:t>pageTitle</a:t>
-            </a:r>
-            <a:r>
-              <a:rPr lang="en-US" dirty="0"/>
-              <a:t>}}&lt;/h1&gt;</a:t>
-            </a:r>
-          </a:p>
-          <a:p>
-            <a:r>
-              <a:rPr lang="en-US" dirty="0"/>
-              <a:t>{{'Title: ' + </a:t>
-            </a:r>
-            <a:r>
-              <a:rPr lang="en-US" dirty="0" err="1"/>
-              <a:t>pageTitle</a:t>
-            </a:r>
-            <a:r>
-              <a:rPr lang="en-US" dirty="0"/>
-              <a:t>}}</a:t>
-            </a:r>
-          </a:p>
-          <a:p>
-            <a:r>
-              <a:rPr lang="en-US" dirty="0"/>
-              <a:t>{{2*20+1}}</a:t>
-            </a:r>
-          </a:p>
-          <a:p>
-            <a:endParaRPr lang="en-US" dirty="0"/>
-          </a:p>
-          <a:p>
-            <a:pPr marL="0" indent="0">
-              <a:buNone/>
-            </a:pPr>
-            <a:r>
-              <a:rPr lang="en-US" b="1" dirty="0"/>
-              <a:t>Directive</a:t>
-            </a:r>
-            <a:r>
-              <a:rPr lang="en-US" dirty="0"/>
-              <a:t> - </a:t>
-            </a:r>
-          </a:p>
-          <a:p>
-            <a:pPr marL="0" indent="0">
-              <a:buNone/>
-            </a:pPr>
-            <a:r>
-              <a:rPr lang="en-US" dirty="0"/>
-              <a:t>Custom HTML element or attribute used to power up and extend our HTML.</a:t>
-            </a:r>
-          </a:p>
-          <a:p>
-            <a:r>
-              <a:rPr lang="en-US" dirty="0"/>
-              <a:t> Custom</a:t>
-            </a:r>
-          </a:p>
-          <a:p>
-            <a:r>
-              <a:rPr lang="en-US" dirty="0"/>
-              <a:t>Built-In</a:t>
-            </a:r>
-          </a:p>
-          <a:p>
-            <a:endParaRPr lang="en-US" dirty="0"/>
-          </a:p>
-        </p:txBody>
-      </p:sp>
-    </p:spTree>
-    <p:extLst>
-      <p:ext uri="{BB962C8B-B14F-4D97-AF65-F5344CB8AC3E}">
-        <p14:creationId xmlns:p14="http://schemas.microsoft.com/office/powerpoint/2010/main" val="1295899454"/>
-      </p:ext>
-    </p:extLst>
-  </p:cSld>
-  <p:clrMapOvr>
-    <a:masterClrMapping/>
-  </p:clrMapOvr>
-</p:sld>
-</file>
-
-<file path=ppt/slides/slide5.xml><?xml version="1.0" encoding="utf-8"?>
-<p:sld xmlns:a="http://schemas.openxmlformats.org/drawingml/2006/main" xmlns:r="http://schemas.openxmlformats.org/officeDocument/2006/relationships" xmlns:p="http://schemas.openxmlformats.org/presentationml/2006/main">
-  <p:cSld>
-    <p:spTree>
-      <p:nvGrpSpPr>
-        <p:cNvPr id="1" name=""/>
-        <p:cNvGrpSpPr/>
-        <p:nvPr/>
-      </p:nvGrpSpPr>
-      <p:grpSpPr>
-        <a:xfrm>
-          <a:off x="0" y="0"/>
-          <a:ext cx="0" cy="0"/>
-          <a:chOff x="0" y="0"/>
-          <a:chExt cx="0" cy="0"/>
-        </a:xfrm>
-      </p:grpSpPr>
-      <p:sp>
-        <p:nvSpPr>
-          <p:cNvPr id="2" name="Title 1">
-            <a:extLst>
-              <a:ext uri="{FF2B5EF4-FFF2-40B4-BE49-F238E27FC236}">
-                <a16:creationId xmlns:a16="http://schemas.microsoft.com/office/drawing/2014/main" id="{98C30922-1452-42C1-B5E8-E81F16DDC1F9}"/>
-              </a:ext>
-            </a:extLst>
-          </p:cNvPr>
-          <p:cNvSpPr>
-            <a:spLocks noGrp="1"/>
-          </p:cNvSpPr>
-          <p:nvPr>
-            <p:ph type="title"/>
-          </p:nvPr>
-        </p:nvSpPr>
-        <p:spPr/>
-        <p:txBody>
-          <a:bodyPr/>
-          <a:lstStyle/>
-          <a:p>
-            <a:r>
-              <a:rPr lang="en-US" dirty="0"/>
-              <a:t>Directives</a:t>
-            </a:r>
-          </a:p>
-        </p:txBody>
-      </p:sp>
-      <p:sp>
-        <p:nvSpPr>
-          <p:cNvPr id="3" name="Content Placeholder 2">
-            <a:extLst>
-              <a:ext uri="{FF2B5EF4-FFF2-40B4-BE49-F238E27FC236}">
-                <a16:creationId xmlns:a16="http://schemas.microsoft.com/office/drawing/2014/main" id="{1C07FCC3-ECB4-4F1A-B6E5-6D5CBAD6BA14}"/>
-              </a:ext>
-            </a:extLst>
-          </p:cNvPr>
-          <p:cNvSpPr>
-            <a:spLocks noGrp="1"/>
-          </p:cNvSpPr>
-          <p:nvPr>
-            <p:ph idx="1"/>
-          </p:nvPr>
-        </p:nvSpPr>
-        <p:spPr/>
-        <p:txBody>
-          <a:bodyPr/>
-          <a:lstStyle/>
-          <a:p>
-            <a:pPr marL="0" indent="0">
-              <a:buNone/>
-            </a:pPr>
-            <a:r>
-              <a:rPr lang="en-US" dirty="0" err="1"/>
-              <a:t>NgFor</a:t>
-            </a:r>
-            <a:r>
-              <a:rPr lang="en-US" dirty="0"/>
-              <a:t> </a:t>
-            </a:r>
-          </a:p>
-          <a:p>
-            <a:pPr marL="0" indent="0">
-              <a:buNone/>
-            </a:pPr>
-            <a:r>
-              <a:rPr lang="en-US" dirty="0"/>
-              <a:t> - Show template variable</a:t>
-            </a:r>
-          </a:p>
-          <a:p>
-            <a:pPr marL="0" indent="0">
-              <a:buNone/>
-            </a:pPr>
-            <a:r>
-              <a:rPr lang="en-US" dirty="0"/>
-              <a:t>*</a:t>
-            </a:r>
-            <a:r>
-              <a:rPr lang="en-US" dirty="0" err="1"/>
-              <a:t>ngFor</a:t>
-            </a:r>
-            <a:r>
-              <a:rPr lang="en-US" dirty="0"/>
-              <a:t>='let product of products'&gt;</a:t>
-            </a:r>
-          </a:p>
-          <a:p>
-            <a:pPr marL="0" indent="0">
-              <a:buNone/>
-            </a:pPr>
-            <a:endParaRPr lang="en-US" dirty="0"/>
-          </a:p>
-          <a:p>
-            <a:pPr marL="0" indent="0">
-              <a:buNone/>
-            </a:pPr>
-            <a:endParaRPr lang="en-US" dirty="0"/>
-          </a:p>
-          <a:p>
-            <a:pPr marL="0" indent="0">
-              <a:buNone/>
-            </a:pPr>
-            <a:endParaRPr lang="en-US" dirty="0"/>
-          </a:p>
-        </p:txBody>
-      </p:sp>
-      <p:pic>
-        <p:nvPicPr>
-          <p:cNvPr id="5" name="Picture 4">
-            <a:extLst>
-              <a:ext uri="{FF2B5EF4-FFF2-40B4-BE49-F238E27FC236}">
-                <a16:creationId xmlns:a16="http://schemas.microsoft.com/office/drawing/2014/main" id="{A8668BB8-0B73-4C83-866C-DD6B4740E4E8}"/>
-              </a:ext>
-            </a:extLst>
-          </p:cNvPr>
-          <p:cNvPicPr>
-            <a:picLocks noChangeAspect="1"/>
-          </p:cNvPicPr>
-          <p:nvPr/>
-        </p:nvPicPr>
-        <p:blipFill>
-          <a:blip r:embed="rId2">
-            <a:extLst>
-              <a:ext uri="{28A0092B-C50C-407E-A947-70E740481C1C}">
-                <a14:useLocalDpi xmlns:a14="http://schemas.microsoft.com/office/drawing/2010/main" val="0"/>
-              </a:ext>
-            </a:extLst>
-          </a:blip>
-          <a:stretch>
-            <a:fillRect/>
-          </a:stretch>
-        </p:blipFill>
-        <p:spPr>
-          <a:xfrm>
-            <a:off x="5104528" y="3311461"/>
-            <a:ext cx="6249272" cy="3315163"/>
-          </a:xfrm>
-          <a:prstGeom prst="rect">
-            <a:avLst/>
-          </a:prstGeom>
-        </p:spPr>
-      </p:pic>
-    </p:spTree>
-    <p:extLst>
-      <p:ext uri="{BB962C8B-B14F-4D97-AF65-F5344CB8AC3E}">
-        <p14:creationId xmlns:p14="http://schemas.microsoft.com/office/powerpoint/2010/main" val="2058373478"/>
-      </p:ext>
-    </p:extLst>
-  </p:cSld>
-  <p:clrMapOvr>
-    <a:masterClrMapping/>
-  </p:clrMapOvr>
-</p:sld>
-</file>
-
-<file path=ppt/slides/slide6.xml><?xml version="1.0" encoding="utf-8"?>
-<p:sld xmlns:a="http://schemas.openxmlformats.org/drawingml/2006/main" xmlns:r="http://schemas.openxmlformats.org/officeDocument/2006/relationships" xmlns:p="http://schemas.openxmlformats.org/presentationml/2006/main">
-  <p:cSld>
-    <p:spTree>
-      <p:nvGrpSpPr>
-        <p:cNvPr id="1" name=""/>
-        <p:cNvGrpSpPr/>
-        <p:nvPr/>
-      </p:nvGrpSpPr>
-      <p:grpSpPr>
-        <a:xfrm>
-          <a:off x="0" y="0"/>
-          <a:ext cx="0" cy="0"/>
-          <a:chOff x="0" y="0"/>
-          <a:chExt cx="0" cy="0"/>
-        </a:xfrm>
-      </p:grpSpPr>
-      <p:sp>
-        <p:nvSpPr>
-          <p:cNvPr id="2" name="Title 1">
-            <a:extLst>
-              <a:ext uri="{FF2B5EF4-FFF2-40B4-BE49-F238E27FC236}">
-                <a16:creationId xmlns:a16="http://schemas.microsoft.com/office/drawing/2014/main" id="{98C30922-1452-42C1-B5E8-E81F16DDC1F9}"/>
-              </a:ext>
-            </a:extLst>
-          </p:cNvPr>
-          <p:cNvSpPr>
-            <a:spLocks noGrp="1"/>
-          </p:cNvSpPr>
-          <p:nvPr>
-            <p:ph type="title"/>
-          </p:nvPr>
-        </p:nvSpPr>
-        <p:spPr/>
-        <p:txBody>
-          <a:bodyPr/>
-          <a:lstStyle/>
-          <a:p>
-            <a:r>
-              <a:rPr lang="en-US" dirty="0"/>
-              <a:t>Binding &amp; Pipes</a:t>
-            </a:r>
-          </a:p>
-        </p:txBody>
-      </p:sp>
-      <p:sp>
-        <p:nvSpPr>
-          <p:cNvPr id="3" name="Content Placeholder 2">
-            <a:extLst>
-              <a:ext uri="{FF2B5EF4-FFF2-40B4-BE49-F238E27FC236}">
-                <a16:creationId xmlns:a16="http://schemas.microsoft.com/office/drawing/2014/main" id="{1C07FCC3-ECB4-4F1A-B6E5-6D5CBAD6BA14}"/>
-              </a:ext>
-            </a:extLst>
-          </p:cNvPr>
-          <p:cNvSpPr>
-            <a:spLocks noGrp="1"/>
-          </p:cNvSpPr>
-          <p:nvPr>
-            <p:ph idx="1"/>
-          </p:nvPr>
-        </p:nvSpPr>
-        <p:spPr/>
-        <p:txBody>
-          <a:bodyPr>
-            <a:normAutofit fontScale="92500" lnSpcReduction="20000"/>
-          </a:bodyPr>
-          <a:lstStyle/>
-          <a:p>
-            <a:pPr marL="0" indent="0">
-              <a:buNone/>
-            </a:pPr>
-            <a:r>
-              <a:rPr lang="en-US" b="1" dirty="0"/>
-              <a:t>Binding</a:t>
-            </a:r>
-            <a:endParaRPr lang="en-US" dirty="0"/>
-          </a:p>
-          <a:p>
-            <a:r>
-              <a:rPr lang="en-US" dirty="0"/>
-              <a:t>Coordinates communication between the component's class and its template and often involves passing data.</a:t>
-            </a:r>
-          </a:p>
-          <a:p>
-            <a:pPr marL="0" indent="0">
-              <a:buNone/>
-            </a:pPr>
-            <a:r>
-              <a:rPr lang="en-US" dirty="0"/>
-              <a:t>Pipes </a:t>
-            </a:r>
-          </a:p>
-          <a:p>
-            <a:pPr marL="0" indent="0">
-              <a:buNone/>
-            </a:pPr>
-            <a:r>
-              <a:rPr lang="en-US" dirty="0"/>
-              <a:t>Transforming Data </a:t>
-            </a:r>
-          </a:p>
-          <a:p>
-            <a:pPr marL="0" indent="0">
-              <a:buNone/>
-            </a:pPr>
-            <a:r>
-              <a:rPr lang="en-US" b="1" dirty="0"/>
-              <a:t>Pipe Examples</a:t>
-            </a:r>
-            <a:endParaRPr lang="en-US" dirty="0"/>
-          </a:p>
-          <a:p>
-            <a:r>
-              <a:rPr lang="en-US" dirty="0"/>
-              <a:t>{{ </a:t>
-            </a:r>
-            <a:r>
-              <a:rPr lang="en-US" dirty="0" err="1"/>
-              <a:t>product.productCode</a:t>
-            </a:r>
-            <a:r>
-              <a:rPr lang="en-US" dirty="0"/>
-              <a:t> | lowercase }}</a:t>
-            </a:r>
-          </a:p>
-          <a:p>
-            <a:r>
-              <a:rPr lang="en-US" dirty="0"/>
-              <a:t>&lt;</a:t>
-            </a:r>
-            <a:r>
-              <a:rPr lang="en-US" dirty="0" err="1"/>
-              <a:t>img</a:t>
-            </a:r>
-            <a:r>
-              <a:rPr lang="en-US" dirty="0"/>
-              <a:t> [</a:t>
-            </a:r>
-            <a:r>
-              <a:rPr lang="en-US" dirty="0" err="1"/>
-              <a:t>src</a:t>
-            </a:r>
-            <a:r>
-              <a:rPr lang="en-US" dirty="0"/>
-              <a:t>]='</a:t>
-            </a:r>
-            <a:r>
-              <a:rPr lang="en-US" dirty="0" err="1"/>
-              <a:t>product.imageUrl</a:t>
-            </a:r>
-            <a:r>
-              <a:rPr lang="en-US" dirty="0"/>
-              <a:t>'</a:t>
-            </a:r>
-          </a:p>
-          <a:p>
-            <a:r>
-              <a:rPr lang="en-US" dirty="0"/>
-              <a:t>[title]='</a:t>
-            </a:r>
-            <a:r>
-              <a:rPr lang="en-US" dirty="0" err="1"/>
-              <a:t>product.productName</a:t>
-            </a:r>
-            <a:r>
-              <a:rPr lang="en-US" dirty="0"/>
-              <a:t> | uppercase'&gt;</a:t>
-            </a:r>
-          </a:p>
-          <a:p>
-            <a:r>
-              <a:rPr lang="en-US" dirty="0"/>
-              <a:t>{{ </a:t>
-            </a:r>
-            <a:r>
-              <a:rPr lang="en-US" dirty="0" err="1"/>
-              <a:t>product.price</a:t>
-            </a:r>
-            <a:r>
-              <a:rPr lang="en-US" dirty="0"/>
-              <a:t> | currency | lowercase }}</a:t>
-            </a:r>
-          </a:p>
-          <a:p>
-            <a:r>
-              <a:rPr lang="en-US" dirty="0"/>
-              <a:t>{{ </a:t>
-            </a:r>
-            <a:r>
-              <a:rPr lang="en-US" dirty="0" err="1"/>
-              <a:t>product.price</a:t>
-            </a:r>
-            <a:r>
-              <a:rPr lang="en-US" dirty="0"/>
-              <a:t> | currency:'USD':'symbol':'1.2-2' }}</a:t>
-            </a:r>
-          </a:p>
-          <a:p>
-            <a:pPr marL="0" indent="0">
-              <a:buNone/>
-            </a:pPr>
-            <a:endParaRPr lang="en-US" dirty="0"/>
-          </a:p>
-        </p:txBody>
-      </p:sp>
-    </p:spTree>
-    <p:extLst>
-      <p:ext uri="{BB962C8B-B14F-4D97-AF65-F5344CB8AC3E}">
-        <p14:creationId xmlns:p14="http://schemas.microsoft.com/office/powerpoint/2010/main" val="2925284146"/>
-      </p:ext>
-    </p:extLst>
-  </p:cSld>
-  <p:clrMapOvr>
-    <a:masterClrMapping/>
-  </p:clrMapOvr>
-</p:sld>
-</file>
-
-<file path=ppt/slides/slide7.xml><?xml version="1.0" encoding="utf-8"?>
-<p:sld xmlns:a="http://schemas.openxmlformats.org/drawingml/2006/main" xmlns:r="http://schemas.openxmlformats.org/officeDocument/2006/relationships" xmlns:p="http://schemas.openxmlformats.org/presentationml/2006/main">
-  <p:cSld>
-    <p:spTree>
-      <p:nvGrpSpPr>
-        <p:cNvPr id="1" name=""/>
-        <p:cNvGrpSpPr/>
-        <p:nvPr/>
-      </p:nvGrpSpPr>
-      <p:grpSpPr>
-        <a:xfrm>
-          <a:off x="0" y="0"/>
-          <a:ext cx="0" cy="0"/>
-          <a:chOff x="0" y="0"/>
-          <a:chExt cx="0" cy="0"/>
-        </a:xfrm>
-      </p:grpSpPr>
-      <p:sp>
-        <p:nvSpPr>
-          <p:cNvPr id="2" name="Title 1">
-            <a:extLst>
-              <a:ext uri="{FF2B5EF4-FFF2-40B4-BE49-F238E27FC236}">
-                <a16:creationId xmlns:a16="http://schemas.microsoft.com/office/drawing/2014/main" id="{98C30922-1452-42C1-B5E8-E81F16DDC1F9}"/>
-              </a:ext>
-            </a:extLst>
-          </p:cNvPr>
-          <p:cNvSpPr>
-            <a:spLocks noGrp="1"/>
-          </p:cNvSpPr>
-          <p:nvPr>
-            <p:ph type="title"/>
-          </p:nvPr>
-        </p:nvSpPr>
-        <p:spPr/>
-        <p:txBody>
-          <a:bodyPr/>
-          <a:lstStyle/>
-          <a:p>
-            <a:r>
-              <a:rPr lang="en-US" dirty="0"/>
-              <a:t>Life Cycle Hooks</a:t>
-            </a:r>
-          </a:p>
-        </p:txBody>
-      </p:sp>
-      <p:sp>
-        <p:nvSpPr>
-          <p:cNvPr id="4" name="Rectangle 1">
-            <a:extLst>
-              <a:ext uri="{FF2B5EF4-FFF2-40B4-BE49-F238E27FC236}">
-                <a16:creationId xmlns:a16="http://schemas.microsoft.com/office/drawing/2014/main" id="{A496FB78-1721-4B71-8D02-98E2278CC659}"/>
-              </a:ext>
-            </a:extLst>
-          </p:cNvPr>
-          <p:cNvSpPr>
-            <a:spLocks noGrp="1" noChangeArrowheads="1"/>
-          </p:cNvSpPr>
-          <p:nvPr>
-            <p:ph idx="1"/>
-          </p:nvPr>
-        </p:nvSpPr>
-        <p:spPr bwMode="auto">
-          <a:xfrm>
-            <a:off x="838200" y="1439079"/>
-            <a:ext cx="11631389" cy="5124431"/>
-          </a:xfrm>
-          <a:prstGeom prst="rect">
-            <a:avLst/>
-          </a:prstGeom>
-          <a:solidFill>
-            <a:srgbClr val="FFFFFF"/>
-          </a:solidFill>
-          <a:ln>
-            <a:noFill/>
-          </a:ln>
-          <a:effectLst/>
-          <a:extLst>
-            <a:ext uri="{91240B29-F687-4F45-9708-019B960494DF}">
-              <a14:hiddenLine xmlns:a14="http://schemas.microsoft.com/office/drawing/2010/main" w="9525">
-                <a:solidFill>
-                  <a:schemeClr val="tx1"/>
-                </a:solidFill>
-                <a:miter lim="800000"/>
-                <a:headEnd/>
-                <a:tailEnd/>
-              </a14:hiddenLine>
-            </a:ext>
-            <a:ext uri="{AF507438-7753-43E0-B8FC-AC1667EBCBE1}">
-              <a14:hiddenEffects xmlns:a14="http://schemas.microsoft.com/office/drawing/2010/main">
-                <a:effectLst>
-                  <a:outerShdw dist="35921" dir="2700000" algn="ctr" rotWithShape="0">
-                    <a:schemeClr val="bg2"/>
-                  </a:outerShdw>
-                </a:effectLst>
-              </a14:hiddenEffects>
-            </a:ext>
-          </a:extLst>
-        </p:spPr>
-        <p:txBody>
-          <a:bodyPr vert="horz" wrap="none" lIns="0" tIns="0" rIns="0" bIns="152352" numCol="1" anchor="ctr" anchorCtr="0" compatLnSpc="1">
-            <a:prstTxWarp prst="textNoShape">
-              <a:avLst/>
-            </a:prstTxWarp>
-            <a:spAutoFit/>
-          </a:bodyPr>
-          <a:lstStyle/>
-          <a:p>
-            <a:pPr marL="0" marR="0" lvl="0" indent="0" algn="l" defTabSz="914400" rtl="0" eaLnBrk="0" fontAlgn="base" latinLnBrk="0" hangingPunct="0">
-              <a:lnSpc>
-                <a:spcPct val="100000"/>
-              </a:lnSpc>
-              <a:spcBef>
-                <a:spcPct val="0"/>
-              </a:spcBef>
-              <a:spcAft>
-                <a:spcPct val="0"/>
-              </a:spcAft>
-              <a:buClrTx/>
-              <a:buSzTx/>
-              <a:buFontTx/>
-              <a:buNone/>
-              <a:tabLst/>
-            </a:pPr>
-            <a:r>
-              <a:rPr kumimoji="0" lang="en-US" altLang="en-US" sz="1300" b="1" i="0" u="none" strike="noStrike" cap="none" normalizeH="0" baseline="0" dirty="0">
-                <a:ln>
-                  <a:noFill/>
-                </a:ln>
-                <a:solidFill>
-                  <a:srgbClr val="333333"/>
-                </a:solidFill>
-                <a:effectLst/>
-                <a:latin typeface="Helvetica" panose="020B0604020202020204" pitchFamily="34" charset="0"/>
-                <a:ea typeface="Times New Roman" panose="02020603050405020304" pitchFamily="18" charset="0"/>
-                <a:cs typeface="Times New Roman" panose="02020603050405020304" pitchFamily="18" charset="0"/>
-              </a:rPr>
-              <a:t>constructor</a:t>
-            </a:r>
-            <a:endParaRPr kumimoji="0" lang="en-US" altLang="en-US" sz="1200" b="0" i="0" u="none" strike="noStrike" cap="none" normalizeH="0" baseline="0" dirty="0">
-              <a:ln>
-                <a:noFill/>
-              </a:ln>
-              <a:solidFill>
-                <a:schemeClr val="tx1"/>
-              </a:solidFill>
-              <a:effectLst/>
-              <a:ea typeface="Times New Roman" panose="02020603050405020304" pitchFamily="18" charset="0"/>
-            </a:endParaRPr>
-          </a:p>
-          <a:p>
-            <a:pPr marL="0" marR="0" lvl="0" indent="0" algn="l" defTabSz="914400" rtl="0" eaLnBrk="0" fontAlgn="base" latinLnBrk="0" hangingPunct="0">
-              <a:lnSpc>
-                <a:spcPct val="100000"/>
-              </a:lnSpc>
-              <a:spcBef>
-                <a:spcPct val="0"/>
-              </a:spcBef>
-              <a:spcAft>
-                <a:spcPct val="0"/>
-              </a:spcAft>
-              <a:buClrTx/>
-              <a:buSzTx/>
-              <a:buFontTx/>
-              <a:buNone/>
-              <a:tabLst/>
-            </a:pPr>
-            <a:r>
-              <a:rPr kumimoji="0" lang="en-US" altLang="en-US" sz="1300" b="0" i="0" u="none" strike="noStrike" cap="none" normalizeH="0" baseline="0" dirty="0">
-                <a:ln>
-                  <a:noFill/>
-                </a:ln>
-                <a:solidFill>
-                  <a:srgbClr val="333333"/>
-                </a:solidFill>
-                <a:effectLst/>
-                <a:latin typeface="Helvetica" panose="020B0604020202020204" pitchFamily="34" charset="0"/>
-                <a:ea typeface="Times New Roman" panose="02020603050405020304" pitchFamily="18" charset="0"/>
-              </a:rPr>
-              <a:t>This is invoked when Angular creates a component or directive by calling </a:t>
-            </a:r>
-            <a:r>
-              <a:rPr kumimoji="0" lang="en-US" altLang="en-US" sz="1000" b="0" i="0" u="none" strike="noStrike" cap="none" normalizeH="0" baseline="0" dirty="0">
-                <a:ln>
-                  <a:noFill/>
-                </a:ln>
-                <a:solidFill>
-                  <a:srgbClr val="F4645F"/>
-                </a:solidFill>
-                <a:effectLst/>
-                <a:latin typeface="Consolas" panose="020B0609020204030204" pitchFamily="49" charset="0"/>
-                <a:ea typeface="Times New Roman" panose="02020603050405020304" pitchFamily="18" charset="0"/>
-                <a:cs typeface="Courier New" panose="02070309020205020404" pitchFamily="49" charset="0"/>
-              </a:rPr>
-              <a:t>new</a:t>
-            </a:r>
-            <a:r>
-              <a:rPr kumimoji="0" lang="en-US" altLang="en-US" sz="1300" b="0" i="0" u="none" strike="noStrike" cap="none" normalizeH="0" baseline="0" dirty="0">
-                <a:ln>
-                  <a:noFill/>
-                </a:ln>
-                <a:solidFill>
-                  <a:srgbClr val="333333"/>
-                </a:solidFill>
-                <a:effectLst/>
-                <a:latin typeface="Helvetica" panose="020B0604020202020204" pitchFamily="34" charset="0"/>
-                <a:ea typeface="Times New Roman" panose="02020603050405020304" pitchFamily="18" charset="0"/>
-              </a:rPr>
-              <a:t> on the class.</a:t>
-            </a:r>
-            <a:endParaRPr kumimoji="0" lang="en-US" altLang="en-US" sz="1200" b="0" i="0" u="none" strike="noStrike" cap="none" normalizeH="0" baseline="0" dirty="0">
-              <a:ln>
-                <a:noFill/>
-              </a:ln>
-              <a:solidFill>
-                <a:schemeClr val="tx1"/>
-              </a:solidFill>
-              <a:effectLst/>
-              <a:ea typeface="Times New Roman" panose="02020603050405020304" pitchFamily="18" charset="0"/>
-            </a:endParaRPr>
-          </a:p>
-          <a:p>
-            <a:pPr marL="0" marR="0" lvl="0" indent="0" algn="l" defTabSz="914400" rtl="0" eaLnBrk="0" fontAlgn="base" latinLnBrk="0" hangingPunct="0">
-              <a:lnSpc>
-                <a:spcPct val="100000"/>
-              </a:lnSpc>
-              <a:spcBef>
-                <a:spcPct val="0"/>
-              </a:spcBef>
-              <a:spcAft>
-                <a:spcPct val="0"/>
-              </a:spcAft>
-              <a:buClrTx/>
-              <a:buSzTx/>
-              <a:buFontTx/>
-              <a:buNone/>
-              <a:tabLst/>
-            </a:pPr>
-            <a:r>
-              <a:rPr kumimoji="0" lang="en-US" altLang="en-US" sz="1300" b="1" i="0" u="none" strike="noStrike" cap="none" normalizeH="0" baseline="0" dirty="0" err="1">
-                <a:ln>
-                  <a:noFill/>
-                </a:ln>
-                <a:solidFill>
-                  <a:srgbClr val="333333"/>
-                </a:solidFill>
-                <a:effectLst/>
-                <a:latin typeface="Helvetica" panose="020B0604020202020204" pitchFamily="34" charset="0"/>
-                <a:ea typeface="Times New Roman" panose="02020603050405020304" pitchFamily="18" charset="0"/>
-                <a:cs typeface="Times New Roman" panose="02020603050405020304" pitchFamily="18" charset="0"/>
-              </a:rPr>
-              <a:t>ngOnChanges</a:t>
-            </a:r>
-            <a:endParaRPr kumimoji="0" lang="en-US" altLang="en-US" sz="1200" b="0" i="0" u="none" strike="noStrike" cap="none" normalizeH="0" baseline="0" dirty="0">
-              <a:ln>
-                <a:noFill/>
-              </a:ln>
-              <a:solidFill>
-                <a:schemeClr val="tx1"/>
-              </a:solidFill>
-              <a:effectLst/>
-              <a:ea typeface="Times New Roman" panose="02020603050405020304" pitchFamily="18" charset="0"/>
-            </a:endParaRPr>
-          </a:p>
-          <a:p>
-            <a:pPr marL="0" marR="0" lvl="0" indent="0" algn="l" defTabSz="914400" rtl="0" eaLnBrk="0" fontAlgn="base" latinLnBrk="0" hangingPunct="0">
-              <a:lnSpc>
-                <a:spcPct val="100000"/>
-              </a:lnSpc>
-              <a:spcBef>
-                <a:spcPct val="0"/>
-              </a:spcBef>
-              <a:spcAft>
-                <a:spcPct val="0"/>
-              </a:spcAft>
-              <a:buClrTx/>
-              <a:buSzTx/>
-              <a:buFontTx/>
-              <a:buNone/>
-              <a:tabLst/>
-            </a:pPr>
-            <a:r>
-              <a:rPr kumimoji="0" lang="en-US" altLang="en-US" sz="1300" b="0" i="0" u="none" strike="noStrike" cap="none" normalizeH="0" baseline="0" dirty="0">
-                <a:ln>
-                  <a:noFill/>
-                </a:ln>
-                <a:solidFill>
-                  <a:srgbClr val="333333"/>
-                </a:solidFill>
-                <a:effectLst/>
-                <a:latin typeface="Helvetica" panose="020B0604020202020204" pitchFamily="34" charset="0"/>
-                <a:ea typeface="Times New Roman" panose="02020603050405020304" pitchFamily="18" charset="0"/>
-              </a:rPr>
-              <a:t>Invoked </a:t>
-            </a:r>
-            <a:r>
-              <a:rPr kumimoji="0" lang="en-US" altLang="en-US" sz="1300" b="1" i="0" u="none" strike="noStrike" cap="none" normalizeH="0" baseline="0" dirty="0">
-                <a:ln>
-                  <a:noFill/>
-                </a:ln>
-                <a:solidFill>
-                  <a:srgbClr val="333333"/>
-                </a:solidFill>
-                <a:effectLst/>
-                <a:latin typeface="Helvetica" panose="020B0604020202020204" pitchFamily="34" charset="0"/>
-                <a:ea typeface="Times New Roman" panose="02020603050405020304" pitchFamily="18" charset="0"/>
-              </a:rPr>
-              <a:t>every</a:t>
-            </a:r>
-            <a:r>
-              <a:rPr kumimoji="0" lang="en-US" altLang="en-US" sz="1300" b="0" i="0" u="none" strike="noStrike" cap="none" normalizeH="0" baseline="0" dirty="0">
-                <a:ln>
-                  <a:noFill/>
-                </a:ln>
-                <a:solidFill>
-                  <a:srgbClr val="333333"/>
-                </a:solidFill>
-                <a:effectLst/>
-                <a:latin typeface="Helvetica" panose="020B0604020202020204" pitchFamily="34" charset="0"/>
-                <a:ea typeface="Times New Roman" panose="02020603050405020304" pitchFamily="18" charset="0"/>
-              </a:rPr>
-              <a:t> time there is a change in one of </a:t>
-            </a:r>
-            <a:r>
-              <a:rPr kumimoji="0" lang="en-US" altLang="en-US" sz="1300" b="0" i="0" u="none" strike="noStrike" cap="none" normalizeH="0" baseline="0" dirty="0" err="1">
-                <a:ln>
-                  <a:noFill/>
-                </a:ln>
-                <a:solidFill>
-                  <a:srgbClr val="333333"/>
-                </a:solidFill>
-                <a:effectLst/>
-                <a:latin typeface="Helvetica" panose="020B0604020202020204" pitchFamily="34" charset="0"/>
-                <a:ea typeface="Times New Roman" panose="02020603050405020304" pitchFamily="18" charset="0"/>
-              </a:rPr>
-              <a:t>th</a:t>
-            </a:r>
-            <a:r>
-              <a:rPr kumimoji="0" lang="en-US" altLang="en-US" sz="1300" b="0" i="0" u="none" strike="noStrike" cap="none" normalizeH="0" baseline="0" dirty="0">
-                <a:ln>
-                  <a:noFill/>
-                </a:ln>
-                <a:solidFill>
-                  <a:srgbClr val="333333"/>
-                </a:solidFill>
-                <a:effectLst/>
-                <a:latin typeface="Helvetica" panose="020B0604020202020204" pitchFamily="34" charset="0"/>
-                <a:ea typeface="Times New Roman" panose="02020603050405020304" pitchFamily="18" charset="0"/>
-              </a:rPr>
-              <a:t> </a:t>
-            </a:r>
-            <a:r>
-              <a:rPr kumimoji="0" lang="en-US" altLang="en-US" sz="1300" b="0" i="1" u="none" strike="noStrike" cap="none" normalizeH="0" baseline="0" dirty="0">
-                <a:ln>
-                  <a:noFill/>
-                </a:ln>
-                <a:solidFill>
-                  <a:srgbClr val="333333"/>
-                </a:solidFill>
-                <a:effectLst/>
-                <a:latin typeface="Helvetica" panose="020B0604020202020204" pitchFamily="34" charset="0"/>
-                <a:ea typeface="Times New Roman" panose="02020603050405020304" pitchFamily="18" charset="0"/>
-              </a:rPr>
-              <a:t>input</a:t>
-            </a:r>
-            <a:r>
-              <a:rPr kumimoji="0" lang="en-US" altLang="en-US" sz="1300" b="0" i="0" u="none" strike="noStrike" cap="none" normalizeH="0" baseline="0" dirty="0">
-                <a:ln>
-                  <a:noFill/>
-                </a:ln>
-                <a:solidFill>
-                  <a:srgbClr val="333333"/>
-                </a:solidFill>
-                <a:effectLst/>
-                <a:latin typeface="Helvetica" panose="020B0604020202020204" pitchFamily="34" charset="0"/>
-                <a:ea typeface="Times New Roman" panose="02020603050405020304" pitchFamily="18" charset="0"/>
-              </a:rPr>
-              <a:t> properties of the component.</a:t>
-            </a:r>
-            <a:endParaRPr kumimoji="0" lang="en-US" altLang="en-US" sz="1200" b="0" i="0" u="none" strike="noStrike" cap="none" normalizeH="0" baseline="0" dirty="0">
-              <a:ln>
-                <a:noFill/>
-              </a:ln>
-              <a:solidFill>
-                <a:schemeClr val="tx1"/>
-              </a:solidFill>
-              <a:effectLst/>
-              <a:ea typeface="Times New Roman" panose="02020603050405020304" pitchFamily="18" charset="0"/>
-            </a:endParaRPr>
-          </a:p>
-          <a:p>
-            <a:pPr marL="0" marR="0" lvl="0" indent="0" algn="l" defTabSz="914400" rtl="0" eaLnBrk="0" fontAlgn="base" latinLnBrk="0" hangingPunct="0">
-              <a:lnSpc>
-                <a:spcPct val="100000"/>
-              </a:lnSpc>
-              <a:spcBef>
-                <a:spcPct val="0"/>
-              </a:spcBef>
-              <a:spcAft>
-                <a:spcPct val="0"/>
-              </a:spcAft>
-              <a:buClrTx/>
-              <a:buSzTx/>
-              <a:buFontTx/>
-              <a:buNone/>
-              <a:tabLst/>
-            </a:pPr>
-            <a:r>
-              <a:rPr kumimoji="0" lang="en-US" altLang="en-US" sz="1300" b="1" i="0" u="none" strike="noStrike" cap="none" normalizeH="0" baseline="0" dirty="0" err="1">
-                <a:ln>
-                  <a:noFill/>
-                </a:ln>
-                <a:solidFill>
-                  <a:srgbClr val="333333"/>
-                </a:solidFill>
-                <a:effectLst/>
-                <a:latin typeface="Helvetica" panose="020B0604020202020204" pitchFamily="34" charset="0"/>
-                <a:ea typeface="Times New Roman" panose="02020603050405020304" pitchFamily="18" charset="0"/>
-                <a:cs typeface="Times New Roman" panose="02020603050405020304" pitchFamily="18" charset="0"/>
-              </a:rPr>
-              <a:t>ngOnInit</a:t>
-            </a:r>
-            <a:endParaRPr kumimoji="0" lang="en-US" altLang="en-US" sz="1200" b="0" i="0" u="none" strike="noStrike" cap="none" normalizeH="0" baseline="0" dirty="0">
-              <a:ln>
-                <a:noFill/>
-              </a:ln>
-              <a:solidFill>
-                <a:schemeClr val="tx1"/>
-              </a:solidFill>
-              <a:effectLst/>
-              <a:ea typeface="Times New Roman" panose="02020603050405020304" pitchFamily="18" charset="0"/>
-            </a:endParaRPr>
-          </a:p>
-          <a:p>
-            <a:pPr marL="0" marR="0" lvl="0" indent="0" algn="l" defTabSz="914400" rtl="0" eaLnBrk="0" fontAlgn="base" latinLnBrk="0" hangingPunct="0">
-              <a:lnSpc>
-                <a:spcPct val="100000"/>
-              </a:lnSpc>
-              <a:spcBef>
-                <a:spcPct val="0"/>
-              </a:spcBef>
-              <a:spcAft>
-                <a:spcPct val="0"/>
-              </a:spcAft>
-              <a:buClrTx/>
-              <a:buSzTx/>
-              <a:buFontTx/>
-              <a:buNone/>
-              <a:tabLst/>
-            </a:pPr>
-            <a:r>
-              <a:rPr kumimoji="0" lang="en-US" altLang="en-US" sz="1300" b="0" i="0" u="none" strike="noStrike" cap="none" normalizeH="0" baseline="0" dirty="0">
-                <a:ln>
-                  <a:noFill/>
-                </a:ln>
-                <a:solidFill>
-                  <a:srgbClr val="333333"/>
-                </a:solidFill>
-                <a:effectLst/>
-                <a:latin typeface="Helvetica" panose="020B0604020202020204" pitchFamily="34" charset="0"/>
-                <a:ea typeface="Times New Roman" panose="02020603050405020304" pitchFamily="18" charset="0"/>
-              </a:rPr>
-              <a:t>Invoked when given component has been initialized.</a:t>
-            </a:r>
-            <a:br>
-              <a:rPr kumimoji="0" lang="en-US" altLang="en-US" sz="1300" b="0" i="0" u="none" strike="noStrike" cap="none" normalizeH="0" baseline="0" dirty="0">
-                <a:ln>
-                  <a:noFill/>
-                </a:ln>
-                <a:solidFill>
-                  <a:srgbClr val="333333"/>
-                </a:solidFill>
-                <a:effectLst/>
-                <a:latin typeface="Helvetica" panose="020B0604020202020204" pitchFamily="34" charset="0"/>
-                <a:ea typeface="Times New Roman" panose="02020603050405020304" pitchFamily="18" charset="0"/>
-              </a:rPr>
-            </a:br>
-            <a:r>
-              <a:rPr kumimoji="0" lang="en-US" altLang="en-US" sz="1300" b="0" i="0" u="none" strike="noStrike" cap="none" normalizeH="0" baseline="0" dirty="0">
-                <a:ln>
-                  <a:noFill/>
-                </a:ln>
-                <a:solidFill>
-                  <a:srgbClr val="333333"/>
-                </a:solidFill>
-                <a:effectLst/>
-                <a:latin typeface="Helvetica" panose="020B0604020202020204" pitchFamily="34" charset="0"/>
-                <a:ea typeface="Times New Roman" panose="02020603050405020304" pitchFamily="18" charset="0"/>
-              </a:rPr>
-              <a:t>This hook is only called </a:t>
-            </a:r>
-            <a:r>
-              <a:rPr kumimoji="0" lang="en-US" altLang="en-US" sz="1300" b="1" i="0" u="none" strike="noStrike" cap="none" normalizeH="0" baseline="0" dirty="0">
-                <a:ln>
-                  <a:noFill/>
-                </a:ln>
-                <a:solidFill>
-                  <a:srgbClr val="333333"/>
-                </a:solidFill>
-                <a:effectLst/>
-                <a:latin typeface="Helvetica" panose="020B0604020202020204" pitchFamily="34" charset="0"/>
-                <a:ea typeface="Times New Roman" panose="02020603050405020304" pitchFamily="18" charset="0"/>
-              </a:rPr>
-              <a:t>once</a:t>
-            </a:r>
-            <a:r>
-              <a:rPr kumimoji="0" lang="en-US" altLang="en-US" sz="1300" b="0" i="0" u="none" strike="noStrike" cap="none" normalizeH="0" baseline="0" dirty="0">
-                <a:ln>
-                  <a:noFill/>
-                </a:ln>
-                <a:solidFill>
-                  <a:srgbClr val="333333"/>
-                </a:solidFill>
-                <a:effectLst/>
-                <a:latin typeface="Helvetica" panose="020B0604020202020204" pitchFamily="34" charset="0"/>
-                <a:ea typeface="Times New Roman" panose="02020603050405020304" pitchFamily="18" charset="0"/>
-              </a:rPr>
-              <a:t> after the first </a:t>
-            </a:r>
-            <a:r>
-              <a:rPr kumimoji="0" lang="en-US" altLang="en-US" sz="1000" b="0" i="0" u="none" strike="noStrike" cap="none" normalizeH="0" baseline="0" dirty="0" err="1">
-                <a:ln>
-                  <a:noFill/>
-                </a:ln>
-                <a:solidFill>
-                  <a:srgbClr val="F4645F"/>
-                </a:solidFill>
-                <a:effectLst/>
-                <a:latin typeface="Consolas" panose="020B0609020204030204" pitchFamily="49" charset="0"/>
-                <a:ea typeface="Times New Roman" panose="02020603050405020304" pitchFamily="18" charset="0"/>
-                <a:cs typeface="Courier New" panose="02070309020205020404" pitchFamily="49" charset="0"/>
-              </a:rPr>
-              <a:t>ngOnChanges</a:t>
-            </a:r>
-            <a:endParaRPr kumimoji="0" lang="en-US" altLang="en-US" sz="1200" b="0" i="0" u="none" strike="noStrike" cap="none" normalizeH="0" baseline="0" dirty="0">
-              <a:ln>
-                <a:noFill/>
-              </a:ln>
-              <a:solidFill>
-                <a:schemeClr val="tx1"/>
-              </a:solidFill>
-              <a:effectLst/>
-              <a:ea typeface="Times New Roman" panose="02020603050405020304" pitchFamily="18" charset="0"/>
-            </a:endParaRPr>
-          </a:p>
-          <a:p>
-            <a:pPr marL="0" marR="0" lvl="0" indent="0" algn="l" defTabSz="914400" rtl="0" eaLnBrk="0" fontAlgn="base" latinLnBrk="0" hangingPunct="0">
-              <a:lnSpc>
-                <a:spcPct val="100000"/>
-              </a:lnSpc>
-              <a:spcBef>
-                <a:spcPct val="0"/>
-              </a:spcBef>
-              <a:spcAft>
-                <a:spcPct val="0"/>
-              </a:spcAft>
-              <a:buClrTx/>
-              <a:buSzTx/>
-              <a:buFontTx/>
-              <a:buNone/>
-              <a:tabLst/>
-            </a:pPr>
-            <a:r>
-              <a:rPr kumimoji="0" lang="en-US" altLang="en-US" sz="1300" b="1" i="0" u="none" strike="noStrike" cap="none" normalizeH="0" baseline="0" dirty="0" err="1">
-                <a:ln>
-                  <a:noFill/>
-                </a:ln>
-                <a:solidFill>
-                  <a:srgbClr val="333333"/>
-                </a:solidFill>
-                <a:effectLst/>
-                <a:latin typeface="Helvetica" panose="020B0604020202020204" pitchFamily="34" charset="0"/>
-                <a:ea typeface="Times New Roman" panose="02020603050405020304" pitchFamily="18" charset="0"/>
-                <a:cs typeface="Times New Roman" panose="02020603050405020304" pitchFamily="18" charset="0"/>
-              </a:rPr>
-              <a:t>ngDoCheck</a:t>
-            </a:r>
-            <a:endParaRPr kumimoji="0" lang="en-US" altLang="en-US" sz="1200" b="0" i="0" u="none" strike="noStrike" cap="none" normalizeH="0" baseline="0" dirty="0">
-              <a:ln>
-                <a:noFill/>
-              </a:ln>
-              <a:solidFill>
-                <a:schemeClr val="tx1"/>
-              </a:solidFill>
-              <a:effectLst/>
-              <a:ea typeface="Times New Roman" panose="02020603050405020304" pitchFamily="18" charset="0"/>
-            </a:endParaRPr>
-          </a:p>
-          <a:p>
-            <a:pPr marL="0" marR="0" lvl="0" indent="0" algn="l" defTabSz="914400" rtl="0" eaLnBrk="0" fontAlgn="base" latinLnBrk="0" hangingPunct="0">
-              <a:lnSpc>
-                <a:spcPct val="100000"/>
-              </a:lnSpc>
-              <a:spcBef>
-                <a:spcPct val="0"/>
-              </a:spcBef>
-              <a:spcAft>
-                <a:spcPct val="0"/>
-              </a:spcAft>
-              <a:buClrTx/>
-              <a:buSzTx/>
-              <a:buFontTx/>
-              <a:buNone/>
-              <a:tabLst/>
-            </a:pPr>
-            <a:r>
-              <a:rPr kumimoji="0" lang="en-US" altLang="en-US" sz="1300" b="0" i="0" u="none" strike="noStrike" cap="none" normalizeH="0" baseline="0" dirty="0">
-                <a:ln>
-                  <a:noFill/>
-                </a:ln>
-                <a:solidFill>
-                  <a:srgbClr val="333333"/>
-                </a:solidFill>
-                <a:effectLst/>
-                <a:latin typeface="Helvetica" panose="020B0604020202020204" pitchFamily="34" charset="0"/>
-                <a:ea typeface="Times New Roman" panose="02020603050405020304" pitchFamily="18" charset="0"/>
-              </a:rPr>
-              <a:t>Invoked when the change detector of the given component is invoked. It allows us to implement our own change detection algorithm for the given component.</a:t>
-            </a:r>
-            <a:endParaRPr kumimoji="0" lang="en-US" altLang="en-US" sz="1200" b="0" i="0" u="none" strike="noStrike" cap="none" normalizeH="0" baseline="0" dirty="0">
-              <a:ln>
-                <a:noFill/>
-              </a:ln>
-              <a:solidFill>
-                <a:schemeClr val="tx1"/>
-              </a:solidFill>
-              <a:effectLst/>
-              <a:ea typeface="Times New Roman" panose="02020603050405020304" pitchFamily="18" charset="0"/>
-            </a:endParaRPr>
-          </a:p>
-          <a:p>
-            <a:pPr marL="0" marR="0" lvl="0" indent="0" algn="l" defTabSz="914400" rtl="0" eaLnBrk="0" fontAlgn="base" latinLnBrk="0" hangingPunct="0">
-              <a:lnSpc>
-                <a:spcPct val="100000"/>
-              </a:lnSpc>
-              <a:spcBef>
-                <a:spcPct val="0"/>
-              </a:spcBef>
-              <a:spcAft>
-                <a:spcPct val="0"/>
-              </a:spcAft>
-              <a:buClrTx/>
-              <a:buSzTx/>
-              <a:buFontTx/>
-              <a:buNone/>
-              <a:tabLst/>
-            </a:pPr>
-            <a:r>
-              <a:rPr kumimoji="0" lang="en-US" altLang="en-US" sz="1300" b="1" i="0" u="none" strike="noStrike" cap="none" normalizeH="0" baseline="0" dirty="0" err="1">
-                <a:ln>
-                  <a:noFill/>
-                </a:ln>
-                <a:solidFill>
-                  <a:srgbClr val="333333"/>
-                </a:solidFill>
-                <a:effectLst/>
-                <a:latin typeface="Helvetica" panose="020B0604020202020204" pitchFamily="34" charset="0"/>
-                <a:ea typeface="Times New Roman" panose="02020603050405020304" pitchFamily="18" charset="0"/>
-                <a:cs typeface="Times New Roman" panose="02020603050405020304" pitchFamily="18" charset="0"/>
-              </a:rPr>
-              <a:t>ngOnDestroy</a:t>
-            </a:r>
-            <a:endParaRPr kumimoji="0" lang="en-US" altLang="en-US" sz="1200" b="0" i="0" u="none" strike="noStrike" cap="none" normalizeH="0" baseline="0" dirty="0">
-              <a:ln>
-                <a:noFill/>
-              </a:ln>
-              <a:solidFill>
-                <a:schemeClr val="tx1"/>
-              </a:solidFill>
-              <a:effectLst/>
-              <a:ea typeface="Times New Roman" panose="02020603050405020304" pitchFamily="18" charset="0"/>
-            </a:endParaRPr>
-          </a:p>
-          <a:p>
-            <a:pPr marL="0" marR="0" lvl="0" indent="0" algn="l" defTabSz="914400" rtl="0" eaLnBrk="0" fontAlgn="base" latinLnBrk="0" hangingPunct="0">
-              <a:lnSpc>
-                <a:spcPct val="100000"/>
-              </a:lnSpc>
-              <a:spcBef>
-                <a:spcPct val="0"/>
-              </a:spcBef>
-              <a:spcAft>
-                <a:spcPct val="0"/>
-              </a:spcAft>
-              <a:buClrTx/>
-              <a:buSzTx/>
-              <a:buFontTx/>
-              <a:buNone/>
-              <a:tabLst/>
-            </a:pPr>
-            <a:r>
-              <a:rPr kumimoji="0" lang="en-US" altLang="en-US" sz="1300" b="0" i="0" u="none" strike="noStrike" cap="none" normalizeH="0" baseline="0" dirty="0">
-                <a:ln>
-                  <a:noFill/>
-                </a:ln>
-                <a:solidFill>
-                  <a:srgbClr val="333333"/>
-                </a:solidFill>
-                <a:effectLst/>
-                <a:latin typeface="Helvetica" panose="020B0604020202020204" pitchFamily="34" charset="0"/>
-                <a:ea typeface="Times New Roman" panose="02020603050405020304" pitchFamily="18" charset="0"/>
-              </a:rPr>
-              <a:t>This method will be invoked just before Angular destroys the component.</a:t>
-            </a:r>
-            <a:br>
-              <a:rPr kumimoji="0" lang="en-US" altLang="en-US" sz="1300" b="0" i="0" u="none" strike="noStrike" cap="none" normalizeH="0" baseline="0" dirty="0">
-                <a:ln>
-                  <a:noFill/>
-                </a:ln>
-                <a:solidFill>
-                  <a:srgbClr val="333333"/>
-                </a:solidFill>
-                <a:effectLst/>
-                <a:latin typeface="Helvetica" panose="020B0604020202020204" pitchFamily="34" charset="0"/>
-                <a:ea typeface="Times New Roman" panose="02020603050405020304" pitchFamily="18" charset="0"/>
-              </a:rPr>
-            </a:br>
-            <a:r>
-              <a:rPr kumimoji="0" lang="en-US" altLang="en-US" sz="1300" b="0" i="0" u="none" strike="noStrike" cap="none" normalizeH="0" baseline="0" dirty="0">
-                <a:ln>
-                  <a:noFill/>
-                </a:ln>
-                <a:solidFill>
-                  <a:srgbClr val="333333"/>
-                </a:solidFill>
-                <a:effectLst/>
-                <a:latin typeface="Helvetica" panose="020B0604020202020204" pitchFamily="34" charset="0"/>
-                <a:ea typeface="Times New Roman" panose="02020603050405020304" pitchFamily="18" charset="0"/>
-              </a:rPr>
-              <a:t>Use this hook to unsubscribe observables and detach event handlers to avoid memory leaks.</a:t>
-            </a:r>
-            <a:endParaRPr kumimoji="0" lang="en-US" altLang="en-US" sz="1200" b="0" i="0" u="none" strike="noStrike" cap="none" normalizeH="0" baseline="0" dirty="0">
-              <a:ln>
-                <a:noFill/>
-              </a:ln>
-              <a:solidFill>
-                <a:schemeClr val="tx1"/>
-              </a:solidFill>
-              <a:effectLst/>
-              <a:ea typeface="Times New Roman" panose="02020603050405020304" pitchFamily="18" charset="0"/>
-            </a:endParaRPr>
-          </a:p>
-          <a:p>
-            <a:pPr marL="0" marR="0" lvl="0" indent="0" algn="l" defTabSz="914400" rtl="0" eaLnBrk="0" fontAlgn="base" latinLnBrk="0" hangingPunct="0">
-              <a:lnSpc>
-                <a:spcPct val="100000"/>
-              </a:lnSpc>
-              <a:spcBef>
-                <a:spcPct val="0"/>
-              </a:spcBef>
-              <a:spcAft>
-                <a:spcPct val="0"/>
-              </a:spcAft>
-              <a:buClrTx/>
-              <a:buSzTx/>
-              <a:buFontTx/>
-              <a:buNone/>
-              <a:tabLst/>
-            </a:pPr>
-            <a:r>
-              <a:rPr kumimoji="0" lang="en-US" altLang="en-US" sz="2200" b="1" i="0" u="none" strike="noStrike" cap="none" normalizeH="0" baseline="0" dirty="0">
-                <a:ln>
-                  <a:noFill/>
-                </a:ln>
-                <a:solidFill>
-                  <a:srgbClr val="000000"/>
-                </a:solidFill>
-                <a:effectLst/>
-                <a:latin typeface="Helvetica" panose="020B0604020202020204" pitchFamily="34" charset="0"/>
-                <a:ea typeface="Times New Roman" panose="02020603050405020304" pitchFamily="18" charset="0"/>
-                <a:cs typeface="Times New Roman" panose="02020603050405020304" pitchFamily="18" charset="0"/>
-                <a:hlinkClick r:id="rId2"/>
-              </a:rPr>
-              <a:t>Hooks for</a:t>
-            </a:r>
-            <a:r>
-              <a:rPr kumimoji="0" lang="en-US" altLang="en-US" sz="2200" b="1" i="0" u="none" strike="noStrike" cap="none" normalizeH="0" baseline="0" dirty="0">
-                <a:ln>
-                  <a:noFill/>
-                </a:ln>
-                <a:solidFill>
-                  <a:srgbClr val="000000"/>
-                </a:solidFill>
-                <a:effectLst/>
-                <a:latin typeface="Calibri Light" panose="020F0302020204030204" pitchFamily="34" charset="0"/>
-                <a:ea typeface="Times New Roman" panose="02020603050405020304" pitchFamily="18" charset="0"/>
-                <a:cs typeface="Times New Roman" panose="02020603050405020304" pitchFamily="18" charset="0"/>
-                <a:hlinkClick r:id="rId2"/>
-              </a:rPr>
-              <a:t> </a:t>
-            </a:r>
-            <a:r>
-              <a:rPr kumimoji="0" lang="en-US" altLang="en-US" sz="2200" b="1" i="0" u="none" strike="noStrike" cap="none" normalizeH="0" baseline="0" dirty="0">
-                <a:ln>
-                  <a:noFill/>
-                </a:ln>
-                <a:solidFill>
-                  <a:srgbClr val="000000"/>
-                </a:solidFill>
-                <a:effectLst/>
-                <a:latin typeface="Helvetica" panose="020B0604020202020204" pitchFamily="34" charset="0"/>
-                <a:ea typeface="Times New Roman" panose="02020603050405020304" pitchFamily="18" charset="0"/>
-                <a:cs typeface="Times New Roman" panose="02020603050405020304" pitchFamily="18" charset="0"/>
-                <a:hlinkClick r:id="rId2"/>
-              </a:rPr>
-              <a:t>the Component</a:t>
-            </a:r>
-            <a:r>
-              <a:rPr kumimoji="0" lang="en-US" altLang="en-US" sz="2200" b="1" i="0" u="none" strike="noStrike" cap="none" normalizeH="0" baseline="0" dirty="0">
-                <a:ln>
-                  <a:noFill/>
-                </a:ln>
-                <a:solidFill>
-                  <a:srgbClr val="000000"/>
-                </a:solidFill>
-                <a:effectLst/>
-                <a:latin typeface="Calibri Light" panose="020F0302020204030204" pitchFamily="34" charset="0"/>
-                <a:ea typeface="Times New Roman" panose="02020603050405020304" pitchFamily="18" charset="0"/>
-                <a:cs typeface="Times New Roman" panose="02020603050405020304" pitchFamily="18" charset="0"/>
-                <a:hlinkClick r:id="rId2"/>
-              </a:rPr>
-              <a:t>’</a:t>
-            </a:r>
-            <a:r>
-              <a:rPr kumimoji="0" lang="en-US" altLang="en-US" sz="2200" b="1" i="0" u="none" strike="noStrike" cap="none" normalizeH="0" baseline="0" dirty="0">
-                <a:ln>
-                  <a:noFill/>
-                </a:ln>
-                <a:solidFill>
-                  <a:srgbClr val="000000"/>
-                </a:solidFill>
-                <a:effectLst/>
-                <a:latin typeface="Helvetica" panose="020B0604020202020204" pitchFamily="34" charset="0"/>
-                <a:ea typeface="Times New Roman" panose="02020603050405020304" pitchFamily="18" charset="0"/>
-                <a:cs typeface="Times New Roman" panose="02020603050405020304" pitchFamily="18" charset="0"/>
-                <a:hlinkClick r:id="rId2"/>
-              </a:rPr>
-              <a:t>s Children</a:t>
-            </a:r>
-            <a:endParaRPr kumimoji="0" lang="en-US" altLang="en-US" sz="1200" b="0" i="0" u="none" strike="noStrike" cap="none" normalizeH="0" baseline="0" dirty="0">
-              <a:ln>
-                <a:noFill/>
-              </a:ln>
-              <a:solidFill>
-                <a:srgbClr val="1F3763"/>
-              </a:solidFill>
-              <a:effectLst/>
-              <a:latin typeface="Calibri Light" panose="020F0302020204030204" pitchFamily="34" charset="0"/>
-              <a:ea typeface="Times New Roman" panose="02020603050405020304" pitchFamily="18" charset="0"/>
-              <a:cs typeface="Times New Roman" panose="02020603050405020304" pitchFamily="18" charset="0"/>
-            </a:endParaRPr>
-          </a:p>
-          <a:p>
-            <a:pPr marL="0" marR="0" lvl="0" indent="0" algn="l" defTabSz="914400" rtl="0" eaLnBrk="0" fontAlgn="base" latinLnBrk="0" hangingPunct="0">
-              <a:lnSpc>
-                <a:spcPct val="100000"/>
-              </a:lnSpc>
-              <a:spcBef>
-                <a:spcPct val="0"/>
-              </a:spcBef>
-              <a:spcAft>
-                <a:spcPct val="0"/>
-              </a:spcAft>
-              <a:buClrTx/>
-              <a:buSzTx/>
-              <a:buFontTx/>
-              <a:buNone/>
-              <a:tabLst/>
-            </a:pPr>
-            <a:r>
-              <a:rPr kumimoji="0" lang="en-US" altLang="en-US" sz="1300" b="0" i="0" u="none" strike="noStrike" cap="none" normalizeH="0" baseline="0" dirty="0">
-                <a:ln>
-                  <a:noFill/>
-                </a:ln>
-                <a:solidFill>
-                  <a:srgbClr val="333333"/>
-                </a:solidFill>
-                <a:effectLst/>
-                <a:latin typeface="Helvetica" panose="020B0604020202020204" pitchFamily="34" charset="0"/>
-                <a:ea typeface="Times New Roman" panose="02020603050405020304" pitchFamily="18" charset="0"/>
-              </a:rPr>
-              <a:t>These hooks are only called for components and not directives.</a:t>
-            </a:r>
-            <a:endParaRPr kumimoji="0" lang="en-US" altLang="en-US" sz="1100" b="0" i="1" u="none" strike="noStrike" cap="none" normalizeH="0" baseline="0" dirty="0">
-              <a:ln>
-                <a:noFill/>
-              </a:ln>
-              <a:solidFill>
-                <a:srgbClr val="2F5496"/>
-              </a:solidFill>
-              <a:effectLst/>
-              <a:latin typeface="Calibri Light" panose="020F0302020204030204" pitchFamily="34" charset="0"/>
-              <a:ea typeface="Times New Roman" panose="02020603050405020304" pitchFamily="18" charset="0"/>
-              <a:cs typeface="Times New Roman" panose="02020603050405020304" pitchFamily="18" charset="0"/>
-            </a:endParaRPr>
-          </a:p>
-          <a:p>
-            <a:pPr marL="0" marR="0" lvl="0" indent="0" algn="l" defTabSz="914400" rtl="0" eaLnBrk="0" fontAlgn="base" latinLnBrk="0" hangingPunct="0">
-              <a:lnSpc>
-                <a:spcPct val="100000"/>
-              </a:lnSpc>
-              <a:spcBef>
-                <a:spcPct val="0"/>
-              </a:spcBef>
-              <a:spcAft>
-                <a:spcPct val="0"/>
-              </a:spcAft>
-              <a:buClrTx/>
-              <a:buSzTx/>
-              <a:buFontTx/>
-              <a:buNone/>
-              <a:tabLst/>
-            </a:pPr>
-            <a:r>
-              <a:rPr kumimoji="0" lang="en-US" altLang="en-US" sz="1500" b="1" i="1" u="none" strike="noStrike" cap="none" normalizeH="0" baseline="0" dirty="0">
-                <a:ln>
-                  <a:noFill/>
-                </a:ln>
-                <a:solidFill>
-                  <a:srgbClr val="333333"/>
-                </a:solidFill>
-                <a:effectLst/>
-                <a:latin typeface="Helvetica" panose="020B0604020202020204" pitchFamily="34" charset="0"/>
-                <a:ea typeface="Times New Roman" panose="02020603050405020304" pitchFamily="18" charset="0"/>
-                <a:cs typeface="Times New Roman" panose="02020603050405020304" pitchFamily="18" charset="0"/>
-              </a:rPr>
-              <a:t>Note</a:t>
-            </a:r>
-            <a:endParaRPr kumimoji="0" lang="en-US" altLang="en-US" sz="1100" b="0" i="1" u="none" strike="noStrike" cap="none" normalizeH="0" baseline="0" dirty="0">
-              <a:ln>
-                <a:noFill/>
-              </a:ln>
-              <a:solidFill>
-                <a:srgbClr val="2F5496"/>
-              </a:solidFill>
-              <a:effectLst/>
-              <a:latin typeface="Calibri Light" panose="020F0302020204030204" pitchFamily="34" charset="0"/>
-              <a:ea typeface="Times New Roman" panose="02020603050405020304" pitchFamily="18" charset="0"/>
-              <a:cs typeface="Times New Roman" panose="02020603050405020304" pitchFamily="18" charset="0"/>
-            </a:endParaRPr>
-          </a:p>
-          <a:p>
-            <a:pPr marL="0" marR="0" lvl="0" indent="0" algn="l" defTabSz="914400" rtl="0" eaLnBrk="0" fontAlgn="base" latinLnBrk="0" hangingPunct="0">
-              <a:lnSpc>
-                <a:spcPct val="100000"/>
-              </a:lnSpc>
-              <a:spcBef>
-                <a:spcPct val="0"/>
-              </a:spcBef>
-              <a:spcAft>
-                <a:spcPct val="0"/>
-              </a:spcAft>
-              <a:buClrTx/>
-              <a:buSzTx/>
-              <a:buFontTx/>
-              <a:buNone/>
-              <a:tabLst/>
-            </a:pPr>
-            <a:r>
-              <a:rPr kumimoji="0" lang="en-US" altLang="en-US" sz="1300" b="0" i="0" u="none" strike="noStrike" cap="none" normalizeH="0" baseline="0" dirty="0">
-                <a:ln>
-                  <a:noFill/>
-                </a:ln>
-                <a:solidFill>
-                  <a:srgbClr val="333333"/>
-                </a:solidFill>
-                <a:effectLst/>
-                <a:latin typeface="Helvetica" panose="020B0604020202020204" pitchFamily="34" charset="0"/>
-                <a:ea typeface="Times New Roman" panose="02020603050405020304" pitchFamily="18" charset="0"/>
-                <a:cs typeface="Times New Roman" panose="02020603050405020304" pitchFamily="18" charset="0"/>
-              </a:rPr>
-              <a:t>We will cover the</a:t>
-            </a:r>
-            <a:r>
-              <a:rPr kumimoji="0" lang="en-US" altLang="en-US" sz="1300" b="0" i="0" u="none" strike="noStrike" cap="none" normalizeH="0" baseline="0" dirty="0">
-                <a:ln>
-                  <a:noFill/>
-                </a:ln>
-                <a:solidFill>
-                  <a:srgbClr val="333333"/>
-                </a:solidFill>
-                <a:effectLst/>
-                <a:latin typeface="Calibri" panose="020F0502020204030204" pitchFamily="34" charset="0"/>
-                <a:ea typeface="Times New Roman" panose="02020603050405020304" pitchFamily="18" charset="0"/>
-                <a:cs typeface="Times New Roman" panose="02020603050405020304" pitchFamily="18" charset="0"/>
-              </a:rPr>
-              <a:t> </a:t>
-            </a:r>
-            <a:r>
-              <a:rPr kumimoji="0" lang="en-US" altLang="en-US" sz="1300" b="0" i="0" u="none" strike="noStrike" cap="none" normalizeH="0" baseline="0" dirty="0">
-                <a:ln>
-                  <a:noFill/>
-                </a:ln>
-                <a:solidFill>
-                  <a:srgbClr val="333333"/>
-                </a:solidFill>
-                <a:effectLst/>
-                <a:latin typeface="Helvetica" panose="020B0604020202020204" pitchFamily="34" charset="0"/>
-                <a:ea typeface="Times New Roman" panose="02020603050405020304" pitchFamily="18" charset="0"/>
-                <a:cs typeface="Times New Roman" panose="02020603050405020304" pitchFamily="18" charset="0"/>
-              </a:rPr>
-              <a:t>difference between Components and</a:t>
-            </a:r>
-            <a:r>
-              <a:rPr kumimoji="0" lang="en-US" altLang="en-US" sz="1300" b="0" i="0" u="none" strike="noStrike" cap="none" normalizeH="0" baseline="0" dirty="0">
-                <a:ln>
-                  <a:noFill/>
-                </a:ln>
-                <a:solidFill>
-                  <a:srgbClr val="333333"/>
-                </a:solidFill>
-                <a:effectLst/>
-                <a:latin typeface="Calibri" panose="020F0502020204030204" pitchFamily="34" charset="0"/>
-                <a:ea typeface="Times New Roman" panose="02020603050405020304" pitchFamily="18" charset="0"/>
-                <a:cs typeface="Times New Roman" panose="02020603050405020304" pitchFamily="18" charset="0"/>
-              </a:rPr>
-              <a:t> </a:t>
-            </a:r>
-            <a:r>
-              <a:rPr kumimoji="0" lang="en-US" altLang="en-US" sz="1300" b="0" i="0" u="none" strike="noStrike" cap="none" normalizeH="0" baseline="0" dirty="0">
-                <a:ln>
-                  <a:noFill/>
-                </a:ln>
-                <a:solidFill>
-                  <a:srgbClr val="333333"/>
-                </a:solidFill>
-                <a:effectLst/>
-                <a:latin typeface="Helvetica" panose="020B0604020202020204" pitchFamily="34" charset="0"/>
-                <a:ea typeface="Times New Roman" panose="02020603050405020304" pitchFamily="18" charset="0"/>
-                <a:cs typeface="Times New Roman" panose="02020603050405020304" pitchFamily="18" charset="0"/>
-              </a:rPr>
-              <a:t>Directives in</a:t>
-            </a:r>
-            <a:r>
-              <a:rPr kumimoji="0" lang="en-US" altLang="en-US" sz="1300" b="0" i="0" u="none" strike="noStrike" cap="none" normalizeH="0" baseline="0" dirty="0">
-                <a:ln>
-                  <a:noFill/>
-                </a:ln>
-                <a:solidFill>
-                  <a:srgbClr val="333333"/>
-                </a:solidFill>
-                <a:effectLst/>
-                <a:latin typeface="Calibri" panose="020F0502020204030204" pitchFamily="34" charset="0"/>
-                <a:ea typeface="Times New Roman" panose="02020603050405020304" pitchFamily="18" charset="0"/>
-                <a:cs typeface="Times New Roman" panose="02020603050405020304" pitchFamily="18" charset="0"/>
-              </a:rPr>
-              <a:t> </a:t>
-            </a:r>
-            <a:r>
-              <a:rPr kumimoji="0" lang="en-US" altLang="en-US" sz="1300" b="0" i="0" u="none" strike="noStrike" cap="none" normalizeH="0" baseline="0" dirty="0">
-                <a:ln>
-                  <a:noFill/>
-                </a:ln>
-                <a:solidFill>
-                  <a:srgbClr val="333333"/>
-                </a:solidFill>
-                <a:effectLst/>
-                <a:latin typeface="Helvetica" panose="020B0604020202020204" pitchFamily="34" charset="0"/>
-                <a:ea typeface="Times New Roman" panose="02020603050405020304" pitchFamily="18" charset="0"/>
-                <a:cs typeface="Times New Roman" panose="02020603050405020304" pitchFamily="18" charset="0"/>
-              </a:rPr>
-              <a:t>the next section.</a:t>
-            </a:r>
-            <a:endParaRPr kumimoji="0" lang="en-US" altLang="en-US" sz="1200" b="0" i="0" u="none" strike="noStrike" cap="none" normalizeH="0" baseline="0" dirty="0">
-              <a:ln>
-                <a:noFill/>
-              </a:ln>
-              <a:solidFill>
-                <a:schemeClr val="tx1"/>
-              </a:solidFill>
-              <a:effectLst/>
-              <a:ea typeface="Times New Roman" panose="02020603050405020304" pitchFamily="18" charset="0"/>
-            </a:endParaRPr>
-          </a:p>
-          <a:p>
-            <a:pPr marL="0" marR="0" lvl="0" indent="0" algn="l" defTabSz="914400" rtl="0" eaLnBrk="0" fontAlgn="base" latinLnBrk="0" hangingPunct="0">
-              <a:lnSpc>
-                <a:spcPct val="100000"/>
-              </a:lnSpc>
-              <a:spcBef>
-                <a:spcPct val="0"/>
-              </a:spcBef>
-              <a:spcAft>
-                <a:spcPct val="0"/>
-              </a:spcAft>
-              <a:buClrTx/>
-              <a:buSzTx/>
-              <a:buFontTx/>
-              <a:buNone/>
-              <a:tabLst/>
-            </a:pPr>
-            <a:r>
-              <a:rPr kumimoji="0" lang="en-US" altLang="en-US" sz="1300" b="1" i="0" u="none" strike="noStrike" cap="none" normalizeH="0" baseline="0" dirty="0" err="1">
-                <a:ln>
-                  <a:noFill/>
-                </a:ln>
-                <a:solidFill>
-                  <a:srgbClr val="333333"/>
-                </a:solidFill>
-                <a:effectLst/>
-                <a:latin typeface="Helvetica" panose="020B0604020202020204" pitchFamily="34" charset="0"/>
-                <a:ea typeface="Times New Roman" panose="02020603050405020304" pitchFamily="18" charset="0"/>
-                <a:cs typeface="Times New Roman" panose="02020603050405020304" pitchFamily="18" charset="0"/>
-              </a:rPr>
-              <a:t>ngAfterContentInit</a:t>
-            </a:r>
-            <a:endParaRPr kumimoji="0" lang="en-US" altLang="en-US" sz="1200" b="0" i="0" u="none" strike="noStrike" cap="none" normalizeH="0" baseline="0" dirty="0">
-              <a:ln>
-                <a:noFill/>
-              </a:ln>
-              <a:solidFill>
-                <a:schemeClr val="tx1"/>
-              </a:solidFill>
-              <a:effectLst/>
-              <a:ea typeface="Times New Roman" panose="02020603050405020304" pitchFamily="18" charset="0"/>
-            </a:endParaRPr>
-          </a:p>
-          <a:p>
-            <a:pPr marL="0" marR="0" lvl="0" indent="0" algn="l" defTabSz="914400" rtl="0" eaLnBrk="0" fontAlgn="base" latinLnBrk="0" hangingPunct="0">
-              <a:lnSpc>
-                <a:spcPct val="100000"/>
-              </a:lnSpc>
-              <a:spcBef>
-                <a:spcPct val="0"/>
-              </a:spcBef>
-              <a:spcAft>
-                <a:spcPct val="0"/>
-              </a:spcAft>
-              <a:buClrTx/>
-              <a:buSzTx/>
-              <a:buFontTx/>
-              <a:buNone/>
-              <a:tabLst/>
-            </a:pPr>
-            <a:r>
-              <a:rPr kumimoji="0" lang="en-US" altLang="en-US" sz="1300" b="0" i="0" u="none" strike="noStrike" cap="none" normalizeH="0" baseline="0" dirty="0">
-                <a:ln>
-                  <a:noFill/>
-                </a:ln>
-                <a:solidFill>
-                  <a:srgbClr val="333333"/>
-                </a:solidFill>
-                <a:effectLst/>
-                <a:latin typeface="Helvetica" panose="020B0604020202020204" pitchFamily="34" charset="0"/>
-                <a:ea typeface="Times New Roman" panose="02020603050405020304" pitchFamily="18" charset="0"/>
-              </a:rPr>
-              <a:t>Invoked </a:t>
-            </a:r>
-            <a:r>
-              <a:rPr kumimoji="0" lang="en-US" altLang="en-US" sz="1300" b="0" i="1" u="none" strike="noStrike" cap="none" normalizeH="0" baseline="0" dirty="0">
-                <a:ln>
-                  <a:noFill/>
-                </a:ln>
-                <a:solidFill>
-                  <a:srgbClr val="333333"/>
-                </a:solidFill>
-                <a:effectLst/>
-                <a:latin typeface="Helvetica" panose="020B0604020202020204" pitchFamily="34" charset="0"/>
-                <a:ea typeface="Times New Roman" panose="02020603050405020304" pitchFamily="18" charset="0"/>
-              </a:rPr>
-              <a:t>after</a:t>
-            </a:r>
-            <a:r>
-              <a:rPr kumimoji="0" lang="en-US" altLang="en-US" sz="1300" b="0" i="0" u="none" strike="noStrike" cap="none" normalizeH="0" baseline="0" dirty="0">
-                <a:ln>
-                  <a:noFill/>
-                </a:ln>
-                <a:solidFill>
-                  <a:srgbClr val="333333"/>
-                </a:solidFill>
-                <a:effectLst/>
-                <a:latin typeface="Helvetica" panose="020B0604020202020204" pitchFamily="34" charset="0"/>
-                <a:ea typeface="Times New Roman" panose="02020603050405020304" pitchFamily="18" charset="0"/>
-              </a:rPr>
-              <a:t> Angular performs any content projection into the component’s view (see the previous lecture on </a:t>
-            </a:r>
-            <a:r>
-              <a:rPr kumimoji="0" lang="en-US" altLang="en-US" sz="1300" b="0" i="1" u="none" strike="noStrike" cap="none" normalizeH="0" baseline="0" dirty="0">
-                <a:ln>
-                  <a:noFill/>
-                </a:ln>
-                <a:solidFill>
-                  <a:srgbClr val="333333"/>
-                </a:solidFill>
-                <a:effectLst/>
-                <a:latin typeface="Helvetica" panose="020B0604020202020204" pitchFamily="34" charset="0"/>
-                <a:ea typeface="Times New Roman" panose="02020603050405020304" pitchFamily="18" charset="0"/>
-              </a:rPr>
-              <a:t>Content Projection</a:t>
-            </a:r>
-            <a:r>
-              <a:rPr kumimoji="0" lang="en-US" altLang="en-US" sz="1300" b="0" i="0" u="none" strike="noStrike" cap="none" normalizeH="0" baseline="0" dirty="0">
-                <a:ln>
-                  <a:noFill/>
-                </a:ln>
-                <a:solidFill>
-                  <a:srgbClr val="333333"/>
-                </a:solidFill>
-                <a:effectLst/>
-                <a:latin typeface="Helvetica" panose="020B0604020202020204" pitchFamily="34" charset="0"/>
-                <a:ea typeface="Times New Roman" panose="02020603050405020304" pitchFamily="18" charset="0"/>
-              </a:rPr>
-              <a:t> for more info).</a:t>
-            </a:r>
-            <a:endParaRPr kumimoji="0" lang="en-US" altLang="en-US" sz="1200" b="0" i="0" u="none" strike="noStrike" cap="none" normalizeH="0" baseline="0" dirty="0">
-              <a:ln>
-                <a:noFill/>
-              </a:ln>
-              <a:solidFill>
-                <a:schemeClr val="tx1"/>
-              </a:solidFill>
-              <a:effectLst/>
-              <a:ea typeface="Times New Roman" panose="02020603050405020304" pitchFamily="18" charset="0"/>
-            </a:endParaRPr>
-          </a:p>
-          <a:p>
-            <a:pPr marL="0" marR="0" lvl="0" indent="0" algn="l" defTabSz="914400" rtl="0" eaLnBrk="0" fontAlgn="base" latinLnBrk="0" hangingPunct="0">
-              <a:lnSpc>
-                <a:spcPct val="100000"/>
-              </a:lnSpc>
-              <a:spcBef>
-                <a:spcPct val="0"/>
-              </a:spcBef>
-              <a:spcAft>
-                <a:spcPct val="0"/>
-              </a:spcAft>
-              <a:buClrTx/>
-              <a:buSzTx/>
-              <a:buFontTx/>
-              <a:buNone/>
-              <a:tabLst/>
-            </a:pPr>
-            <a:r>
-              <a:rPr kumimoji="0" lang="en-US" altLang="en-US" sz="1300" b="1" i="0" u="none" strike="noStrike" cap="none" normalizeH="0" baseline="0" dirty="0" err="1">
-                <a:ln>
-                  <a:noFill/>
-                </a:ln>
-                <a:solidFill>
-                  <a:srgbClr val="333333"/>
-                </a:solidFill>
-                <a:effectLst/>
-                <a:latin typeface="Helvetica" panose="020B0604020202020204" pitchFamily="34" charset="0"/>
-                <a:ea typeface="Times New Roman" panose="02020603050405020304" pitchFamily="18" charset="0"/>
-                <a:cs typeface="Times New Roman" panose="02020603050405020304" pitchFamily="18" charset="0"/>
-              </a:rPr>
-              <a:t>ngAfterContentChecked</a:t>
-            </a:r>
-            <a:endParaRPr kumimoji="0" lang="en-US" altLang="en-US" sz="1200" b="0" i="0" u="none" strike="noStrike" cap="none" normalizeH="0" baseline="0" dirty="0">
-              <a:ln>
-                <a:noFill/>
-              </a:ln>
-              <a:solidFill>
-                <a:schemeClr val="tx1"/>
-              </a:solidFill>
-              <a:effectLst/>
-              <a:ea typeface="Times New Roman" panose="02020603050405020304" pitchFamily="18" charset="0"/>
-            </a:endParaRPr>
-          </a:p>
-          <a:p>
-            <a:pPr marL="0" marR="0" lvl="0" indent="0" algn="l" defTabSz="914400" rtl="0" eaLnBrk="0" fontAlgn="base" latinLnBrk="0" hangingPunct="0">
-              <a:lnSpc>
-                <a:spcPct val="100000"/>
-              </a:lnSpc>
-              <a:spcBef>
-                <a:spcPct val="0"/>
-              </a:spcBef>
-              <a:spcAft>
-                <a:spcPct val="0"/>
-              </a:spcAft>
-              <a:buClrTx/>
-              <a:buSzTx/>
-              <a:buFontTx/>
-              <a:buNone/>
-              <a:tabLst/>
-            </a:pPr>
-            <a:r>
-              <a:rPr kumimoji="0" lang="en-US" altLang="en-US" sz="1300" b="0" i="0" u="none" strike="noStrike" cap="none" normalizeH="0" baseline="0" dirty="0">
-                <a:ln>
-                  <a:noFill/>
-                </a:ln>
-                <a:solidFill>
-                  <a:srgbClr val="333333"/>
-                </a:solidFill>
-                <a:effectLst/>
-                <a:latin typeface="Helvetica" panose="020B0604020202020204" pitchFamily="34" charset="0"/>
-                <a:ea typeface="Times New Roman" panose="02020603050405020304" pitchFamily="18" charset="0"/>
-              </a:rPr>
-              <a:t>Invoked each time the content of the given component has been checked by the change detection mechanism of Angular.</a:t>
-            </a:r>
-            <a:endParaRPr kumimoji="0" lang="en-US" altLang="en-US" sz="1200" b="0" i="0" u="none" strike="noStrike" cap="none" normalizeH="0" baseline="0" dirty="0">
-              <a:ln>
-                <a:noFill/>
-              </a:ln>
-              <a:solidFill>
-                <a:schemeClr val="tx1"/>
-              </a:solidFill>
-              <a:effectLst/>
-              <a:ea typeface="Times New Roman" panose="02020603050405020304" pitchFamily="18" charset="0"/>
-            </a:endParaRPr>
-          </a:p>
-          <a:p>
-            <a:pPr marL="0" marR="0" lvl="0" indent="0" algn="l" defTabSz="914400" rtl="0" eaLnBrk="0" fontAlgn="base" latinLnBrk="0" hangingPunct="0">
-              <a:lnSpc>
-                <a:spcPct val="100000"/>
-              </a:lnSpc>
-              <a:spcBef>
-                <a:spcPct val="0"/>
-              </a:spcBef>
-              <a:spcAft>
-                <a:spcPct val="0"/>
-              </a:spcAft>
-              <a:buClrTx/>
-              <a:buSzTx/>
-              <a:buFontTx/>
-              <a:buNone/>
-              <a:tabLst/>
-            </a:pPr>
-            <a:r>
-              <a:rPr kumimoji="0" lang="en-US" altLang="en-US" sz="1300" b="1" i="0" u="none" strike="noStrike" cap="none" normalizeH="0" baseline="0" dirty="0" err="1">
-                <a:ln>
-                  <a:noFill/>
-                </a:ln>
-                <a:solidFill>
-                  <a:srgbClr val="333333"/>
-                </a:solidFill>
-                <a:effectLst/>
-                <a:latin typeface="Helvetica" panose="020B0604020202020204" pitchFamily="34" charset="0"/>
-                <a:ea typeface="Times New Roman" panose="02020603050405020304" pitchFamily="18" charset="0"/>
-                <a:cs typeface="Times New Roman" panose="02020603050405020304" pitchFamily="18" charset="0"/>
-              </a:rPr>
-              <a:t>ngAfterViewInit</a:t>
-            </a:r>
-            <a:endParaRPr kumimoji="0" lang="en-US" altLang="en-US" sz="1200" b="0" i="0" u="none" strike="noStrike" cap="none" normalizeH="0" baseline="0" dirty="0">
-              <a:ln>
-                <a:noFill/>
-              </a:ln>
-              <a:solidFill>
-                <a:schemeClr val="tx1"/>
-              </a:solidFill>
-              <a:effectLst/>
-              <a:ea typeface="Times New Roman" panose="02020603050405020304" pitchFamily="18" charset="0"/>
-            </a:endParaRPr>
-          </a:p>
-          <a:p>
-            <a:pPr marL="0" marR="0" lvl="0" indent="0" algn="l" defTabSz="914400" rtl="0" eaLnBrk="0" fontAlgn="base" latinLnBrk="0" hangingPunct="0">
-              <a:lnSpc>
-                <a:spcPct val="100000"/>
-              </a:lnSpc>
-              <a:spcBef>
-                <a:spcPct val="0"/>
-              </a:spcBef>
-              <a:spcAft>
-                <a:spcPct val="0"/>
-              </a:spcAft>
-              <a:buClrTx/>
-              <a:buSzTx/>
-              <a:buFontTx/>
-              <a:buNone/>
-              <a:tabLst/>
-            </a:pPr>
-            <a:r>
-              <a:rPr kumimoji="0" lang="en-US" altLang="en-US" sz="1300" b="0" i="0" u="none" strike="noStrike" cap="none" normalizeH="0" baseline="0" dirty="0">
-                <a:ln>
-                  <a:noFill/>
-                </a:ln>
-                <a:solidFill>
-                  <a:srgbClr val="333333"/>
-                </a:solidFill>
-                <a:effectLst/>
-                <a:latin typeface="Helvetica" panose="020B0604020202020204" pitchFamily="34" charset="0"/>
-                <a:ea typeface="Times New Roman" panose="02020603050405020304" pitchFamily="18" charset="0"/>
-              </a:rPr>
-              <a:t>Invoked when the component’s view has been fully initialized.</a:t>
-            </a:r>
-            <a:endParaRPr kumimoji="0" lang="en-US" altLang="en-US" sz="1200" b="0" i="0" u="none" strike="noStrike" cap="none" normalizeH="0" baseline="0" dirty="0">
-              <a:ln>
-                <a:noFill/>
-              </a:ln>
-              <a:solidFill>
-                <a:schemeClr val="tx1"/>
-              </a:solidFill>
-              <a:effectLst/>
-              <a:ea typeface="Times New Roman" panose="02020603050405020304" pitchFamily="18" charset="0"/>
-            </a:endParaRPr>
-          </a:p>
-          <a:p>
-            <a:pPr marL="0" marR="0" lvl="0" indent="0" algn="l" defTabSz="914400" rtl="0" eaLnBrk="0" fontAlgn="base" latinLnBrk="0" hangingPunct="0">
-              <a:lnSpc>
-                <a:spcPct val="100000"/>
-              </a:lnSpc>
-              <a:spcBef>
-                <a:spcPct val="0"/>
-              </a:spcBef>
-              <a:spcAft>
-                <a:spcPct val="0"/>
-              </a:spcAft>
-              <a:buClrTx/>
-              <a:buSzTx/>
-              <a:buFontTx/>
-              <a:buNone/>
-              <a:tabLst/>
-            </a:pPr>
-            <a:r>
-              <a:rPr kumimoji="0" lang="en-US" altLang="en-US" sz="1300" b="1" i="0" u="none" strike="noStrike" cap="none" normalizeH="0" baseline="0" dirty="0" err="1">
-                <a:ln>
-                  <a:noFill/>
-                </a:ln>
-                <a:solidFill>
-                  <a:srgbClr val="333333"/>
-                </a:solidFill>
-                <a:effectLst/>
-                <a:latin typeface="Helvetica" panose="020B0604020202020204" pitchFamily="34" charset="0"/>
-                <a:ea typeface="Times New Roman" panose="02020603050405020304" pitchFamily="18" charset="0"/>
-                <a:cs typeface="Times New Roman" panose="02020603050405020304" pitchFamily="18" charset="0"/>
-              </a:rPr>
-              <a:t>ngAfterViewChecked</a:t>
-            </a:r>
-            <a:endParaRPr kumimoji="0" lang="en-US" altLang="en-US" sz="1200" b="0" i="0" u="none" strike="noStrike" cap="none" normalizeH="0" baseline="0" dirty="0">
-              <a:ln>
-                <a:noFill/>
-              </a:ln>
-              <a:solidFill>
-                <a:schemeClr val="tx1"/>
-              </a:solidFill>
-              <a:effectLst/>
-              <a:ea typeface="Times New Roman" panose="02020603050405020304" pitchFamily="18" charset="0"/>
-            </a:endParaRPr>
-          </a:p>
-          <a:p>
-            <a:pPr marL="0" marR="0" lvl="0" indent="0" algn="l" defTabSz="914400" rtl="0" eaLnBrk="0" fontAlgn="base" latinLnBrk="0" hangingPunct="0">
-              <a:lnSpc>
-                <a:spcPct val="100000"/>
-              </a:lnSpc>
-              <a:spcBef>
-                <a:spcPct val="0"/>
-              </a:spcBef>
-              <a:spcAft>
-                <a:spcPct val="0"/>
-              </a:spcAft>
-              <a:buClrTx/>
-              <a:buSzTx/>
-              <a:buFontTx/>
-              <a:buNone/>
-              <a:tabLst/>
-            </a:pPr>
-            <a:r>
-              <a:rPr kumimoji="0" lang="en-US" altLang="en-US" sz="1300" b="0" i="0" u="none" strike="noStrike" cap="none" normalizeH="0" baseline="0" dirty="0">
-                <a:ln>
-                  <a:noFill/>
-                </a:ln>
-                <a:solidFill>
-                  <a:srgbClr val="333333"/>
-                </a:solidFill>
-                <a:effectLst/>
-                <a:latin typeface="Helvetica" panose="020B0604020202020204" pitchFamily="34" charset="0"/>
-                <a:ea typeface="Times New Roman" panose="02020603050405020304" pitchFamily="18" charset="0"/>
-              </a:rPr>
-              <a:t>Invoked each time the view of the given component has been checked by the change detection mechanism of Angular.</a:t>
-            </a:r>
-            <a:endParaRPr kumimoji="0" lang="en-US" altLang="en-US" sz="1800" b="0" i="0" u="none" strike="noStrike" cap="none" normalizeH="0" baseline="0" dirty="0">
-              <a:ln>
-                <a:noFill/>
-              </a:ln>
-              <a:solidFill>
-                <a:schemeClr val="tx1"/>
-              </a:solidFill>
-              <a:effectLst/>
-              <a:latin typeface="Arial" panose="020B0604020202020204" pitchFamily="34" charset="0"/>
-            </a:endParaRPr>
-          </a:p>
-        </p:txBody>
-      </p:sp>
-    </p:spTree>
-    <p:extLst>
-      <p:ext uri="{BB962C8B-B14F-4D97-AF65-F5344CB8AC3E}">
-        <p14:creationId xmlns:p14="http://schemas.microsoft.com/office/powerpoint/2010/main" val="3362695432"/>
-      </p:ext>
-    </p:extLst>
-  </p:cSld>
-  <p:clrMapOvr>
-    <a:masterClrMapping/>
-  </p:clrMapOvr>
-</p:sld>
-</file>
-
-<file path=ppt/slides/slide8.xml><?xml version="1.0" encoding="utf-8"?>
 <p:sld xmlns:a="http://schemas.openxmlformats.org/drawingml/2006/main" xmlns:r="http://schemas.openxmlformats.org/officeDocument/2006/relationships" xmlns:p="http://schemas.openxmlformats.org/presentationml/2006/main">
   <p:cSld>
     <p:spTree>
@@ -8709,6 +6853,2270 @@
 </p:sld>
 </file>
 
+<file path=ppt/slides/slide3.xml><?xml version="1.0" encoding="utf-8"?>
+<p:sld xmlns:a="http://schemas.openxmlformats.org/drawingml/2006/main" xmlns:r="http://schemas.openxmlformats.org/officeDocument/2006/relationships" xmlns:p="http://schemas.openxmlformats.org/presentationml/2006/main">
+  <p:cSld>
+    <p:spTree>
+      <p:nvGrpSpPr>
+        <p:cNvPr id="1" name=""/>
+        <p:cNvGrpSpPr/>
+        <p:nvPr/>
+      </p:nvGrpSpPr>
+      <p:grpSpPr>
+        <a:xfrm>
+          <a:off x="0" y="0"/>
+          <a:ext cx="0" cy="0"/>
+          <a:chOff x="0" y="0"/>
+          <a:chExt cx="0" cy="0"/>
+        </a:xfrm>
+      </p:grpSpPr>
+      <p:sp>
+        <p:nvSpPr>
+          <p:cNvPr id="2" name="Title 1">
+            <a:extLst>
+              <a:ext uri="{FF2B5EF4-FFF2-40B4-BE49-F238E27FC236}">
+                <a16:creationId xmlns:a16="http://schemas.microsoft.com/office/drawing/2014/main" id="{2095486F-A636-47FF-BD59-1383E8D1F1C1}"/>
+              </a:ext>
+            </a:extLst>
+          </p:cNvPr>
+          <p:cNvSpPr>
+            <a:spLocks noGrp="1"/>
+          </p:cNvSpPr>
+          <p:nvPr>
+            <p:ph type="title"/>
+          </p:nvPr>
+        </p:nvSpPr>
+        <p:spPr/>
+        <p:txBody>
+          <a:bodyPr/>
+          <a:lstStyle/>
+          <a:p>
+            <a:r>
+              <a:rPr lang="en-US" dirty="0"/>
+              <a:t>Life Cycle Hooks	</a:t>
+            </a:r>
+          </a:p>
+        </p:txBody>
+      </p:sp>
+      <p:graphicFrame>
+        <p:nvGraphicFramePr>
+          <p:cNvPr id="4" name="Table 4">
+            <a:extLst>
+              <a:ext uri="{FF2B5EF4-FFF2-40B4-BE49-F238E27FC236}">
+                <a16:creationId xmlns:a16="http://schemas.microsoft.com/office/drawing/2014/main" id="{4B5B0140-0AB5-4094-8E50-AEB420A6087F}"/>
+              </a:ext>
+            </a:extLst>
+          </p:cNvPr>
+          <p:cNvGraphicFramePr>
+            <a:graphicFrameLocks noGrp="1"/>
+          </p:cNvGraphicFramePr>
+          <p:nvPr>
+            <p:ph idx="1"/>
+            <p:extLst>
+              <p:ext uri="{D42A27DB-BD31-4B8C-83A1-F6EECF244321}">
+                <p14:modId xmlns:p14="http://schemas.microsoft.com/office/powerpoint/2010/main" val="556863230"/>
+              </p:ext>
+            </p:extLst>
+          </p:nvPr>
+        </p:nvGraphicFramePr>
+        <p:xfrm>
+          <a:off x="838200" y="1461052"/>
+          <a:ext cx="10515600" cy="5516218"/>
+        </p:xfrm>
+        <a:graphic>
+          <a:graphicData uri="http://schemas.openxmlformats.org/drawingml/2006/table">
+            <a:tbl>
+              <a:tblPr firstRow="1" bandRow="1">
+                <a:tableStyleId>{21E4AEA4-8DFA-4A89-87EB-49C32662AFE0}</a:tableStyleId>
+              </a:tblPr>
+              <a:tblGrid>
+                <a:gridCol w="3218895">
+                  <a:extLst>
+                    <a:ext uri="{9D8B030D-6E8A-4147-A177-3AD203B41FA5}">
+                      <a16:colId xmlns:a16="http://schemas.microsoft.com/office/drawing/2014/main" val="3707477483"/>
+                    </a:ext>
+                  </a:extLst>
+                </a:gridCol>
+                <a:gridCol w="7296705">
+                  <a:extLst>
+                    <a:ext uri="{9D8B030D-6E8A-4147-A177-3AD203B41FA5}">
+                      <a16:colId xmlns:a16="http://schemas.microsoft.com/office/drawing/2014/main" val="2260533382"/>
+                    </a:ext>
+                  </a:extLst>
+                </a:gridCol>
+              </a:tblGrid>
+              <a:tr h="387432">
+                <a:tc>
+                  <a:txBody>
+                    <a:bodyPr/>
+                    <a:lstStyle/>
+                    <a:p>
+                      <a:endParaRPr lang="en-US" sz="1600" dirty="0"/>
+                    </a:p>
+                  </a:txBody>
+                  <a:tcPr/>
+                </a:tc>
+                <a:tc>
+                  <a:txBody>
+                    <a:bodyPr/>
+                    <a:lstStyle/>
+                    <a:p>
+                      <a:endParaRPr lang="en-US" sz="1600"/>
+                    </a:p>
+                  </a:txBody>
+                  <a:tcPr/>
+                </a:tc>
+                <a:extLst>
+                  <a:ext uri="{0D108BD9-81ED-4DB2-BD59-A6C34878D82A}">
+                    <a16:rowId xmlns:a16="http://schemas.microsoft.com/office/drawing/2014/main" val="3479256903"/>
+                  </a:ext>
+                </a:extLst>
+              </a:tr>
+              <a:tr h="397759">
+                <a:tc>
+                  <a:txBody>
+                    <a:bodyPr/>
+                    <a:lstStyle/>
+                    <a:p>
+                      <a:pPr marL="0" marR="0" lvl="0" indent="0" algn="l" defTabSz="914400" rtl="0" eaLnBrk="1" fontAlgn="auto" latinLnBrk="0" hangingPunct="1">
+                        <a:lnSpc>
+                          <a:spcPct val="100000"/>
+                        </a:lnSpc>
+                        <a:spcBef>
+                          <a:spcPts val="0"/>
+                        </a:spcBef>
+                        <a:spcAft>
+                          <a:spcPts val="0"/>
+                        </a:spcAft>
+                        <a:buClrTx/>
+                        <a:buSzTx/>
+                        <a:buFontTx/>
+                        <a:buNone/>
+                        <a:tabLst/>
+                        <a:defRPr/>
+                      </a:pPr>
+                      <a:r>
+                        <a:rPr lang="en-US" sz="1600" dirty="0"/>
+                        <a:t>constructor</a:t>
+                      </a:r>
+                    </a:p>
+                  </a:txBody>
+                  <a:tcPr/>
+                </a:tc>
+                <a:tc>
+                  <a:txBody>
+                    <a:bodyPr/>
+                    <a:lstStyle/>
+                    <a:p>
+                      <a:r>
+                        <a:rPr lang="en-US" sz="1600" dirty="0"/>
+                        <a:t>Invoked when Angular creates a component or directive by calling new on the class.</a:t>
+                      </a:r>
+                    </a:p>
+                  </a:txBody>
+                  <a:tcPr/>
+                </a:tc>
+                <a:extLst>
+                  <a:ext uri="{0D108BD9-81ED-4DB2-BD59-A6C34878D82A}">
+                    <a16:rowId xmlns:a16="http://schemas.microsoft.com/office/drawing/2014/main" val="173068257"/>
+                  </a:ext>
+                </a:extLst>
+              </a:tr>
+              <a:tr h="397566">
+                <a:tc>
+                  <a:txBody>
+                    <a:bodyPr/>
+                    <a:lstStyle/>
+                    <a:p>
+                      <a:pPr marL="0" marR="0" lvl="0" indent="0" algn="l" defTabSz="914400" rtl="0" eaLnBrk="1" fontAlgn="auto" latinLnBrk="0" hangingPunct="1">
+                        <a:lnSpc>
+                          <a:spcPct val="100000"/>
+                        </a:lnSpc>
+                        <a:spcBef>
+                          <a:spcPts val="0"/>
+                        </a:spcBef>
+                        <a:spcAft>
+                          <a:spcPts val="0"/>
+                        </a:spcAft>
+                        <a:buClrTx/>
+                        <a:buSzTx/>
+                        <a:buFontTx/>
+                        <a:buNone/>
+                        <a:tabLst/>
+                        <a:defRPr/>
+                      </a:pPr>
+                      <a:r>
+                        <a:rPr lang="en-US" altLang="en-US" sz="1600" kern="1200" dirty="0" err="1">
+                          <a:solidFill>
+                            <a:schemeClr val="dk1"/>
+                          </a:solidFill>
+                          <a:latin typeface="+mn-lt"/>
+                          <a:ea typeface="+mn-ea"/>
+                          <a:cs typeface="+mn-cs"/>
+                        </a:rPr>
+                        <a:t>ngOnChanges</a:t>
+                      </a:r>
+                      <a:endParaRPr lang="en-US" sz="1600" kern="1200" dirty="0">
+                        <a:solidFill>
+                          <a:schemeClr val="dk1"/>
+                        </a:solidFill>
+                        <a:latin typeface="+mn-lt"/>
+                        <a:ea typeface="+mn-ea"/>
+                        <a:cs typeface="+mn-cs"/>
+                      </a:endParaRPr>
+                    </a:p>
+                  </a:txBody>
+                  <a:tcPr/>
+                </a:tc>
+                <a:tc>
+                  <a:txBody>
+                    <a:bodyPr/>
+                    <a:lstStyle/>
+                    <a:p>
+                      <a:r>
+                        <a:rPr lang="en-US" sz="1600" dirty="0"/>
+                        <a:t>Invoked every time there is a change in one of the input properties of the component.</a:t>
+                      </a:r>
+                    </a:p>
+                  </a:txBody>
+                  <a:tcPr/>
+                </a:tc>
+                <a:extLst>
+                  <a:ext uri="{0D108BD9-81ED-4DB2-BD59-A6C34878D82A}">
+                    <a16:rowId xmlns:a16="http://schemas.microsoft.com/office/drawing/2014/main" val="3885961202"/>
+                  </a:ext>
+                </a:extLst>
+              </a:tr>
+              <a:tr h="668719">
+                <a:tc>
+                  <a:txBody>
+                    <a:bodyPr/>
+                    <a:lstStyle/>
+                    <a:p>
+                      <a:r>
+                        <a:rPr lang="en-US" sz="1600" dirty="0" err="1"/>
+                        <a:t>ngOnInit</a:t>
+                      </a:r>
+                      <a:endParaRPr lang="en-US" sz="1600" dirty="0"/>
+                    </a:p>
+                  </a:txBody>
+                  <a:tcPr/>
+                </a:tc>
+                <a:tc>
+                  <a:txBody>
+                    <a:bodyPr/>
+                    <a:lstStyle/>
+                    <a:p>
+                      <a:r>
+                        <a:rPr lang="en-US" sz="1600" dirty="0"/>
+                        <a:t>Invoked when given component has been initialized, only called once after the first </a:t>
+                      </a:r>
+                      <a:r>
+                        <a:rPr lang="en-US" sz="1600" dirty="0" err="1"/>
+                        <a:t>ngOnChanges</a:t>
+                      </a:r>
+                      <a:endParaRPr lang="en-US" sz="1600" dirty="0"/>
+                    </a:p>
+                  </a:txBody>
+                  <a:tcPr/>
+                </a:tc>
+                <a:extLst>
+                  <a:ext uri="{0D108BD9-81ED-4DB2-BD59-A6C34878D82A}">
+                    <a16:rowId xmlns:a16="http://schemas.microsoft.com/office/drawing/2014/main" val="1033392220"/>
+                  </a:ext>
+                </a:extLst>
+              </a:tr>
+              <a:tr h="623368">
+                <a:tc>
+                  <a:txBody>
+                    <a:bodyPr/>
+                    <a:lstStyle/>
+                    <a:p>
+                      <a:r>
+                        <a:rPr lang="en-US" sz="1600" dirty="0" err="1"/>
+                        <a:t>ngDoCheck</a:t>
+                      </a:r>
+                      <a:endParaRPr lang="en-US" sz="1600" dirty="0"/>
+                    </a:p>
+                  </a:txBody>
+                  <a:tcPr/>
+                </a:tc>
+                <a:tc>
+                  <a:txBody>
+                    <a:bodyPr/>
+                    <a:lstStyle/>
+                    <a:p>
+                      <a:r>
+                        <a:rPr lang="en-US" sz="1600" dirty="0"/>
+                        <a:t>Invoked when the change detector of the given component is invoked. It allows us to implement our own change detection algorithm for the given component</a:t>
+                      </a:r>
+                    </a:p>
+                  </a:txBody>
+                  <a:tcPr/>
+                </a:tc>
+                <a:extLst>
+                  <a:ext uri="{0D108BD9-81ED-4DB2-BD59-A6C34878D82A}">
+                    <a16:rowId xmlns:a16="http://schemas.microsoft.com/office/drawing/2014/main" val="3849366076"/>
+                  </a:ext>
+                </a:extLst>
+              </a:tr>
+              <a:tr h="655982">
+                <a:tc>
+                  <a:txBody>
+                    <a:bodyPr/>
+                    <a:lstStyle/>
+                    <a:p>
+                      <a:r>
+                        <a:rPr lang="en-US" sz="1600" dirty="0" err="1"/>
+                        <a:t>ngAfterContentInit</a:t>
+                      </a:r>
+                      <a:endParaRPr lang="en-US" sz="1600" dirty="0"/>
+                    </a:p>
+                  </a:txBody>
+                  <a:tcPr/>
+                </a:tc>
+                <a:tc>
+                  <a:txBody>
+                    <a:bodyPr/>
+                    <a:lstStyle/>
+                    <a:p>
+                      <a:r>
+                        <a:rPr lang="en-US" sz="1600" dirty="0"/>
+                        <a:t>Invoked after component content is initialized. Angular performs any content projection into the component’s view</a:t>
+                      </a:r>
+                    </a:p>
+                  </a:txBody>
+                  <a:tcPr/>
+                </a:tc>
+                <a:extLst>
+                  <a:ext uri="{0D108BD9-81ED-4DB2-BD59-A6C34878D82A}">
+                    <a16:rowId xmlns:a16="http://schemas.microsoft.com/office/drawing/2014/main" val="4004930468"/>
+                  </a:ext>
+                </a:extLst>
+              </a:tr>
+              <a:tr h="646044">
+                <a:tc>
+                  <a:txBody>
+                    <a:bodyPr/>
+                    <a:lstStyle/>
+                    <a:p>
+                      <a:r>
+                        <a:rPr lang="en-US" sz="1600" dirty="0" err="1"/>
+                        <a:t>ngAfterContentChecked</a:t>
+                      </a:r>
+                      <a:endParaRPr lang="en-US" sz="1600" dirty="0"/>
+                    </a:p>
+                  </a:txBody>
+                  <a:tcPr/>
+                </a:tc>
+                <a:tc>
+                  <a:txBody>
+                    <a:bodyPr/>
+                    <a:lstStyle/>
+                    <a:p>
+                      <a:r>
+                        <a:rPr lang="en-US" sz="1600" dirty="0"/>
+                        <a:t>After every check of component content, Invoked each time the content of the given component has been checked by the change detection mechanism of Angular.</a:t>
+                      </a:r>
+                    </a:p>
+                  </a:txBody>
+                  <a:tcPr/>
+                </a:tc>
+                <a:extLst>
+                  <a:ext uri="{0D108BD9-81ED-4DB2-BD59-A6C34878D82A}">
+                    <a16:rowId xmlns:a16="http://schemas.microsoft.com/office/drawing/2014/main" val="335531933"/>
+                  </a:ext>
+                </a:extLst>
+              </a:tr>
+              <a:tr h="425658">
+                <a:tc>
+                  <a:txBody>
+                    <a:bodyPr/>
+                    <a:lstStyle/>
+                    <a:p>
+                      <a:r>
+                        <a:rPr lang="en-US" sz="1600" dirty="0" err="1"/>
+                        <a:t>ngAfterViewInit</a:t>
+                      </a:r>
+                      <a:endParaRPr lang="en-US" sz="1600" dirty="0"/>
+                    </a:p>
+                  </a:txBody>
+                  <a:tcPr/>
+                </a:tc>
+                <a:tc>
+                  <a:txBody>
+                    <a:bodyPr/>
+                    <a:lstStyle/>
+                    <a:p>
+                      <a:r>
+                        <a:rPr lang="en-US" sz="1600" dirty="0"/>
+                        <a:t>Invoked when the component’s view has been fully initialized.</a:t>
+                      </a:r>
+                    </a:p>
+                  </a:txBody>
+                  <a:tcPr/>
+                </a:tc>
+                <a:extLst>
+                  <a:ext uri="{0D108BD9-81ED-4DB2-BD59-A6C34878D82A}">
+                    <a16:rowId xmlns:a16="http://schemas.microsoft.com/office/drawing/2014/main" val="940993362"/>
+                  </a:ext>
+                </a:extLst>
+              </a:tr>
+              <a:tr h="419168">
+                <a:tc>
+                  <a:txBody>
+                    <a:bodyPr/>
+                    <a:lstStyle/>
+                    <a:p>
+                      <a:r>
+                        <a:rPr lang="en-US" sz="1600" dirty="0" err="1"/>
+                        <a:t>ngAfterViewChecked</a:t>
+                      </a:r>
+                      <a:endParaRPr lang="en-US" sz="1600" dirty="0"/>
+                    </a:p>
+                  </a:txBody>
+                  <a:tcPr/>
+                </a:tc>
+                <a:tc>
+                  <a:txBody>
+                    <a:bodyPr/>
+                    <a:lstStyle/>
+                    <a:p>
+                      <a:r>
+                        <a:rPr lang="en-US" sz="1600" dirty="0"/>
+                        <a:t>Invoked after every check of a component's views</a:t>
+                      </a:r>
+                    </a:p>
+                  </a:txBody>
+                  <a:tcPr/>
+                </a:tc>
+                <a:extLst>
+                  <a:ext uri="{0D108BD9-81ED-4DB2-BD59-A6C34878D82A}">
+                    <a16:rowId xmlns:a16="http://schemas.microsoft.com/office/drawing/2014/main" val="3399987209"/>
+                  </a:ext>
+                </a:extLst>
+              </a:tr>
+              <a:tr h="894522">
+                <a:tc>
+                  <a:txBody>
+                    <a:bodyPr/>
+                    <a:lstStyle/>
+                    <a:p>
+                      <a:r>
+                        <a:rPr lang="en-US" sz="1600" dirty="0" err="1"/>
+                        <a:t>ngOnDestroy</a:t>
+                      </a:r>
+                      <a:endParaRPr lang="en-US" sz="1600" dirty="0"/>
+                    </a:p>
+                  </a:txBody>
+                  <a:tcPr/>
+                </a:tc>
+                <a:tc>
+                  <a:txBody>
+                    <a:bodyPr/>
+                    <a:lstStyle/>
+                    <a:p>
+                      <a:r>
+                        <a:rPr lang="en-US" sz="1600" dirty="0"/>
+                        <a:t>Just before the directive is destroyed.</a:t>
+                      </a:r>
+                    </a:p>
+                    <a:p>
+                      <a:r>
+                        <a:rPr lang="en-US" sz="1600" dirty="0"/>
+                        <a:t>Invoked before Angular destroys the component/directive. Use this hook to unsubscribe observables and detach event handlers to avoid memory leaks.</a:t>
+                      </a:r>
+                    </a:p>
+                  </a:txBody>
+                  <a:tcPr/>
+                </a:tc>
+                <a:extLst>
+                  <a:ext uri="{0D108BD9-81ED-4DB2-BD59-A6C34878D82A}">
+                    <a16:rowId xmlns:a16="http://schemas.microsoft.com/office/drawing/2014/main" val="1397080308"/>
+                  </a:ext>
+                </a:extLst>
+              </a:tr>
+            </a:tbl>
+          </a:graphicData>
+        </a:graphic>
+      </p:graphicFrame>
+    </p:spTree>
+    <p:extLst>
+      <p:ext uri="{BB962C8B-B14F-4D97-AF65-F5344CB8AC3E}">
+        <p14:creationId xmlns:p14="http://schemas.microsoft.com/office/powerpoint/2010/main" val="3210941055"/>
+      </p:ext>
+    </p:extLst>
+  </p:cSld>
+  <p:clrMapOvr>
+    <a:masterClrMapping/>
+  </p:clrMapOvr>
+</p:sld>
+</file>
+
+<file path=ppt/slides/slide4.xml><?xml version="1.0" encoding="utf-8"?>
+<p:sld xmlns:a="http://schemas.openxmlformats.org/drawingml/2006/main" xmlns:r="http://schemas.openxmlformats.org/officeDocument/2006/relationships" xmlns:p="http://schemas.openxmlformats.org/presentationml/2006/main">
+  <p:cSld>
+    <p:spTree>
+      <p:nvGrpSpPr>
+        <p:cNvPr id="1" name=""/>
+        <p:cNvGrpSpPr/>
+        <p:nvPr/>
+      </p:nvGrpSpPr>
+      <p:grpSpPr>
+        <a:xfrm>
+          <a:off x="0" y="0"/>
+          <a:ext cx="0" cy="0"/>
+          <a:chOff x="0" y="0"/>
+          <a:chExt cx="0" cy="0"/>
+        </a:xfrm>
+      </p:grpSpPr>
+      <p:sp>
+        <p:nvSpPr>
+          <p:cNvPr id="2" name="Title 1">
+            <a:extLst>
+              <a:ext uri="{FF2B5EF4-FFF2-40B4-BE49-F238E27FC236}">
+                <a16:creationId xmlns:a16="http://schemas.microsoft.com/office/drawing/2014/main" id="{98C30922-1452-42C1-B5E8-E81F16DDC1F9}"/>
+              </a:ext>
+            </a:extLst>
+          </p:cNvPr>
+          <p:cNvSpPr>
+            <a:spLocks noGrp="1"/>
+          </p:cNvSpPr>
+          <p:nvPr>
+            <p:ph type="title"/>
+          </p:nvPr>
+        </p:nvSpPr>
+        <p:spPr/>
+        <p:txBody>
+          <a:bodyPr/>
+          <a:lstStyle/>
+          <a:p>
+            <a:r>
+              <a:rPr lang="en-US" dirty="0"/>
+              <a:t>Reactive Programming</a:t>
+            </a:r>
+          </a:p>
+        </p:txBody>
+      </p:sp>
+      <p:sp>
+        <p:nvSpPr>
+          <p:cNvPr id="4" name="Content Placeholder 3">
+            <a:extLst>
+              <a:ext uri="{FF2B5EF4-FFF2-40B4-BE49-F238E27FC236}">
+                <a16:creationId xmlns:a16="http://schemas.microsoft.com/office/drawing/2014/main" id="{DDCF49EA-B696-4604-ADF0-F6130170FA03}"/>
+              </a:ext>
+            </a:extLst>
+          </p:cNvPr>
+          <p:cNvSpPr>
+            <a:spLocks noGrp="1"/>
+          </p:cNvSpPr>
+          <p:nvPr>
+            <p:ph idx="1"/>
+          </p:nvPr>
+        </p:nvSpPr>
+        <p:spPr>
+          <a:xfrm>
+            <a:off x="735496" y="1550504"/>
+            <a:ext cx="10618304" cy="4626459"/>
+          </a:xfrm>
+        </p:spPr>
+        <p:txBody>
+          <a:bodyPr>
+            <a:normAutofit/>
+          </a:bodyPr>
+          <a:lstStyle/>
+          <a:p>
+            <a:pPr marL="0" indent="0">
+              <a:buNone/>
+            </a:pPr>
+            <a:r>
+              <a:rPr lang="en-US" b="0" i="0" dirty="0">
+                <a:solidFill>
+                  <a:srgbClr val="000000"/>
+                </a:solidFill>
+                <a:effectLst/>
+                <a:latin typeface="-apple-system"/>
+              </a:rPr>
+              <a:t>Reactive programming - Creating the stream, emitting value, error or complete signals, manipulate, transfer or Transform the stream.</a:t>
+            </a:r>
+            <a:endParaRPr lang="en-US" dirty="0"/>
+          </a:p>
+          <a:p>
+            <a:r>
+              <a:rPr lang="en-US" dirty="0"/>
+              <a:t>Streams (Sequence of values over period of time)</a:t>
+            </a:r>
+          </a:p>
+          <a:p>
+            <a:r>
+              <a:rPr lang="en-US" dirty="0"/>
+              <a:t>Observable (</a:t>
+            </a:r>
+            <a:r>
+              <a:rPr lang="en-US" sz="2000" dirty="0"/>
+              <a:t>Observable converts the ordinary stream of data into an observable stream of data)</a:t>
+            </a:r>
+          </a:p>
+          <a:p>
+            <a:r>
+              <a:rPr lang="en-US" dirty="0"/>
+              <a:t>Observers / Subscribers (</a:t>
+            </a:r>
+            <a:r>
+              <a:rPr lang="en-US" sz="2000" dirty="0"/>
+              <a:t>Observer must subscribe with the observable to receive the value.)</a:t>
+            </a:r>
+          </a:p>
+          <a:p>
+            <a:pPr lvl="1"/>
+            <a:endParaRPr lang="en-US" b="0" i="0" dirty="0">
+              <a:solidFill>
+                <a:srgbClr val="000000"/>
+              </a:solidFill>
+              <a:effectLst/>
+              <a:latin typeface="-apple-system"/>
+            </a:endParaRPr>
+          </a:p>
+          <a:p>
+            <a:pPr lvl="1"/>
+            <a:endParaRPr lang="en-US" dirty="0">
+              <a:solidFill>
+                <a:srgbClr val="000000"/>
+              </a:solidFill>
+              <a:latin typeface="-apple-system"/>
+            </a:endParaRPr>
+          </a:p>
+          <a:p>
+            <a:pPr lvl="1"/>
+            <a:endParaRPr lang="en-US" dirty="0">
+              <a:solidFill>
+                <a:srgbClr val="000000"/>
+              </a:solidFill>
+              <a:latin typeface="-apple-system"/>
+            </a:endParaRPr>
+          </a:p>
+          <a:p>
+            <a:pPr lvl="2"/>
+            <a:endParaRPr lang="en-US" dirty="0">
+              <a:solidFill>
+                <a:srgbClr val="000000"/>
+              </a:solidFill>
+              <a:latin typeface="-apple-system"/>
+            </a:endParaRPr>
+          </a:p>
+          <a:p>
+            <a:endParaRPr lang="en-US" dirty="0"/>
+          </a:p>
+        </p:txBody>
+      </p:sp>
+    </p:spTree>
+    <p:extLst>
+      <p:ext uri="{BB962C8B-B14F-4D97-AF65-F5344CB8AC3E}">
+        <p14:creationId xmlns:p14="http://schemas.microsoft.com/office/powerpoint/2010/main" val="2674825031"/>
+      </p:ext>
+    </p:extLst>
+  </p:cSld>
+  <p:clrMapOvr>
+    <a:masterClrMapping/>
+  </p:clrMapOvr>
+</p:sld>
+</file>
+
+<file path=ppt/slides/slide5.xml><?xml version="1.0" encoding="utf-8"?>
+<p:sld xmlns:a="http://schemas.openxmlformats.org/drawingml/2006/main" xmlns:r="http://schemas.openxmlformats.org/officeDocument/2006/relationships" xmlns:p="http://schemas.openxmlformats.org/presentationml/2006/main">
+  <p:cSld>
+    <p:spTree>
+      <p:nvGrpSpPr>
+        <p:cNvPr id="1" name=""/>
+        <p:cNvGrpSpPr/>
+        <p:nvPr/>
+      </p:nvGrpSpPr>
+      <p:grpSpPr>
+        <a:xfrm>
+          <a:off x="0" y="0"/>
+          <a:ext cx="0" cy="0"/>
+          <a:chOff x="0" y="0"/>
+          <a:chExt cx="0" cy="0"/>
+        </a:xfrm>
+      </p:grpSpPr>
+      <p:sp>
+        <p:nvSpPr>
+          <p:cNvPr id="2" name="Title 1">
+            <a:extLst>
+              <a:ext uri="{FF2B5EF4-FFF2-40B4-BE49-F238E27FC236}">
+                <a16:creationId xmlns:a16="http://schemas.microsoft.com/office/drawing/2014/main" id="{98C30922-1452-42C1-B5E8-E81F16DDC1F9}"/>
+              </a:ext>
+            </a:extLst>
+          </p:cNvPr>
+          <p:cNvSpPr>
+            <a:spLocks noGrp="1"/>
+          </p:cNvSpPr>
+          <p:nvPr>
+            <p:ph type="title"/>
+          </p:nvPr>
+        </p:nvSpPr>
+        <p:spPr/>
+        <p:txBody>
+          <a:bodyPr/>
+          <a:lstStyle/>
+          <a:p>
+            <a:r>
+              <a:rPr lang="en-US" dirty="0" err="1"/>
+              <a:t>RxJs</a:t>
+            </a:r>
+            <a:endParaRPr lang="en-US" dirty="0"/>
+          </a:p>
+        </p:txBody>
+      </p:sp>
+      <p:sp>
+        <p:nvSpPr>
+          <p:cNvPr id="4" name="Content Placeholder 3">
+            <a:extLst>
+              <a:ext uri="{FF2B5EF4-FFF2-40B4-BE49-F238E27FC236}">
+                <a16:creationId xmlns:a16="http://schemas.microsoft.com/office/drawing/2014/main" id="{DDCF49EA-B696-4604-ADF0-F6130170FA03}"/>
+              </a:ext>
+            </a:extLst>
+          </p:cNvPr>
+          <p:cNvSpPr>
+            <a:spLocks noGrp="1"/>
+          </p:cNvSpPr>
+          <p:nvPr>
+            <p:ph idx="1"/>
+          </p:nvPr>
+        </p:nvSpPr>
+        <p:spPr/>
+        <p:txBody>
+          <a:bodyPr/>
+          <a:lstStyle/>
+          <a:p>
+            <a:pPr marL="0" indent="0">
+              <a:buNone/>
+            </a:pPr>
+            <a:r>
+              <a:rPr lang="en-US" dirty="0" err="1"/>
+              <a:t>RxJs</a:t>
+            </a:r>
+            <a:r>
+              <a:rPr lang="en-US" dirty="0"/>
+              <a:t> </a:t>
+            </a:r>
+            <a:r>
+              <a:rPr lang="en-US" sz="1800" i="1" dirty="0">
+                <a:solidFill>
+                  <a:srgbClr val="333333"/>
+                </a:solidFill>
+                <a:latin typeface="Helvetica" panose="020B0604020202020204" pitchFamily="34" charset="0"/>
+                <a:cs typeface="Times New Roman" panose="02020603050405020304" pitchFamily="18" charset="0"/>
+              </a:rPr>
+              <a:t>(</a:t>
+            </a:r>
+            <a:r>
+              <a:rPr lang="en-US" sz="1800" dirty="0">
+                <a:solidFill>
+                  <a:srgbClr val="333333"/>
+                </a:solidFill>
+                <a:effectLst/>
+                <a:latin typeface="Helvetica" panose="020B0604020202020204" pitchFamily="34" charset="0"/>
+                <a:ea typeface="Calibri" panose="020F0502020204030204" pitchFamily="34" charset="0"/>
+                <a:cs typeface="Times New Roman" panose="02020603050405020304" pitchFamily="18" charset="0"/>
+              </a:rPr>
+              <a:t>stands for *R*</a:t>
+            </a:r>
+            <a:r>
+              <a:rPr lang="en-US" sz="1800" dirty="0" err="1">
+                <a:solidFill>
+                  <a:srgbClr val="333333"/>
+                </a:solidFill>
+                <a:effectLst/>
+                <a:latin typeface="Helvetica" panose="020B0604020202020204" pitchFamily="34" charset="0"/>
+                <a:ea typeface="Calibri" panose="020F0502020204030204" pitchFamily="34" charset="0"/>
+                <a:cs typeface="Times New Roman" panose="02020603050405020304" pitchFamily="18" charset="0"/>
+              </a:rPr>
+              <a:t>eactive</a:t>
+            </a:r>
+            <a:r>
+              <a:rPr lang="en-US" sz="1800" dirty="0">
+                <a:solidFill>
+                  <a:srgbClr val="333333"/>
+                </a:solidFill>
+                <a:effectLst/>
+                <a:latin typeface="Helvetica" panose="020B0604020202020204" pitchFamily="34" charset="0"/>
+                <a:ea typeface="Calibri" panose="020F0502020204030204" pitchFamily="34" charset="0"/>
+                <a:cs typeface="Times New Roman" panose="02020603050405020304" pitchFamily="18" charset="0"/>
+              </a:rPr>
+              <a:t> E*x*tensions for *J*ava*S*</a:t>
+            </a:r>
+            <a:r>
+              <a:rPr lang="en-US" sz="1800" dirty="0" err="1">
+                <a:solidFill>
+                  <a:srgbClr val="333333"/>
+                </a:solidFill>
+                <a:effectLst/>
+                <a:latin typeface="Helvetica" panose="020B0604020202020204" pitchFamily="34" charset="0"/>
+                <a:ea typeface="Calibri" panose="020F0502020204030204" pitchFamily="34" charset="0"/>
+                <a:cs typeface="Times New Roman" panose="02020603050405020304" pitchFamily="18" charset="0"/>
+              </a:rPr>
+              <a:t>cript</a:t>
+            </a:r>
+            <a:r>
+              <a:rPr lang="en-US" sz="1800" dirty="0">
+                <a:solidFill>
+                  <a:srgbClr val="333333"/>
+                </a:solidFill>
+                <a:effectLst/>
+                <a:latin typeface="Helvetica" panose="020B0604020202020204" pitchFamily="34" charset="0"/>
+                <a:ea typeface="Calibri" panose="020F0502020204030204" pitchFamily="34" charset="0"/>
+                <a:cs typeface="Times New Roman" panose="02020603050405020304" pitchFamily="18" charset="0"/>
+              </a:rPr>
+              <a:t>, and it’s a library that provides an implementation of Observables for JavaScript.)</a:t>
+            </a:r>
+            <a:endParaRPr lang="en-US" sz="1800" dirty="0">
+              <a:solidFill>
+                <a:srgbClr val="333333"/>
+              </a:solidFill>
+              <a:latin typeface="Calibri" panose="020F0502020204030204" pitchFamily="34" charset="0"/>
+              <a:ea typeface="Calibri" panose="020F0502020204030204" pitchFamily="34" charset="0"/>
+              <a:cs typeface="Times New Roman" panose="02020603050405020304" pitchFamily="18" charset="0"/>
+            </a:endParaRPr>
+          </a:p>
+          <a:p>
+            <a:endParaRPr lang="en-US" dirty="0"/>
+          </a:p>
+        </p:txBody>
+      </p:sp>
+      <p:graphicFrame>
+        <p:nvGraphicFramePr>
+          <p:cNvPr id="5" name="Content Placeholder 4">
+            <a:extLst>
+              <a:ext uri="{FF2B5EF4-FFF2-40B4-BE49-F238E27FC236}">
+                <a16:creationId xmlns:a16="http://schemas.microsoft.com/office/drawing/2014/main" id="{802917DA-58CF-4A77-9845-05C6C381BF09}"/>
+              </a:ext>
+            </a:extLst>
+          </p:cNvPr>
+          <p:cNvGraphicFramePr>
+            <a:graphicFrameLocks/>
+          </p:cNvGraphicFramePr>
+          <p:nvPr>
+            <p:extLst>
+              <p:ext uri="{D42A27DB-BD31-4B8C-83A1-F6EECF244321}">
+                <p14:modId xmlns:p14="http://schemas.microsoft.com/office/powerpoint/2010/main" val="621233255"/>
+              </p:ext>
+            </p:extLst>
+          </p:nvPr>
+        </p:nvGraphicFramePr>
+        <p:xfrm>
+          <a:off x="1321905" y="2822714"/>
+          <a:ext cx="8488017" cy="2607555"/>
+        </p:xfrm>
+        <a:graphic>
+          <a:graphicData uri="http://schemas.openxmlformats.org/drawingml/2006/table">
+            <a:tbl>
+              <a:tblPr/>
+              <a:tblGrid>
+                <a:gridCol w="1977496">
+                  <a:extLst>
+                    <a:ext uri="{9D8B030D-6E8A-4147-A177-3AD203B41FA5}">
+                      <a16:colId xmlns:a16="http://schemas.microsoft.com/office/drawing/2014/main" val="4275389493"/>
+                    </a:ext>
+                  </a:extLst>
+                </a:gridCol>
+                <a:gridCol w="6510521">
+                  <a:extLst>
+                    <a:ext uri="{9D8B030D-6E8A-4147-A177-3AD203B41FA5}">
+                      <a16:colId xmlns:a16="http://schemas.microsoft.com/office/drawing/2014/main" val="671791446"/>
+                    </a:ext>
+                  </a:extLst>
+                </a:gridCol>
+              </a:tblGrid>
+              <a:tr h="409256">
+                <a:tc>
+                  <a:txBody>
+                    <a:bodyPr/>
+                    <a:lstStyle/>
+                    <a:p>
+                      <a:pPr algn="l" fontAlgn="ctr"/>
+                      <a:r>
+                        <a:rPr lang="en-US" b="1" dirty="0">
+                          <a:effectLst/>
+                        </a:rPr>
+                        <a:t>Category</a:t>
+                      </a:r>
+                    </a:p>
+                  </a:txBody>
+                  <a:tcPr marL="60960" marR="60960" marT="60960" marB="60960" anchor="ctr">
+                    <a:lnL w="12700" cap="flat" cmpd="sng" algn="ctr">
+                      <a:solidFill>
+                        <a:schemeClr val="tx1"/>
+                      </a:solidFill>
+                      <a:prstDash val="solid"/>
+                      <a:round/>
+                      <a:headEnd type="none" w="med" len="med"/>
+                      <a:tailEnd type="none" w="med" len="med"/>
+                    </a:lnL>
+                    <a:lnR w="12700" cap="flat" cmpd="sng" algn="ctr">
+                      <a:solidFill>
+                        <a:schemeClr val="tx1"/>
+                      </a:solidFill>
+                      <a:prstDash val="solid"/>
+                      <a:round/>
+                      <a:headEnd type="none" w="med" len="med"/>
+                      <a:tailEnd type="none" w="med" len="med"/>
+                    </a:lnR>
+                    <a:lnT w="12700" cap="flat" cmpd="sng" algn="ctr">
+                      <a:solidFill>
+                        <a:schemeClr val="tx1"/>
+                      </a:solidFill>
+                      <a:prstDash val="solid"/>
+                      <a:round/>
+                      <a:headEnd type="none" w="med" len="med"/>
+                      <a:tailEnd type="none" w="med" len="med"/>
+                    </a:lnT>
+                    <a:lnB w="12700" cap="flat" cmpd="sng" algn="ctr">
+                      <a:solidFill>
+                        <a:schemeClr val="tx1"/>
+                      </a:solidFill>
+                      <a:prstDash val="solid"/>
+                      <a:round/>
+                      <a:headEnd type="none" w="med" len="med"/>
+                      <a:tailEnd type="none" w="med" len="med"/>
+                    </a:lnB>
+                    <a:solidFill>
+                      <a:srgbClr val="D9EDF7"/>
+                    </a:solidFill>
+                  </a:tcPr>
+                </a:tc>
+                <a:tc>
+                  <a:txBody>
+                    <a:bodyPr/>
+                    <a:lstStyle/>
+                    <a:p>
+                      <a:pPr algn="l" fontAlgn="ctr"/>
+                      <a:r>
+                        <a:rPr lang="en-US" b="1" dirty="0">
+                          <a:effectLst/>
+                        </a:rPr>
+                        <a:t>Operators</a:t>
+                      </a:r>
+                    </a:p>
+                  </a:txBody>
+                  <a:tcPr marL="60960" marR="60960" marT="60960" marB="60960" anchor="ctr">
+                    <a:lnL w="12700" cap="flat" cmpd="sng" algn="ctr">
+                      <a:solidFill>
+                        <a:schemeClr val="tx1"/>
+                      </a:solidFill>
+                      <a:prstDash val="solid"/>
+                      <a:round/>
+                      <a:headEnd type="none" w="med" len="med"/>
+                      <a:tailEnd type="none" w="med" len="med"/>
+                    </a:lnL>
+                    <a:lnR w="12700" cap="flat" cmpd="sng" algn="ctr">
+                      <a:solidFill>
+                        <a:schemeClr val="tx1"/>
+                      </a:solidFill>
+                      <a:prstDash val="solid"/>
+                      <a:round/>
+                      <a:headEnd type="none" w="med" len="med"/>
+                      <a:tailEnd type="none" w="med" len="med"/>
+                    </a:lnR>
+                    <a:lnT w="12700" cap="flat" cmpd="sng" algn="ctr">
+                      <a:solidFill>
+                        <a:schemeClr val="tx1"/>
+                      </a:solidFill>
+                      <a:prstDash val="solid"/>
+                      <a:round/>
+                      <a:headEnd type="none" w="med" len="med"/>
+                      <a:tailEnd type="none" w="med" len="med"/>
+                    </a:lnT>
+                    <a:lnB w="12700" cap="flat" cmpd="sng" algn="ctr">
+                      <a:solidFill>
+                        <a:schemeClr val="tx1"/>
+                      </a:solidFill>
+                      <a:prstDash val="solid"/>
+                      <a:round/>
+                      <a:headEnd type="none" w="med" len="med"/>
+                      <a:tailEnd type="none" w="med" len="med"/>
+                    </a:lnB>
+                    <a:solidFill>
+                      <a:srgbClr val="D9EDF7"/>
+                    </a:solidFill>
+                  </a:tcPr>
+                </a:tc>
+                <a:extLst>
+                  <a:ext uri="{0D108BD9-81ED-4DB2-BD59-A6C34878D82A}">
+                    <a16:rowId xmlns:a16="http://schemas.microsoft.com/office/drawing/2014/main" val="2483303853"/>
+                  </a:ext>
+                </a:extLst>
+              </a:tr>
+              <a:tr h="455447">
+                <a:tc>
+                  <a:txBody>
+                    <a:bodyPr/>
+                    <a:lstStyle/>
+                    <a:p>
+                      <a:pPr algn="l" fontAlgn="t"/>
+                      <a:r>
+                        <a:rPr lang="en-US" dirty="0">
+                          <a:effectLst/>
+                        </a:rPr>
+                        <a:t>Combination</a:t>
+                      </a:r>
+                    </a:p>
+                  </a:txBody>
+                  <a:tcPr marL="60960" marR="60960" marT="60960" marB="60960">
+                    <a:lnL w="12700" cap="flat" cmpd="sng" algn="ctr">
+                      <a:solidFill>
+                        <a:schemeClr val="tx1"/>
+                      </a:solidFill>
+                      <a:prstDash val="solid"/>
+                      <a:round/>
+                      <a:headEnd type="none" w="med" len="med"/>
+                      <a:tailEnd type="none" w="med" len="med"/>
+                    </a:lnL>
+                    <a:lnR w="12700" cap="flat" cmpd="sng" algn="ctr">
+                      <a:solidFill>
+                        <a:schemeClr val="tx1"/>
+                      </a:solidFill>
+                      <a:prstDash val="solid"/>
+                      <a:round/>
+                      <a:headEnd type="none" w="med" len="med"/>
+                      <a:tailEnd type="none" w="med" len="med"/>
+                    </a:lnR>
+                    <a:lnT w="12700" cap="flat" cmpd="sng" algn="ctr">
+                      <a:solidFill>
+                        <a:schemeClr val="tx1"/>
+                      </a:solidFill>
+                      <a:prstDash val="solid"/>
+                      <a:round/>
+                      <a:headEnd type="none" w="med" len="med"/>
+                      <a:tailEnd type="none" w="med" len="med"/>
+                    </a:lnT>
+                    <a:lnB w="12700" cap="flat" cmpd="sng" algn="ctr">
+                      <a:solidFill>
+                        <a:schemeClr val="tx1"/>
+                      </a:solidFill>
+                      <a:prstDash val="solid"/>
+                      <a:round/>
+                      <a:headEnd type="none" w="med" len="med"/>
+                      <a:tailEnd type="none" w="med" len="med"/>
+                    </a:lnB>
+                    <a:solidFill>
+                      <a:srgbClr val="FFFFFF"/>
+                    </a:solidFill>
+                  </a:tcPr>
+                </a:tc>
+                <a:tc>
+                  <a:txBody>
+                    <a:bodyPr/>
+                    <a:lstStyle/>
+                    <a:p>
+                      <a:pPr algn="l" fontAlgn="t"/>
+                      <a:r>
+                        <a:rPr lang="en-US" dirty="0" err="1">
+                          <a:effectLst/>
+                        </a:rPr>
+                        <a:t>combineLatest</a:t>
+                      </a:r>
+                      <a:r>
+                        <a:rPr lang="en-US" dirty="0">
+                          <a:effectLst/>
+                        </a:rPr>
+                        <a:t>, </a:t>
+                      </a:r>
+                      <a:r>
+                        <a:rPr lang="en-US" dirty="0" err="1">
+                          <a:effectLst/>
+                        </a:rPr>
+                        <a:t>concat</a:t>
+                      </a:r>
+                      <a:r>
+                        <a:rPr lang="en-US" dirty="0">
+                          <a:effectLst/>
+                        </a:rPr>
+                        <a:t>, merge, </a:t>
+                      </a:r>
+                      <a:r>
+                        <a:rPr lang="en-US" dirty="0" err="1">
+                          <a:effectLst/>
+                        </a:rPr>
+                        <a:t>startWith</a:t>
+                      </a:r>
+                      <a:r>
+                        <a:rPr lang="en-US" dirty="0">
+                          <a:effectLst/>
+                        </a:rPr>
+                        <a:t> , </a:t>
+                      </a:r>
+                      <a:r>
+                        <a:rPr lang="en-US" dirty="0" err="1">
+                          <a:effectLst/>
+                        </a:rPr>
+                        <a:t>withLatestFrom</a:t>
+                      </a:r>
+                      <a:r>
+                        <a:rPr lang="en-US" dirty="0">
+                          <a:effectLst/>
+                        </a:rPr>
+                        <a:t>, zip</a:t>
+                      </a:r>
+                    </a:p>
+                  </a:txBody>
+                  <a:tcPr marL="60960" marR="60960" marT="60960" marB="60960">
+                    <a:lnL w="12700" cap="flat" cmpd="sng" algn="ctr">
+                      <a:solidFill>
+                        <a:schemeClr val="tx1"/>
+                      </a:solidFill>
+                      <a:prstDash val="solid"/>
+                      <a:round/>
+                      <a:headEnd type="none" w="med" len="med"/>
+                      <a:tailEnd type="none" w="med" len="med"/>
+                    </a:lnL>
+                    <a:lnR w="12700" cap="flat" cmpd="sng" algn="ctr">
+                      <a:solidFill>
+                        <a:schemeClr val="tx1"/>
+                      </a:solidFill>
+                      <a:prstDash val="solid"/>
+                      <a:round/>
+                      <a:headEnd type="none" w="med" len="med"/>
+                      <a:tailEnd type="none" w="med" len="med"/>
+                    </a:lnR>
+                    <a:lnT w="12700" cap="flat" cmpd="sng" algn="ctr">
+                      <a:solidFill>
+                        <a:schemeClr val="tx1"/>
+                      </a:solidFill>
+                      <a:prstDash val="solid"/>
+                      <a:round/>
+                      <a:headEnd type="none" w="med" len="med"/>
+                      <a:tailEnd type="none" w="med" len="med"/>
+                    </a:lnT>
+                    <a:lnB w="12700" cap="flat" cmpd="sng" algn="ctr">
+                      <a:solidFill>
+                        <a:schemeClr val="tx1"/>
+                      </a:solidFill>
+                      <a:prstDash val="solid"/>
+                      <a:round/>
+                      <a:headEnd type="none" w="med" len="med"/>
+                      <a:tailEnd type="none" w="med" len="med"/>
+                    </a:lnB>
+                    <a:solidFill>
+                      <a:srgbClr val="FFFFFF"/>
+                    </a:solidFill>
+                  </a:tcPr>
+                </a:tc>
+                <a:extLst>
+                  <a:ext uri="{0D108BD9-81ED-4DB2-BD59-A6C34878D82A}">
+                    <a16:rowId xmlns:a16="http://schemas.microsoft.com/office/drawing/2014/main" val="3610250053"/>
+                  </a:ext>
+                </a:extLst>
+              </a:tr>
+              <a:tr h="506896">
+                <a:tc>
+                  <a:txBody>
+                    <a:bodyPr/>
+                    <a:lstStyle/>
+                    <a:p>
+                      <a:pPr algn="l" fontAlgn="t"/>
+                      <a:r>
+                        <a:rPr lang="en-US" dirty="0">
+                          <a:effectLst/>
+                        </a:rPr>
+                        <a:t>Filtering</a:t>
+                      </a:r>
+                    </a:p>
+                  </a:txBody>
+                  <a:tcPr marL="60960" marR="60960" marT="60960" marB="60960">
+                    <a:lnL w="12700" cap="flat" cmpd="sng" algn="ctr">
+                      <a:solidFill>
+                        <a:schemeClr val="tx1"/>
+                      </a:solidFill>
+                      <a:prstDash val="solid"/>
+                      <a:round/>
+                      <a:headEnd type="none" w="med" len="med"/>
+                      <a:tailEnd type="none" w="med" len="med"/>
+                    </a:lnL>
+                    <a:lnR w="12700" cap="flat" cmpd="sng" algn="ctr">
+                      <a:solidFill>
+                        <a:schemeClr val="tx1"/>
+                      </a:solidFill>
+                      <a:prstDash val="solid"/>
+                      <a:round/>
+                      <a:headEnd type="none" w="med" len="med"/>
+                      <a:tailEnd type="none" w="med" len="med"/>
+                    </a:lnR>
+                    <a:lnT w="12700" cap="flat" cmpd="sng" algn="ctr">
+                      <a:solidFill>
+                        <a:schemeClr val="tx1"/>
+                      </a:solidFill>
+                      <a:prstDash val="solid"/>
+                      <a:round/>
+                      <a:headEnd type="none" w="med" len="med"/>
+                      <a:tailEnd type="none" w="med" len="med"/>
+                    </a:lnT>
+                    <a:lnB w="12700" cap="flat" cmpd="sng" algn="ctr">
+                      <a:solidFill>
+                        <a:schemeClr val="tx1"/>
+                      </a:solidFill>
+                      <a:prstDash val="solid"/>
+                      <a:round/>
+                      <a:headEnd type="none" w="med" len="med"/>
+                      <a:tailEnd type="none" w="med" len="med"/>
+                    </a:lnB>
+                    <a:solidFill>
+                      <a:srgbClr val="F9F9F9"/>
+                    </a:solidFill>
+                  </a:tcPr>
+                </a:tc>
+                <a:tc>
+                  <a:txBody>
+                    <a:bodyPr/>
+                    <a:lstStyle/>
+                    <a:p>
+                      <a:pPr algn="l" fontAlgn="t"/>
+                      <a:r>
+                        <a:rPr lang="en-US" dirty="0" err="1">
+                          <a:effectLst/>
+                        </a:rPr>
+                        <a:t>debounceTime</a:t>
+                      </a:r>
+                      <a:r>
+                        <a:rPr lang="en-US" dirty="0">
+                          <a:effectLst/>
+                        </a:rPr>
+                        <a:t>, </a:t>
+                      </a:r>
+                      <a:r>
+                        <a:rPr lang="en-US" dirty="0" err="1">
+                          <a:effectLst/>
+                        </a:rPr>
+                        <a:t>distinctUntilChanged</a:t>
+                      </a:r>
+                      <a:r>
+                        <a:rPr lang="en-US" dirty="0">
+                          <a:effectLst/>
+                        </a:rPr>
+                        <a:t>, filter, take, </a:t>
+                      </a:r>
+                      <a:r>
+                        <a:rPr lang="en-US" dirty="0" err="1">
+                          <a:effectLst/>
+                        </a:rPr>
+                        <a:t>takeUntil</a:t>
+                      </a:r>
+                      <a:endParaRPr lang="en-US" dirty="0">
+                        <a:effectLst/>
+                      </a:endParaRPr>
+                    </a:p>
+                  </a:txBody>
+                  <a:tcPr marL="60960" marR="60960" marT="60960" marB="60960">
+                    <a:lnL w="12700" cap="flat" cmpd="sng" algn="ctr">
+                      <a:solidFill>
+                        <a:schemeClr val="tx1"/>
+                      </a:solidFill>
+                      <a:prstDash val="solid"/>
+                      <a:round/>
+                      <a:headEnd type="none" w="med" len="med"/>
+                      <a:tailEnd type="none" w="med" len="med"/>
+                    </a:lnL>
+                    <a:lnR w="12700" cap="flat" cmpd="sng" algn="ctr">
+                      <a:solidFill>
+                        <a:schemeClr val="tx1"/>
+                      </a:solidFill>
+                      <a:prstDash val="solid"/>
+                      <a:round/>
+                      <a:headEnd type="none" w="med" len="med"/>
+                      <a:tailEnd type="none" w="med" len="med"/>
+                    </a:lnR>
+                    <a:lnT w="12700" cap="flat" cmpd="sng" algn="ctr">
+                      <a:solidFill>
+                        <a:schemeClr val="tx1"/>
+                      </a:solidFill>
+                      <a:prstDash val="solid"/>
+                      <a:round/>
+                      <a:headEnd type="none" w="med" len="med"/>
+                      <a:tailEnd type="none" w="med" len="med"/>
+                    </a:lnT>
+                    <a:lnB w="12700" cap="flat" cmpd="sng" algn="ctr">
+                      <a:solidFill>
+                        <a:schemeClr val="tx1"/>
+                      </a:solidFill>
+                      <a:prstDash val="solid"/>
+                      <a:round/>
+                      <a:headEnd type="none" w="med" len="med"/>
+                      <a:tailEnd type="none" w="med" len="med"/>
+                    </a:lnB>
+                    <a:solidFill>
+                      <a:srgbClr val="F9F9F9"/>
+                    </a:solidFill>
+                  </a:tcPr>
+                </a:tc>
+                <a:extLst>
+                  <a:ext uri="{0D108BD9-81ED-4DB2-BD59-A6C34878D82A}">
+                    <a16:rowId xmlns:a16="http://schemas.microsoft.com/office/drawing/2014/main" val="2488428407"/>
+                  </a:ext>
+                </a:extLst>
+              </a:tr>
+              <a:tr h="417444">
+                <a:tc>
+                  <a:txBody>
+                    <a:bodyPr/>
+                    <a:lstStyle/>
+                    <a:p>
+                      <a:pPr algn="l" fontAlgn="t"/>
+                      <a:r>
+                        <a:rPr lang="en-US" dirty="0">
+                          <a:effectLst/>
+                        </a:rPr>
+                        <a:t>Transformation</a:t>
+                      </a:r>
+                    </a:p>
+                  </a:txBody>
+                  <a:tcPr marL="60960" marR="60960" marT="60960" marB="60960">
+                    <a:lnL w="12700" cap="flat" cmpd="sng" algn="ctr">
+                      <a:solidFill>
+                        <a:schemeClr val="tx1"/>
+                      </a:solidFill>
+                      <a:prstDash val="solid"/>
+                      <a:round/>
+                      <a:headEnd type="none" w="med" len="med"/>
+                      <a:tailEnd type="none" w="med" len="med"/>
+                    </a:lnL>
+                    <a:lnR w="12700" cap="flat" cmpd="sng" algn="ctr">
+                      <a:solidFill>
+                        <a:schemeClr val="tx1"/>
+                      </a:solidFill>
+                      <a:prstDash val="solid"/>
+                      <a:round/>
+                      <a:headEnd type="none" w="med" len="med"/>
+                      <a:tailEnd type="none" w="med" len="med"/>
+                    </a:lnR>
+                    <a:lnT w="12700" cap="flat" cmpd="sng" algn="ctr">
+                      <a:solidFill>
+                        <a:schemeClr val="tx1"/>
+                      </a:solidFill>
+                      <a:prstDash val="solid"/>
+                      <a:round/>
+                      <a:headEnd type="none" w="med" len="med"/>
+                      <a:tailEnd type="none" w="med" len="med"/>
+                    </a:lnT>
+                    <a:lnB w="12700" cap="flat" cmpd="sng" algn="ctr">
+                      <a:solidFill>
+                        <a:schemeClr val="tx1"/>
+                      </a:solidFill>
+                      <a:prstDash val="solid"/>
+                      <a:round/>
+                      <a:headEnd type="none" w="med" len="med"/>
+                      <a:tailEnd type="none" w="med" len="med"/>
+                    </a:lnB>
+                    <a:solidFill>
+                      <a:srgbClr val="FFFFFF"/>
+                    </a:solidFill>
+                  </a:tcPr>
+                </a:tc>
+                <a:tc>
+                  <a:txBody>
+                    <a:bodyPr/>
+                    <a:lstStyle/>
+                    <a:p>
+                      <a:pPr algn="l" fontAlgn="t"/>
+                      <a:r>
+                        <a:rPr lang="en-US">
+                          <a:effectLst/>
+                        </a:rPr>
+                        <a:t>bufferTime, concatMap, map, mergeMap, scan, switchMap</a:t>
+                      </a:r>
+                    </a:p>
+                  </a:txBody>
+                  <a:tcPr marL="60960" marR="60960" marT="60960" marB="60960">
+                    <a:lnL w="12700" cap="flat" cmpd="sng" algn="ctr">
+                      <a:solidFill>
+                        <a:schemeClr val="tx1"/>
+                      </a:solidFill>
+                      <a:prstDash val="solid"/>
+                      <a:round/>
+                      <a:headEnd type="none" w="med" len="med"/>
+                      <a:tailEnd type="none" w="med" len="med"/>
+                    </a:lnL>
+                    <a:lnR w="12700" cap="flat" cmpd="sng" algn="ctr">
+                      <a:solidFill>
+                        <a:schemeClr val="tx1"/>
+                      </a:solidFill>
+                      <a:prstDash val="solid"/>
+                      <a:round/>
+                      <a:headEnd type="none" w="med" len="med"/>
+                      <a:tailEnd type="none" w="med" len="med"/>
+                    </a:lnR>
+                    <a:lnT w="12700" cap="flat" cmpd="sng" algn="ctr">
+                      <a:solidFill>
+                        <a:schemeClr val="tx1"/>
+                      </a:solidFill>
+                      <a:prstDash val="solid"/>
+                      <a:round/>
+                      <a:headEnd type="none" w="med" len="med"/>
+                      <a:tailEnd type="none" w="med" len="med"/>
+                    </a:lnT>
+                    <a:lnB w="12700" cap="flat" cmpd="sng" algn="ctr">
+                      <a:solidFill>
+                        <a:schemeClr val="tx1"/>
+                      </a:solidFill>
+                      <a:prstDash val="solid"/>
+                      <a:round/>
+                      <a:headEnd type="none" w="med" len="med"/>
+                      <a:tailEnd type="none" w="med" len="med"/>
+                    </a:lnB>
+                    <a:solidFill>
+                      <a:srgbClr val="FFFFFF"/>
+                    </a:solidFill>
+                  </a:tcPr>
+                </a:tc>
+                <a:extLst>
+                  <a:ext uri="{0D108BD9-81ED-4DB2-BD59-A6C34878D82A}">
+                    <a16:rowId xmlns:a16="http://schemas.microsoft.com/office/drawing/2014/main" val="880841710"/>
+                  </a:ext>
+                </a:extLst>
+              </a:tr>
+              <a:tr h="409256">
+                <a:tc>
+                  <a:txBody>
+                    <a:bodyPr/>
+                    <a:lstStyle/>
+                    <a:p>
+                      <a:pPr algn="l" fontAlgn="t"/>
+                      <a:r>
+                        <a:rPr lang="en-US" dirty="0">
+                          <a:effectLst/>
+                        </a:rPr>
+                        <a:t>Utility</a:t>
+                      </a:r>
+                    </a:p>
+                  </a:txBody>
+                  <a:tcPr marL="60960" marR="60960" marT="60960" marB="60960">
+                    <a:lnL w="12700" cap="flat" cmpd="sng" algn="ctr">
+                      <a:solidFill>
+                        <a:schemeClr val="tx1"/>
+                      </a:solidFill>
+                      <a:prstDash val="solid"/>
+                      <a:round/>
+                      <a:headEnd type="none" w="med" len="med"/>
+                      <a:tailEnd type="none" w="med" len="med"/>
+                    </a:lnL>
+                    <a:lnR w="12700" cap="flat" cmpd="sng" algn="ctr">
+                      <a:solidFill>
+                        <a:schemeClr val="tx1"/>
+                      </a:solidFill>
+                      <a:prstDash val="solid"/>
+                      <a:round/>
+                      <a:headEnd type="none" w="med" len="med"/>
+                      <a:tailEnd type="none" w="med" len="med"/>
+                    </a:lnR>
+                    <a:lnT w="12700" cap="flat" cmpd="sng" algn="ctr">
+                      <a:solidFill>
+                        <a:schemeClr val="tx1"/>
+                      </a:solidFill>
+                      <a:prstDash val="solid"/>
+                      <a:round/>
+                      <a:headEnd type="none" w="med" len="med"/>
+                      <a:tailEnd type="none" w="med" len="med"/>
+                    </a:lnT>
+                    <a:lnB w="12700" cap="flat" cmpd="sng" algn="ctr">
+                      <a:solidFill>
+                        <a:schemeClr val="tx1"/>
+                      </a:solidFill>
+                      <a:prstDash val="solid"/>
+                      <a:round/>
+                      <a:headEnd type="none" w="med" len="med"/>
+                      <a:tailEnd type="none" w="med" len="med"/>
+                    </a:lnB>
+                    <a:solidFill>
+                      <a:srgbClr val="F9F9F9"/>
+                    </a:solidFill>
+                  </a:tcPr>
+                </a:tc>
+                <a:tc>
+                  <a:txBody>
+                    <a:bodyPr/>
+                    <a:lstStyle/>
+                    <a:p>
+                      <a:pPr algn="l" fontAlgn="t"/>
+                      <a:r>
+                        <a:rPr lang="en-US" dirty="0">
+                          <a:effectLst/>
+                        </a:rPr>
+                        <a:t>tap</a:t>
+                      </a:r>
+                    </a:p>
+                  </a:txBody>
+                  <a:tcPr marL="60960" marR="60960" marT="60960" marB="60960">
+                    <a:lnL w="12700" cap="flat" cmpd="sng" algn="ctr">
+                      <a:solidFill>
+                        <a:schemeClr val="tx1"/>
+                      </a:solidFill>
+                      <a:prstDash val="solid"/>
+                      <a:round/>
+                      <a:headEnd type="none" w="med" len="med"/>
+                      <a:tailEnd type="none" w="med" len="med"/>
+                    </a:lnL>
+                    <a:lnR w="12700" cap="flat" cmpd="sng" algn="ctr">
+                      <a:solidFill>
+                        <a:schemeClr val="tx1"/>
+                      </a:solidFill>
+                      <a:prstDash val="solid"/>
+                      <a:round/>
+                      <a:headEnd type="none" w="med" len="med"/>
+                      <a:tailEnd type="none" w="med" len="med"/>
+                    </a:lnR>
+                    <a:lnT w="12700" cap="flat" cmpd="sng" algn="ctr">
+                      <a:solidFill>
+                        <a:schemeClr val="tx1"/>
+                      </a:solidFill>
+                      <a:prstDash val="solid"/>
+                      <a:round/>
+                      <a:headEnd type="none" w="med" len="med"/>
+                      <a:tailEnd type="none" w="med" len="med"/>
+                    </a:lnT>
+                    <a:lnB w="12700" cap="flat" cmpd="sng" algn="ctr">
+                      <a:solidFill>
+                        <a:schemeClr val="tx1"/>
+                      </a:solidFill>
+                      <a:prstDash val="solid"/>
+                      <a:round/>
+                      <a:headEnd type="none" w="med" len="med"/>
+                      <a:tailEnd type="none" w="med" len="med"/>
+                    </a:lnB>
+                    <a:solidFill>
+                      <a:srgbClr val="F9F9F9"/>
+                    </a:solidFill>
+                  </a:tcPr>
+                </a:tc>
+                <a:extLst>
+                  <a:ext uri="{0D108BD9-81ED-4DB2-BD59-A6C34878D82A}">
+                    <a16:rowId xmlns:a16="http://schemas.microsoft.com/office/drawing/2014/main" val="2390576852"/>
+                  </a:ext>
+                </a:extLst>
+              </a:tr>
+              <a:tr h="409256">
+                <a:tc>
+                  <a:txBody>
+                    <a:bodyPr/>
+                    <a:lstStyle/>
+                    <a:p>
+                      <a:pPr algn="l" fontAlgn="t"/>
+                      <a:r>
+                        <a:rPr lang="en-US" dirty="0">
+                          <a:effectLst/>
+                        </a:rPr>
+                        <a:t>Multicasting</a:t>
+                      </a:r>
+                    </a:p>
+                  </a:txBody>
+                  <a:tcPr marL="60960" marR="60960" marT="60960" marB="60960">
+                    <a:lnL w="12700" cap="flat" cmpd="sng" algn="ctr">
+                      <a:solidFill>
+                        <a:schemeClr val="tx1"/>
+                      </a:solidFill>
+                      <a:prstDash val="solid"/>
+                      <a:round/>
+                      <a:headEnd type="none" w="med" len="med"/>
+                      <a:tailEnd type="none" w="med" len="med"/>
+                    </a:lnL>
+                    <a:lnR w="12700" cap="flat" cmpd="sng" algn="ctr">
+                      <a:solidFill>
+                        <a:schemeClr val="tx1"/>
+                      </a:solidFill>
+                      <a:prstDash val="solid"/>
+                      <a:round/>
+                      <a:headEnd type="none" w="med" len="med"/>
+                      <a:tailEnd type="none" w="med" len="med"/>
+                    </a:lnR>
+                    <a:lnT w="12700" cap="flat" cmpd="sng" algn="ctr">
+                      <a:solidFill>
+                        <a:schemeClr val="tx1"/>
+                      </a:solidFill>
+                      <a:prstDash val="solid"/>
+                      <a:round/>
+                      <a:headEnd type="none" w="med" len="med"/>
+                      <a:tailEnd type="none" w="med" len="med"/>
+                    </a:lnT>
+                    <a:lnB w="12700" cap="flat" cmpd="sng" algn="ctr">
+                      <a:solidFill>
+                        <a:schemeClr val="tx1"/>
+                      </a:solidFill>
+                      <a:prstDash val="solid"/>
+                      <a:round/>
+                      <a:headEnd type="none" w="med" len="med"/>
+                      <a:tailEnd type="none" w="med" len="med"/>
+                    </a:lnB>
+                    <a:solidFill>
+                      <a:srgbClr val="F3F3F3"/>
+                    </a:solidFill>
+                  </a:tcPr>
+                </a:tc>
+                <a:tc>
+                  <a:txBody>
+                    <a:bodyPr/>
+                    <a:lstStyle/>
+                    <a:p>
+                      <a:pPr algn="l" fontAlgn="t"/>
+                      <a:r>
+                        <a:rPr lang="en-US" dirty="0">
+                          <a:effectLst/>
+                        </a:rPr>
+                        <a:t>share</a:t>
+                      </a:r>
+                    </a:p>
+                  </a:txBody>
+                  <a:tcPr marL="60960" marR="60960" marT="60960" marB="60960">
+                    <a:lnL w="12700" cap="flat" cmpd="sng" algn="ctr">
+                      <a:solidFill>
+                        <a:schemeClr val="tx1"/>
+                      </a:solidFill>
+                      <a:prstDash val="solid"/>
+                      <a:round/>
+                      <a:headEnd type="none" w="med" len="med"/>
+                      <a:tailEnd type="none" w="med" len="med"/>
+                    </a:lnL>
+                    <a:lnR w="12700" cap="flat" cmpd="sng" algn="ctr">
+                      <a:solidFill>
+                        <a:schemeClr val="tx1"/>
+                      </a:solidFill>
+                      <a:prstDash val="solid"/>
+                      <a:round/>
+                      <a:headEnd type="none" w="med" len="med"/>
+                      <a:tailEnd type="none" w="med" len="med"/>
+                    </a:lnR>
+                    <a:lnT w="12700" cap="flat" cmpd="sng" algn="ctr">
+                      <a:solidFill>
+                        <a:schemeClr val="tx1"/>
+                      </a:solidFill>
+                      <a:prstDash val="solid"/>
+                      <a:round/>
+                      <a:headEnd type="none" w="med" len="med"/>
+                      <a:tailEnd type="none" w="med" len="med"/>
+                    </a:lnT>
+                    <a:lnB w="12700" cap="flat" cmpd="sng" algn="ctr">
+                      <a:solidFill>
+                        <a:schemeClr val="tx1"/>
+                      </a:solidFill>
+                      <a:prstDash val="solid"/>
+                      <a:round/>
+                      <a:headEnd type="none" w="med" len="med"/>
+                      <a:tailEnd type="none" w="med" len="med"/>
+                    </a:lnB>
+                    <a:solidFill>
+                      <a:srgbClr val="F3F3F3"/>
+                    </a:solidFill>
+                  </a:tcPr>
+                </a:tc>
+                <a:extLst>
+                  <a:ext uri="{0D108BD9-81ED-4DB2-BD59-A6C34878D82A}">
+                    <a16:rowId xmlns:a16="http://schemas.microsoft.com/office/drawing/2014/main" val="3384092852"/>
+                  </a:ext>
+                </a:extLst>
+              </a:tr>
+            </a:tbl>
+          </a:graphicData>
+        </a:graphic>
+      </p:graphicFrame>
+    </p:spTree>
+    <p:extLst>
+      <p:ext uri="{BB962C8B-B14F-4D97-AF65-F5344CB8AC3E}">
+        <p14:creationId xmlns:p14="http://schemas.microsoft.com/office/powerpoint/2010/main" val="2185756030"/>
+      </p:ext>
+    </p:extLst>
+  </p:cSld>
+  <p:clrMapOvr>
+    <a:masterClrMapping/>
+  </p:clrMapOvr>
+</p:sld>
+</file>
+
+<file path=ppt/slides/slide6.xml><?xml version="1.0" encoding="utf-8"?>
+<p:sld xmlns:a="http://schemas.openxmlformats.org/drawingml/2006/main" xmlns:r="http://schemas.openxmlformats.org/officeDocument/2006/relationships" xmlns:p="http://schemas.openxmlformats.org/presentationml/2006/main">
+  <p:cSld>
+    <p:spTree>
+      <p:nvGrpSpPr>
+        <p:cNvPr id="1" name=""/>
+        <p:cNvGrpSpPr/>
+        <p:nvPr/>
+      </p:nvGrpSpPr>
+      <p:grpSpPr>
+        <a:xfrm>
+          <a:off x="0" y="0"/>
+          <a:ext cx="0" cy="0"/>
+          <a:chOff x="0" y="0"/>
+          <a:chExt cx="0" cy="0"/>
+        </a:xfrm>
+      </p:grpSpPr>
+      <p:sp>
+        <p:nvSpPr>
+          <p:cNvPr id="2" name="Title 1">
+            <a:extLst>
+              <a:ext uri="{FF2B5EF4-FFF2-40B4-BE49-F238E27FC236}">
+                <a16:creationId xmlns:a16="http://schemas.microsoft.com/office/drawing/2014/main" id="{98C30922-1452-42C1-B5E8-E81F16DDC1F9}"/>
+              </a:ext>
+            </a:extLst>
+          </p:cNvPr>
+          <p:cNvSpPr>
+            <a:spLocks noGrp="1"/>
+          </p:cNvSpPr>
+          <p:nvPr>
+            <p:ph type="title"/>
+          </p:nvPr>
+        </p:nvSpPr>
+        <p:spPr/>
+        <p:txBody>
+          <a:bodyPr/>
+          <a:lstStyle/>
+          <a:p>
+            <a:r>
+              <a:rPr lang="en-US" dirty="0"/>
+              <a:t>Understanding </a:t>
+            </a:r>
+            <a:r>
+              <a:rPr lang="en-US" dirty="0" err="1"/>
+              <a:t>RxJs</a:t>
+            </a:r>
+            <a:r>
+              <a:rPr lang="en-US" dirty="0"/>
+              <a:t> Operators</a:t>
+            </a:r>
+          </a:p>
+        </p:txBody>
+      </p:sp>
+      <p:pic>
+        <p:nvPicPr>
+          <p:cNvPr id="1026" name="Picture 2" descr="Angular Observable Tutorial how observable and observers communicates with callbacks">
+            <a:extLst>
+              <a:ext uri="{FF2B5EF4-FFF2-40B4-BE49-F238E27FC236}">
+                <a16:creationId xmlns:a16="http://schemas.microsoft.com/office/drawing/2014/main" id="{2E2D70C5-FCF0-4A9C-B8EF-8779DF33E01A}"/>
+              </a:ext>
+            </a:extLst>
+          </p:cNvPr>
+          <p:cNvPicPr>
+            <a:picLocks noGrp="1" noChangeAspect="1" noChangeArrowheads="1"/>
+          </p:cNvPicPr>
+          <p:nvPr>
+            <p:ph idx="1"/>
+          </p:nvPr>
+        </p:nvPicPr>
+        <p:blipFill>
+          <a:blip r:embed="rId2">
+            <a:extLst>
+              <a:ext uri="{28A0092B-C50C-407E-A947-70E740481C1C}">
+                <a14:useLocalDpi xmlns:a14="http://schemas.microsoft.com/office/drawing/2010/main" val="0"/>
+              </a:ext>
+            </a:extLst>
+          </a:blip>
+          <a:srcRect/>
+          <a:stretch>
+            <a:fillRect/>
+          </a:stretch>
+        </p:blipFill>
+        <p:spPr bwMode="auto">
+          <a:xfrm>
+            <a:off x="1027044" y="2603399"/>
+            <a:ext cx="4091141" cy="2704098"/>
+          </a:xfrm>
+          <a:prstGeom prst="rect">
+            <a:avLst/>
+          </a:prstGeom>
+          <a:noFill/>
+          <a:extLst>
+            <a:ext uri="{909E8E84-426E-40DD-AFC4-6F175D3DCCD1}">
+              <a14:hiddenFill xmlns:a14="http://schemas.microsoft.com/office/drawing/2010/main">
+                <a:solidFill>
+                  <a:srgbClr val="FFFFFF"/>
+                </a:solidFill>
+              </a14:hiddenFill>
+            </a:ext>
+          </a:extLst>
+        </p:spPr>
+      </p:pic>
+      <p:pic>
+        <p:nvPicPr>
+          <p:cNvPr id="10" name="Picture 9">
+            <a:extLst>
+              <a:ext uri="{FF2B5EF4-FFF2-40B4-BE49-F238E27FC236}">
+                <a16:creationId xmlns:a16="http://schemas.microsoft.com/office/drawing/2014/main" id="{472E2551-B3E6-4E18-B205-64AA069FE00B}"/>
+              </a:ext>
+            </a:extLst>
+          </p:cNvPr>
+          <p:cNvPicPr>
+            <a:picLocks noChangeAspect="1"/>
+          </p:cNvPicPr>
+          <p:nvPr/>
+        </p:nvPicPr>
+        <p:blipFill>
+          <a:blip r:embed="rId3"/>
+          <a:stretch>
+            <a:fillRect/>
+          </a:stretch>
+        </p:blipFill>
+        <p:spPr>
+          <a:xfrm>
+            <a:off x="6255667" y="4405854"/>
+            <a:ext cx="4717132" cy="1803286"/>
+          </a:xfrm>
+          <a:prstGeom prst="rect">
+            <a:avLst/>
+          </a:prstGeom>
+        </p:spPr>
+      </p:pic>
+      <p:pic>
+        <p:nvPicPr>
+          <p:cNvPr id="12" name="Picture 11">
+            <a:extLst>
+              <a:ext uri="{FF2B5EF4-FFF2-40B4-BE49-F238E27FC236}">
+                <a16:creationId xmlns:a16="http://schemas.microsoft.com/office/drawing/2014/main" id="{E5CACBB7-FD00-4219-9C87-2C5531EC2C15}"/>
+              </a:ext>
+            </a:extLst>
+          </p:cNvPr>
+          <p:cNvPicPr>
+            <a:picLocks noChangeAspect="1"/>
+          </p:cNvPicPr>
+          <p:nvPr/>
+        </p:nvPicPr>
+        <p:blipFill>
+          <a:blip r:embed="rId4"/>
+          <a:stretch>
+            <a:fillRect/>
+          </a:stretch>
+        </p:blipFill>
+        <p:spPr>
+          <a:xfrm>
+            <a:off x="6255667" y="1466755"/>
+            <a:ext cx="4091141" cy="2582927"/>
+          </a:xfrm>
+          <a:prstGeom prst="rect">
+            <a:avLst/>
+          </a:prstGeom>
+        </p:spPr>
+      </p:pic>
+    </p:spTree>
+    <p:extLst>
+      <p:ext uri="{BB962C8B-B14F-4D97-AF65-F5344CB8AC3E}">
+        <p14:creationId xmlns:p14="http://schemas.microsoft.com/office/powerpoint/2010/main" val="3331372130"/>
+      </p:ext>
+    </p:extLst>
+  </p:cSld>
+  <p:clrMapOvr>
+    <a:masterClrMapping/>
+  </p:clrMapOvr>
+</p:sld>
+</file>
+
+<file path=ppt/slides/slide7.xml><?xml version="1.0" encoding="utf-8"?>
+<p:sld xmlns:a="http://schemas.openxmlformats.org/drawingml/2006/main" xmlns:r="http://schemas.openxmlformats.org/officeDocument/2006/relationships" xmlns:p="http://schemas.openxmlformats.org/presentationml/2006/main">
+  <p:cSld>
+    <p:spTree>
+      <p:nvGrpSpPr>
+        <p:cNvPr id="1" name=""/>
+        <p:cNvGrpSpPr/>
+        <p:nvPr/>
+      </p:nvGrpSpPr>
+      <p:grpSpPr>
+        <a:xfrm>
+          <a:off x="0" y="0"/>
+          <a:ext cx="0" cy="0"/>
+          <a:chOff x="0" y="0"/>
+          <a:chExt cx="0" cy="0"/>
+        </a:xfrm>
+      </p:grpSpPr>
+      <p:sp>
+        <p:nvSpPr>
+          <p:cNvPr id="2" name="Title 1">
+            <a:extLst>
+              <a:ext uri="{FF2B5EF4-FFF2-40B4-BE49-F238E27FC236}">
+                <a16:creationId xmlns:a16="http://schemas.microsoft.com/office/drawing/2014/main" id="{98C30922-1452-42C1-B5E8-E81F16DDC1F9}"/>
+              </a:ext>
+            </a:extLst>
+          </p:cNvPr>
+          <p:cNvSpPr>
+            <a:spLocks noGrp="1"/>
+          </p:cNvSpPr>
+          <p:nvPr>
+            <p:ph type="title"/>
+          </p:nvPr>
+        </p:nvSpPr>
+        <p:spPr>
+          <a:xfrm>
+            <a:off x="838200" y="365125"/>
+            <a:ext cx="10515600" cy="1006475"/>
+          </a:xfrm>
+        </p:spPr>
+        <p:txBody>
+          <a:bodyPr/>
+          <a:lstStyle/>
+          <a:p>
+            <a:r>
+              <a:rPr lang="en-US" b="0" i="0" dirty="0">
+                <a:solidFill>
+                  <a:srgbClr val="000000"/>
+                </a:solidFill>
+                <a:effectLst/>
+                <a:latin typeface="-apple-system"/>
+              </a:rPr>
+              <a:t>Angular uses </a:t>
+            </a:r>
+            <a:r>
+              <a:rPr lang="en-US" b="0" i="0" dirty="0" err="1">
+                <a:solidFill>
+                  <a:srgbClr val="000000"/>
+                </a:solidFill>
+                <a:effectLst/>
+                <a:latin typeface="-apple-system"/>
+              </a:rPr>
+              <a:t>RxJS</a:t>
+            </a:r>
+            <a:r>
+              <a:rPr lang="en-US" b="0" i="0" dirty="0">
+                <a:solidFill>
+                  <a:srgbClr val="000000"/>
+                </a:solidFill>
+                <a:effectLst/>
+                <a:latin typeface="-apple-system"/>
+              </a:rPr>
+              <a:t> library</a:t>
+            </a:r>
+            <a:endParaRPr lang="en-US" dirty="0"/>
+          </a:p>
+        </p:txBody>
+      </p:sp>
+      <p:sp>
+        <p:nvSpPr>
+          <p:cNvPr id="4" name="Content Placeholder 3">
+            <a:extLst>
+              <a:ext uri="{FF2B5EF4-FFF2-40B4-BE49-F238E27FC236}">
+                <a16:creationId xmlns:a16="http://schemas.microsoft.com/office/drawing/2014/main" id="{E3F5F9EC-BE0C-4614-B801-D16B7BAE27AE}"/>
+              </a:ext>
+            </a:extLst>
+          </p:cNvPr>
+          <p:cNvSpPr>
+            <a:spLocks noGrp="1"/>
+          </p:cNvSpPr>
+          <p:nvPr>
+            <p:ph idx="1"/>
+          </p:nvPr>
+        </p:nvSpPr>
+        <p:spPr>
+          <a:xfrm>
+            <a:off x="838200" y="1690688"/>
+            <a:ext cx="10515600" cy="4486275"/>
+          </a:xfrm>
+        </p:spPr>
+        <p:txBody>
+          <a:bodyPr>
+            <a:normAutofit/>
+          </a:bodyPr>
+          <a:lstStyle/>
+          <a:p>
+            <a:pPr algn="l" fontAlgn="base">
+              <a:buFont typeface="Arial" panose="020B0604020202020204" pitchFamily="34" charset="0"/>
+              <a:buChar char="•"/>
+            </a:pPr>
+            <a:r>
+              <a:rPr lang="en-US" b="0" i="0" dirty="0" err="1">
+                <a:solidFill>
+                  <a:srgbClr val="000000"/>
+                </a:solidFill>
+                <a:effectLst/>
+                <a:latin typeface="-apple-system"/>
+              </a:rPr>
+              <a:t>EventEmitter</a:t>
+            </a:r>
+            <a:r>
+              <a:rPr lang="en-US" b="0" i="0" dirty="0">
+                <a:solidFill>
+                  <a:srgbClr val="000000"/>
+                </a:solidFill>
+                <a:effectLst/>
+                <a:latin typeface="-apple-system"/>
+              </a:rPr>
+              <a:t> - </a:t>
+            </a:r>
+            <a:r>
+              <a:rPr lang="en-US" b="0" i="0" dirty="0">
+                <a:solidFill>
+                  <a:srgbClr val="333333"/>
+                </a:solidFill>
+                <a:effectLst/>
+                <a:latin typeface="Lato"/>
+              </a:rPr>
+              <a:t>Under the hood this works via Observables.</a:t>
+            </a:r>
+            <a:endParaRPr lang="en-US" b="0" i="0" dirty="0">
+              <a:solidFill>
+                <a:srgbClr val="000000"/>
+              </a:solidFill>
+              <a:effectLst/>
+              <a:latin typeface="-apple-system"/>
+            </a:endParaRPr>
+          </a:p>
+          <a:p>
+            <a:pPr algn="l" fontAlgn="base">
+              <a:buFont typeface="Arial" panose="020B0604020202020204" pitchFamily="34" charset="0"/>
+              <a:buChar char="•"/>
+            </a:pPr>
+            <a:r>
+              <a:rPr lang="en-US" b="0" i="0" dirty="0">
+                <a:solidFill>
+                  <a:srgbClr val="000000"/>
+                </a:solidFill>
+                <a:effectLst/>
+                <a:latin typeface="-apple-system"/>
+              </a:rPr>
+              <a:t>Http</a:t>
+            </a:r>
+          </a:p>
+          <a:p>
+            <a:pPr lvl="1" fontAlgn="base"/>
+            <a:r>
+              <a:rPr lang="en-US" b="0" i="0" dirty="0">
+                <a:solidFill>
+                  <a:srgbClr val="000000"/>
+                </a:solidFill>
+                <a:effectLst/>
+                <a:latin typeface="-apple-system"/>
+              </a:rPr>
+              <a:t>Reacting to an HTTP request</a:t>
+            </a:r>
+          </a:p>
+          <a:p>
+            <a:pPr lvl="1" fontAlgn="base"/>
+            <a:r>
+              <a:rPr lang="en-US" b="0" i="0" dirty="0">
+                <a:solidFill>
+                  <a:srgbClr val="000000"/>
+                </a:solidFill>
+                <a:effectLst/>
+                <a:latin typeface="-apple-system"/>
+              </a:rPr>
+              <a:t>The HTTP module uses observables to handle AJAX requests and responses</a:t>
+            </a:r>
+          </a:p>
+          <a:p>
+            <a:pPr algn="l" fontAlgn="base">
+              <a:buFont typeface="Arial" panose="020B0604020202020204" pitchFamily="34" charset="0"/>
+              <a:buChar char="•"/>
+            </a:pPr>
+            <a:r>
+              <a:rPr lang="en-US" dirty="0">
+                <a:solidFill>
+                  <a:srgbClr val="000000"/>
+                </a:solidFill>
+                <a:latin typeface="-apple-system"/>
+              </a:rPr>
+              <a:t>Forms</a:t>
+            </a:r>
+          </a:p>
+          <a:p>
+            <a:pPr lvl="1" fontAlgn="base"/>
+            <a:r>
+              <a:rPr lang="en-US" dirty="0">
+                <a:solidFill>
+                  <a:srgbClr val="000000"/>
+                </a:solidFill>
+                <a:latin typeface="-apple-system"/>
+              </a:rPr>
+              <a:t>Value changes / Status Changes in </a:t>
+            </a:r>
+            <a:r>
+              <a:rPr lang="en-US" b="0" i="0" dirty="0">
+                <a:solidFill>
+                  <a:srgbClr val="000000"/>
+                </a:solidFill>
+                <a:effectLst/>
+                <a:latin typeface="-apple-system"/>
+              </a:rPr>
+              <a:t>Angular Forms</a:t>
+            </a:r>
+          </a:p>
+          <a:p>
+            <a:pPr lvl="1" fontAlgn="base"/>
+            <a:r>
+              <a:rPr lang="en-US" b="0" i="0" dirty="0">
+                <a:solidFill>
+                  <a:srgbClr val="000000"/>
+                </a:solidFill>
+                <a:effectLst/>
+                <a:latin typeface="-apple-system"/>
+              </a:rPr>
+              <a:t>The Router and Forms modules use observables to listen for and respond to user-input events.</a:t>
+            </a:r>
+          </a:p>
+          <a:p>
+            <a:pPr algn="l" fontAlgn="base">
+              <a:buFont typeface="Arial" panose="020B0604020202020204" pitchFamily="34" charset="0"/>
+              <a:buChar char="•"/>
+            </a:pPr>
+            <a:r>
+              <a:rPr lang="en-US" b="0" i="0" dirty="0">
+                <a:solidFill>
+                  <a:srgbClr val="000000"/>
+                </a:solidFill>
+                <a:effectLst/>
+                <a:latin typeface="-apple-system"/>
+              </a:rPr>
+              <a:t>Define custom events that send observable output data from a child to a parent component.</a:t>
+            </a:r>
+          </a:p>
+          <a:p>
+            <a:pPr marL="0" indent="0" algn="l" fontAlgn="base">
+              <a:buNone/>
+            </a:pPr>
+            <a:endParaRPr lang="en-US" b="0" i="0" dirty="0">
+              <a:solidFill>
+                <a:srgbClr val="000000"/>
+              </a:solidFill>
+              <a:effectLst/>
+              <a:latin typeface="-apple-system"/>
+            </a:endParaRPr>
+          </a:p>
+          <a:p>
+            <a:endParaRPr lang="en-US" dirty="0"/>
+          </a:p>
+        </p:txBody>
+      </p:sp>
+    </p:spTree>
+    <p:extLst>
+      <p:ext uri="{BB962C8B-B14F-4D97-AF65-F5344CB8AC3E}">
+        <p14:creationId xmlns:p14="http://schemas.microsoft.com/office/powerpoint/2010/main" val="182865448"/>
+      </p:ext>
+    </p:extLst>
+  </p:cSld>
+  <p:clrMapOvr>
+    <a:masterClrMapping/>
+  </p:clrMapOvr>
+</p:sld>
+</file>
+
+<file path=ppt/slides/slide8.xml><?xml version="1.0" encoding="utf-8"?>
+<p:sld xmlns:a="http://schemas.openxmlformats.org/drawingml/2006/main" xmlns:r="http://schemas.openxmlformats.org/officeDocument/2006/relationships" xmlns:p="http://schemas.openxmlformats.org/presentationml/2006/main">
+  <p:cSld>
+    <p:spTree>
+      <p:nvGrpSpPr>
+        <p:cNvPr id="1" name=""/>
+        <p:cNvGrpSpPr/>
+        <p:nvPr/>
+      </p:nvGrpSpPr>
+      <p:grpSpPr>
+        <a:xfrm>
+          <a:off x="0" y="0"/>
+          <a:ext cx="0" cy="0"/>
+          <a:chOff x="0" y="0"/>
+          <a:chExt cx="0" cy="0"/>
+        </a:xfrm>
+      </p:grpSpPr>
+      <p:sp>
+        <p:nvSpPr>
+          <p:cNvPr id="2" name="Title 1">
+            <a:extLst>
+              <a:ext uri="{FF2B5EF4-FFF2-40B4-BE49-F238E27FC236}">
+                <a16:creationId xmlns:a16="http://schemas.microsoft.com/office/drawing/2014/main" id="{98C30922-1452-42C1-B5E8-E81F16DDC1F9}"/>
+              </a:ext>
+            </a:extLst>
+          </p:cNvPr>
+          <p:cNvSpPr>
+            <a:spLocks noGrp="1"/>
+          </p:cNvSpPr>
+          <p:nvPr>
+            <p:ph type="title"/>
+          </p:nvPr>
+        </p:nvSpPr>
+        <p:spPr/>
+        <p:txBody>
+          <a:bodyPr/>
+          <a:lstStyle/>
+          <a:p>
+            <a:r>
+              <a:rPr lang="en-US" dirty="0"/>
+              <a:t>Template-Driven Forms</a:t>
+            </a:r>
+          </a:p>
+        </p:txBody>
+      </p:sp>
+      <p:pic>
+        <p:nvPicPr>
+          <p:cNvPr id="6" name="Content Placeholder 5">
+            <a:extLst>
+              <a:ext uri="{FF2B5EF4-FFF2-40B4-BE49-F238E27FC236}">
+                <a16:creationId xmlns:a16="http://schemas.microsoft.com/office/drawing/2014/main" id="{C30886B9-5794-420B-B1C4-143C6EEEB80C}"/>
+              </a:ext>
+            </a:extLst>
+          </p:cNvPr>
+          <p:cNvPicPr>
+            <a:picLocks noGrp="1" noChangeAspect="1"/>
+          </p:cNvPicPr>
+          <p:nvPr>
+            <p:ph idx="1"/>
+          </p:nvPr>
+        </p:nvPicPr>
+        <p:blipFill>
+          <a:blip r:embed="rId2">
+            <a:extLst>
+              <a:ext uri="{28A0092B-C50C-407E-A947-70E740481C1C}">
+                <a14:useLocalDpi xmlns:a14="http://schemas.microsoft.com/office/drawing/2010/main" val="0"/>
+              </a:ext>
+            </a:extLst>
+          </a:blip>
+          <a:stretch>
+            <a:fillRect/>
+          </a:stretch>
+        </p:blipFill>
+        <p:spPr>
+          <a:xfrm>
+            <a:off x="838201" y="1910474"/>
+            <a:ext cx="5387834" cy="3453372"/>
+          </a:xfrm>
+        </p:spPr>
+      </p:pic>
+      <p:pic>
+        <p:nvPicPr>
+          <p:cNvPr id="12" name="Content Placeholder 4">
+            <a:extLst>
+              <a:ext uri="{FF2B5EF4-FFF2-40B4-BE49-F238E27FC236}">
+                <a16:creationId xmlns:a16="http://schemas.microsoft.com/office/drawing/2014/main" id="{90F5E8C4-4074-4638-B9FA-37806D8EE342}"/>
+              </a:ext>
+            </a:extLst>
+          </p:cNvPr>
+          <p:cNvPicPr>
+            <a:picLocks noChangeAspect="1"/>
+          </p:cNvPicPr>
+          <p:nvPr/>
+        </p:nvPicPr>
+        <p:blipFill>
+          <a:blip r:embed="rId3">
+            <a:extLst>
+              <a:ext uri="{28A0092B-C50C-407E-A947-70E740481C1C}">
+                <a14:useLocalDpi xmlns:a14="http://schemas.microsoft.com/office/drawing/2010/main" val="0"/>
+              </a:ext>
+            </a:extLst>
+          </a:blip>
+          <a:stretch>
+            <a:fillRect/>
+          </a:stretch>
+        </p:blipFill>
+        <p:spPr>
+          <a:xfrm>
+            <a:off x="6568937" y="1690688"/>
+            <a:ext cx="5200328" cy="3673158"/>
+          </a:xfrm>
+          <a:prstGeom prst="rect">
+            <a:avLst/>
+          </a:prstGeom>
+        </p:spPr>
+      </p:pic>
+    </p:spTree>
+    <p:extLst>
+      <p:ext uri="{BB962C8B-B14F-4D97-AF65-F5344CB8AC3E}">
+        <p14:creationId xmlns:p14="http://schemas.microsoft.com/office/powerpoint/2010/main" val="1709141692"/>
+      </p:ext>
+    </p:extLst>
+  </p:cSld>
+  <p:clrMapOvr>
+    <a:masterClrMapping/>
+  </p:clrMapOvr>
+</p:sld>
+</file>
+
 <file path=ppt/slides/slide9.xml><?xml version="1.0" encoding="utf-8"?>
 <p:sld xmlns:a="http://schemas.openxmlformats.org/drawingml/2006/main" xmlns:r="http://schemas.openxmlformats.org/officeDocument/2006/relationships" xmlns:p="http://schemas.openxmlformats.org/presentationml/2006/main">
   <p:cSld>
@@ -8749,132 +9157,50 @@
           <a:p>
             <a:r>
               <a:rPr lang="en-US" dirty="0"/>
-              <a:t>Angular Material</a:t>
-            </a:r>
-          </a:p>
-        </p:txBody>
-      </p:sp>
-      <p:sp>
-        <p:nvSpPr>
-          <p:cNvPr id="4" name="Content Placeholder 3">
-            <a:extLst>
-              <a:ext uri="{FF2B5EF4-FFF2-40B4-BE49-F238E27FC236}">
-                <a16:creationId xmlns:a16="http://schemas.microsoft.com/office/drawing/2014/main" id="{5C53CAC8-94A9-4F78-9C99-B63DCE714EA5}"/>
-              </a:ext>
-            </a:extLst>
-          </p:cNvPr>
-          <p:cNvSpPr>
-            <a:spLocks noGrp="1"/>
-          </p:cNvSpPr>
+              <a:t>Template-Driven Forms : Data Flow</a:t>
+            </a:r>
+          </a:p>
+        </p:txBody>
+      </p:sp>
+      <p:pic>
+        <p:nvPicPr>
+          <p:cNvPr id="7" name="Content Placeholder 6">
+            <a:extLst>
+              <a:ext uri="{FF2B5EF4-FFF2-40B4-BE49-F238E27FC236}">
+                <a16:creationId xmlns:a16="http://schemas.microsoft.com/office/drawing/2014/main" id="{38A85951-1E28-41B7-A2E0-839B94DBC35D}"/>
+              </a:ext>
+            </a:extLst>
+          </p:cNvPr>
+          <p:cNvPicPr>
+            <a:picLocks noGrp="1" noChangeAspect="1"/>
+          </p:cNvPicPr>
           <p:nvPr>
             <p:ph idx="1"/>
           </p:nvPr>
-        </p:nvSpPr>
-        <p:spPr/>
-        <p:txBody>
-          <a:bodyPr>
-            <a:normAutofit fontScale="62500" lnSpcReduction="20000"/>
-          </a:bodyPr>
-          <a:lstStyle/>
-          <a:p>
-            <a:pPr marL="0" indent="0">
-              <a:buNone/>
-            </a:pPr>
-            <a:r>
-              <a:rPr lang="en-US" b="1" dirty="0"/>
-              <a:t>Features</a:t>
-            </a:r>
-          </a:p>
-          <a:p>
-            <a:pPr fontAlgn="ctr"/>
-            <a:r>
-              <a:rPr lang="en-US" dirty="0"/>
-              <a:t>In-built responsive designing.</a:t>
-            </a:r>
-          </a:p>
-          <a:p>
-            <a:pPr fontAlgn="ctr"/>
-            <a:r>
-              <a:rPr lang="en-US" dirty="0"/>
-              <a:t>Standard CSS with minimal footprint.</a:t>
-            </a:r>
-          </a:p>
-          <a:p>
-            <a:pPr fontAlgn="ctr"/>
-            <a:r>
-              <a:rPr lang="en-US" dirty="0"/>
-              <a:t>Includes new versions of common user interface controls such as buttons, check boxes, and text fields which are adapted to follow Material Design concepts.</a:t>
-            </a:r>
-          </a:p>
-          <a:p>
-            <a:pPr fontAlgn="ctr"/>
-            <a:r>
-              <a:rPr lang="en-US" dirty="0"/>
-              <a:t>Includes enhanced and specialized features like cards, toolbar, speed dial, side nav, swipe, and so on.</a:t>
-            </a:r>
-          </a:p>
-          <a:p>
-            <a:pPr fontAlgn="ctr"/>
-            <a:r>
-              <a:rPr lang="en-US" dirty="0"/>
-              <a:t>Cross-browser, and can be used to create reusable web components.</a:t>
-            </a:r>
-          </a:p>
-          <a:p>
-            <a:pPr marL="0" indent="0">
-              <a:buNone/>
-            </a:pPr>
-            <a:r>
-              <a:rPr lang="en-US" dirty="0"/>
-              <a:t> </a:t>
-            </a:r>
-          </a:p>
-          <a:p>
-            <a:pPr marL="0" indent="0">
-              <a:buNone/>
-            </a:pPr>
-            <a:r>
-              <a:rPr lang="en-US" b="1" dirty="0"/>
-              <a:t>Extensible</a:t>
-            </a:r>
-          </a:p>
-          <a:p>
-            <a:pPr fontAlgn="ctr"/>
-            <a:r>
-              <a:rPr lang="en-US" dirty="0"/>
-              <a:t>Angular Material is by design very minimal and flat.</a:t>
-            </a:r>
-          </a:p>
-          <a:p>
-            <a:pPr fontAlgn="ctr"/>
-            <a:r>
-              <a:rPr lang="en-US" dirty="0"/>
-              <a:t>It is designed considering the fact that it is much easier to add new CSS rules than to overwrite existing CSS rules.</a:t>
-            </a:r>
-          </a:p>
-          <a:p>
-            <a:pPr fontAlgn="ctr"/>
-            <a:r>
-              <a:rPr lang="en-US" dirty="0"/>
-              <a:t>It supports shadows and bold colors.</a:t>
-            </a:r>
-          </a:p>
-          <a:p>
-            <a:pPr fontAlgn="ctr"/>
-            <a:r>
-              <a:rPr lang="en-US" dirty="0"/>
-              <a:t>The colors and shades remain uniform across various platforms and devices</a:t>
-            </a:r>
-          </a:p>
-          <a:p>
-            <a:endParaRPr lang="en-US" dirty="0"/>
-          </a:p>
-        </p:txBody>
-      </p:sp>
+        </p:nvPicPr>
+        <p:blipFill>
+          <a:blip r:embed="rId2">
+            <a:extLst>
+              <a:ext uri="{28A0092B-C50C-407E-A947-70E740481C1C}">
+                <a14:useLocalDpi xmlns:a14="http://schemas.microsoft.com/office/drawing/2010/main" val="0"/>
+              </a:ext>
+            </a:extLst>
+          </a:blip>
+          <a:stretch>
+            <a:fillRect/>
+          </a:stretch>
+        </p:blipFill>
+        <p:spPr>
+          <a:xfrm>
+            <a:off x="2326486" y="1825625"/>
+            <a:ext cx="7539028" cy="4351338"/>
+          </a:xfrm>
+        </p:spPr>
+      </p:pic>
     </p:spTree>
     <p:extLst>
       <p:ext uri="{BB962C8B-B14F-4D97-AF65-F5344CB8AC3E}">
-        <p14:creationId xmlns:p14="http://schemas.microsoft.com/office/powerpoint/2010/main" val="60001243"/>
+        <p14:creationId xmlns:p14="http://schemas.microsoft.com/office/powerpoint/2010/main" val="3141406908"/>
       </p:ext>
     </p:extLst>
   </p:cSld>

--- a/slides/Ang Sessions 2.pptx
+++ b/slides/Ang Sessions 2.pptx
@@ -5,7 +5,7 @@
     <p:sldMasterId id="2147483648" r:id="rId1"/>
   </p:sldMasterIdLst>
   <p:notesMasterIdLst>
-    <p:notesMasterId r:id="rId18"/>
+    <p:notesMasterId r:id="rId19"/>
   </p:notesMasterIdLst>
   <p:sldIdLst>
     <p:sldId id="274" r:id="rId2"/>
@@ -24,6 +24,7 @@
     <p:sldId id="322" r:id="rId15"/>
     <p:sldId id="316" r:id="rId16"/>
     <p:sldId id="315" r:id="rId17"/>
+    <p:sldId id="323" r:id="rId18"/>
   </p:sldIdLst>
   <p:sldSz cx="12192000" cy="6858000"/>
   <p:notesSz cx="6858000" cy="9144000"/>
@@ -6715,6 +6716,163 @@
     <p:extLst>
       <p:ext uri="{BB962C8B-B14F-4D97-AF65-F5344CB8AC3E}">
         <p14:creationId xmlns:p14="http://schemas.microsoft.com/office/powerpoint/2010/main" val="3167034908"/>
+      </p:ext>
+    </p:extLst>
+  </p:cSld>
+  <p:clrMapOvr>
+    <a:masterClrMapping/>
+  </p:clrMapOvr>
+</p:sld>
+</file>
+
+<file path=ppt/slides/slide17.xml><?xml version="1.0" encoding="utf-8"?>
+<p:sld xmlns:a="http://schemas.openxmlformats.org/drawingml/2006/main" xmlns:r="http://schemas.openxmlformats.org/officeDocument/2006/relationships" xmlns:p="http://schemas.openxmlformats.org/presentationml/2006/main">
+  <p:cSld>
+    <p:spTree>
+      <p:nvGrpSpPr>
+        <p:cNvPr id="1" name=""/>
+        <p:cNvGrpSpPr/>
+        <p:nvPr/>
+      </p:nvGrpSpPr>
+      <p:grpSpPr>
+        <a:xfrm>
+          <a:off x="0" y="0"/>
+          <a:ext cx="0" cy="0"/>
+          <a:chOff x="0" y="0"/>
+          <a:chExt cx="0" cy="0"/>
+        </a:xfrm>
+      </p:grpSpPr>
+      <p:sp>
+        <p:nvSpPr>
+          <p:cNvPr id="2" name="Title 1">
+            <a:extLst>
+              <a:ext uri="{FF2B5EF4-FFF2-40B4-BE49-F238E27FC236}">
+                <a16:creationId xmlns:a16="http://schemas.microsoft.com/office/drawing/2014/main" id="{2F04E776-D282-4869-BE47-A4D3CE16F0D6}"/>
+              </a:ext>
+            </a:extLst>
+          </p:cNvPr>
+          <p:cNvSpPr>
+            <a:spLocks noGrp="1"/>
+          </p:cNvSpPr>
+          <p:nvPr>
+            <p:ph type="title"/>
+          </p:nvPr>
+        </p:nvSpPr>
+        <p:spPr/>
+        <p:txBody>
+          <a:bodyPr/>
+          <a:lstStyle/>
+          <a:p>
+            <a:r>
+              <a:rPr lang="en-US" dirty="0"/>
+              <a:t>DI &amp; Providers	</a:t>
+            </a:r>
+          </a:p>
+        </p:txBody>
+      </p:sp>
+      <p:sp>
+        <p:nvSpPr>
+          <p:cNvPr id="5" name="Content Placeholder 4">
+            <a:extLst>
+              <a:ext uri="{FF2B5EF4-FFF2-40B4-BE49-F238E27FC236}">
+                <a16:creationId xmlns:a16="http://schemas.microsoft.com/office/drawing/2014/main" id="{0746E4BE-D8CC-4C71-9B64-3E84CC159228}"/>
+              </a:ext>
+            </a:extLst>
+          </p:cNvPr>
+          <p:cNvSpPr>
+            <a:spLocks noGrp="1"/>
+          </p:cNvSpPr>
+          <p:nvPr>
+            <p:ph idx="1"/>
+          </p:nvPr>
+        </p:nvSpPr>
+        <p:spPr/>
+        <p:txBody>
+          <a:bodyPr>
+            <a:normAutofit fontScale="85000" lnSpcReduction="20000"/>
+          </a:bodyPr>
+          <a:lstStyle/>
+          <a:p>
+            <a:pPr marL="0" indent="0">
+              <a:buNone/>
+            </a:pPr>
+            <a:r>
+              <a:rPr lang="en-US" dirty="0"/>
+              <a:t>The DI framework in Angular consists of 4 concepts working together:</a:t>
+            </a:r>
+          </a:p>
+          <a:p>
+            <a:pPr marL="0" indent="0">
+              <a:buNone/>
+            </a:pPr>
+            <a:endParaRPr lang="en-US" dirty="0"/>
+          </a:p>
+          <a:p>
+            <a:pPr marL="0" indent="0">
+              <a:buNone/>
+            </a:pPr>
+            <a:r>
+              <a:rPr lang="en-US" b="1" dirty="0"/>
+              <a:t>Token</a:t>
+            </a:r>
+          </a:p>
+          <a:p>
+            <a:r>
+              <a:rPr lang="en-US" dirty="0"/>
+              <a:t>This uniquely identifies something that we want injected. A dependency of our code.</a:t>
+            </a:r>
+          </a:p>
+          <a:p>
+            <a:pPr marL="0" indent="0">
+              <a:buNone/>
+            </a:pPr>
+            <a:r>
+              <a:rPr lang="en-US" b="1" dirty="0"/>
+              <a:t>Dependency</a:t>
+            </a:r>
+          </a:p>
+          <a:p>
+            <a:r>
+              <a:rPr lang="en-US" dirty="0"/>
+              <a:t>The actual code we want injected.</a:t>
+            </a:r>
+          </a:p>
+          <a:p>
+            <a:pPr marL="0" indent="0">
+              <a:buNone/>
+            </a:pPr>
+            <a:r>
+              <a:rPr lang="en-US" b="1" dirty="0"/>
+              <a:t>Provider</a:t>
+            </a:r>
+          </a:p>
+          <a:p>
+            <a:r>
+              <a:rPr lang="en-US" dirty="0"/>
+              <a:t>This is a map between a token and a list of dependencies.</a:t>
+            </a:r>
+          </a:p>
+          <a:p>
+            <a:pPr marL="0" indent="0">
+              <a:buNone/>
+            </a:pPr>
+            <a:r>
+              <a:rPr lang="en-US" b="1" dirty="0"/>
+              <a:t>Injector</a:t>
+            </a:r>
+          </a:p>
+          <a:p>
+            <a:r>
+              <a:rPr lang="en-US" dirty="0"/>
+              <a:t>This is a function which when passed a token returns a dependency (or list of dependencies).</a:t>
+            </a:r>
+          </a:p>
+        </p:txBody>
+      </p:sp>
+    </p:spTree>
+    <p:extLst>
+      <p:ext uri="{BB962C8B-B14F-4D97-AF65-F5344CB8AC3E}">
+        <p14:creationId xmlns:p14="http://schemas.microsoft.com/office/powerpoint/2010/main" val="3321175930"/>
       </p:ext>
     </p:extLst>
   </p:cSld>
